--- a/docs/cna/CVE_Entry_Submission_Process.pptx
+++ b/docs/cna/CVE_Entry_Submission_Process.pptx
@@ -198,6 +198,43 @@
 </p:cmAuthorLst>
 </file>
 
+<file path=ppt/revisionInfo.xml><?xml version="1.0" encoding="utf-8"?>
+<p1510:revInfo xmlns:a="http://schemas.openxmlformats.org/drawingml/2006/main" xmlns:r="http://schemas.openxmlformats.org/officeDocument/2006/relationships" xmlns:p1510="http://schemas.microsoft.com/office/powerpoint/2015/10/main">
+  <p1510:revLst>
+    <p1510:client id="{B7D474B9-520C-4B03-AEF5-2FC330D96853}" v="1" dt="2019-02-20T22:03:56.846"/>
+  </p1510:revLst>
+</p1510:revInfo>
+</file>
+
+<file path=ppt/changesInfos/changesInfo1.xml><?xml version="1.0" encoding="utf-8"?>
+<pc:chgInfo xmlns:a="http://schemas.openxmlformats.org/drawingml/2006/main" xmlns:r="http://schemas.openxmlformats.org/officeDocument/2006/relationships" xmlns:ac="http://schemas.microsoft.com/office/drawing/2013/main/command" xmlns:pc="http://schemas.microsoft.com/office/powerpoint/2013/main/command">
+  <pc:docChgLst>
+    <pc:chgData name="Robert Roberge" userId="7d3ba1ecd22967b8" providerId="LiveId" clId="{B7D474B9-520C-4B03-AEF5-2FC330D96853}"/>
+    <pc:docChg chg="modSld">
+      <pc:chgData name="Robert Roberge" userId="7d3ba1ecd22967b8" providerId="LiveId" clId="{B7D474B9-520C-4B03-AEF5-2FC330D96853}" dt="2019-02-20T22:03:56.841" v="0"/>
+      <pc:docMkLst>
+        <pc:docMk/>
+      </pc:docMkLst>
+      <pc:sldChg chg="delSp">
+        <pc:chgData name="Robert Roberge" userId="7d3ba1ecd22967b8" providerId="LiveId" clId="{B7D474B9-520C-4B03-AEF5-2FC330D96853}" dt="2019-02-20T22:03:56.841" v="0"/>
+        <pc:sldMkLst>
+          <pc:docMk/>
+          <pc:sldMk cId="3040779904" sldId="297"/>
+        </pc:sldMkLst>
+        <pc:spChg chg="del">
+          <ac:chgData name="Robert Roberge" userId="7d3ba1ecd22967b8" providerId="LiveId" clId="{B7D474B9-520C-4B03-AEF5-2FC330D96853}" dt="2019-02-20T22:03:56.841" v="0"/>
+          <ac:spMkLst>
+            <pc:docMk/>
+            <pc:sldMk cId="3040779904" sldId="297"/>
+            <ac:spMk id="6" creationId="{5575901E-5C1C-47EB-BA93-EE0265143D08}"/>
+          </ac:spMkLst>
+        </pc:spChg>
+      </pc:sldChg>
+    </pc:docChg>
+  </pc:docChgLst>
+</pc:chgInfo>
+</file>
+
 <file path=ppt/notesMasters/notesMaster1.xml><?xml version="1.0" encoding="utf-8"?>
 <p:notesMaster xmlns:a="http://schemas.openxmlformats.org/drawingml/2006/main" xmlns:r="http://schemas.openxmlformats.org/officeDocument/2006/relationships" xmlns:p="http://schemas.openxmlformats.org/presentationml/2006/main">
   <p:cSld>
@@ -280,7 +317,7 @@
           <a:p>
             <a:fld id="{C48A5AB8-C75E-4242-AC76-9DAE875A82E7}" type="datetimeFigureOut">
               <a:rPr lang="en-US" smtClean="0"/>
-              <a:t>2/8/2019</a:t>
+              <a:t>2/20/2019</a:t>
             </a:fld>
             <a:endParaRPr lang="en-US"/>
           </a:p>
@@ -8357,33 +8394,6 @@
           <a:chExt cx="0" cy="0"/>
         </a:xfrm>
       </p:grpSpPr>
-      <p:sp>
-        <p:nvSpPr>
-          <p:cNvPr id="6" name="Subtitle 5">
-            <a:extLst>
-              <a:ext uri="{FF2B5EF4-FFF2-40B4-BE49-F238E27FC236}">
-                <a16:creationId xmlns:a16="http://schemas.microsoft.com/office/drawing/2014/main" id="{5575901E-5C1C-47EB-BA93-EE0265143D08}"/>
-              </a:ext>
-            </a:extLst>
-          </p:cNvPr>
-          <p:cNvSpPr>
-            <a:spLocks noGrp="1"/>
-          </p:cNvSpPr>
-          <p:nvPr>
-            <p:ph type="subTitle" idx="1"/>
-          </p:nvPr>
-        </p:nvSpPr>
-        <p:spPr/>
-        <p:txBody>
-          <a:bodyPr>
-            <a:normAutofit lnSpcReduction="10000"/>
-          </a:bodyPr>
-          <a:lstStyle/>
-          <a:p>
-            <a:endParaRPr lang="en-US"/>
-          </a:p>
-        </p:txBody>
-      </p:sp>
       <p:sp>
         <p:nvSpPr>
           <p:cNvPr id="5" name="Title 4">
@@ -15099,16 +15109,6 @@
 </file>
 
 <file path=customXml/item1.xml><?xml version="1.0" encoding="utf-8"?>
-<?mso-contentType ?>
-<customXsn xmlns="http://schemas.microsoft.com/office/2006/metadata/customXsn">
-  <xsnLocation/>
-  <cached>True</cached>
-  <openByDefault>True</openByDefault>
-  <xsnScope/>
-</customXsn>
-</file>
-
-<file path=customXml/item2.xml><?xml version="1.0" encoding="utf-8"?>
 <ct:contentTypeSchema xmlns:ct="http://schemas.microsoft.com/office/2006/metadata/contentType" xmlns:ma="http://schemas.microsoft.com/office/2006/metadata/properties/metaAttributes" ct:_="" ma:_="" ma:contentTypeName="MITRE Work" ma:contentTypeID="0x010100823A99C636F7423283FB0D200866C61300046EF137D886814EA48E9F4D2AC65CA0" ma:contentTypeVersion="4" ma:contentTypeDescription="Materials and documents that contain MITRE authored content and other content directly attributable to MITRE and its work" ma:contentTypeScope="" ma:versionID="9e7c9f56b2734f566fdb5204fe796dc0">
   <xsd:schema xmlns:xsd="http://www.w3.org/2001/XMLSchema" xmlns:xs="http://www.w3.org/2001/XMLSchema" xmlns:p="http://schemas.microsoft.com/office/2006/metadata/properties" xmlns:ns1="http://schemas.microsoft.com/sharepoint/v3" xmlns:ns2="http://schemas.microsoft.com/sharepoint/v3/fields" xmlns:ns3="c3cfd81e-ca69-4211-966f-1b3244494c2d" targetNamespace="http://schemas.microsoft.com/office/2006/metadata/properties" ma:root="true" ma:fieldsID="2502f5ea607b95f7d2307a10387476b6" ns1:_="" ns2:_="" ns3:_="">
     <xsd:import namespace="http://schemas.microsoft.com/sharepoint/v3"/>
@@ -15297,6 +15297,15 @@
 </ct:contentTypeSchema>
 </file>
 
+<file path=customXml/item2.xml><?xml version="1.0" encoding="utf-8"?>
+<?mso-contentType ?>
+<FormTemplates xmlns="http://schemas.microsoft.com/sharepoint/v3/contenttype/forms">
+  <Display>DocumentLibraryForm</Display>
+  <Edit>DocumentLibraryForm</Edit>
+  <New>DocumentLibraryForm</New>
+</FormTemplates>
+</file>
+
 <file path=customXml/item3.xml><?xml version="1.0" encoding="utf-8"?>
 <p:properties xmlns:p="http://schemas.microsoft.com/office/2006/metadata/properties" xmlns:xsi="http://www.w3.org/2001/XMLSchema-instance" xmlns:pc="http://schemas.microsoft.com/office/infopath/2007/PartnerControls">
   <documentManagement>
@@ -15309,22 +15318,15 @@
 
 <file path=customXml/item4.xml><?xml version="1.0" encoding="utf-8"?>
 <?mso-contentType ?>
-<FormTemplates xmlns="http://schemas.microsoft.com/sharepoint/v3/contenttype/forms">
-  <Display>DocumentLibraryForm</Display>
-  <Edit>DocumentLibraryForm</Edit>
-  <New>DocumentLibraryForm</New>
-</FormTemplates>
+<customXsn xmlns="http://schemas.microsoft.com/office/2006/metadata/customXsn">
+  <xsnLocation/>
+  <cached>True</cached>
+  <openByDefault>True</openByDefault>
+  <xsnScope/>
+</customXsn>
 </file>
 
 <file path=customXml/itemProps1.xml><?xml version="1.0" encoding="utf-8"?>
-<ds:datastoreItem xmlns:ds="http://schemas.openxmlformats.org/officeDocument/2006/customXml" ds:itemID="{DA4BE8BC-21DD-494E-8FAB-B2E9DD91F2E2}">
-  <ds:schemaRefs>
-    <ds:schemaRef ds:uri="http://schemas.microsoft.com/office/2006/metadata/customXsn"/>
-  </ds:schemaRefs>
-</ds:datastoreItem>
-</file>
-
-<file path=customXml/itemProps2.xml><?xml version="1.0" encoding="utf-8"?>
 <ds:datastoreItem xmlns:ds="http://schemas.openxmlformats.org/officeDocument/2006/customXml" ds:itemID="{A65AD2E1-D25C-4989-A7E5-178B1A4BDC51}">
   <ds:schemaRefs>
     <ds:schemaRef ds:uri="http://schemas.microsoft.com/office/2006/metadata/contentType"/>
@@ -15344,28 +15346,29 @@
 </ds:datastoreItem>
 </file>
 
+<file path=customXml/itemProps2.xml><?xml version="1.0" encoding="utf-8"?>
+<ds:datastoreItem xmlns:ds="http://schemas.openxmlformats.org/officeDocument/2006/customXml" ds:itemID="{7B6B16B2-404F-4040-9CA3-AFE4C0590207}">
+  <ds:schemaRefs>
+    <ds:schemaRef ds:uri="http://schemas.microsoft.com/sharepoint/v3/contenttype/forms"/>
+  </ds:schemaRefs>
+</ds:datastoreItem>
+</file>
+
 <file path=customXml/itemProps3.xml><?xml version="1.0" encoding="utf-8"?>
 <ds:datastoreItem xmlns:ds="http://schemas.openxmlformats.org/officeDocument/2006/customXml" ds:itemID="{760E1BCA-B7C8-4D5D-A2B9-87067345F3DD}">
   <ds:schemaRefs>
-    <ds:schemaRef ds:uri="http://schemas.microsoft.com/office/2006/documentManagement/types"/>
+    <ds:schemaRef ds:uri="http://schemas.microsoft.com/office/2006/metadata/properties"/>
     <ds:schemaRef ds:uri="http://schemas.microsoft.com/office/infopath/2007/PartnerControls"/>
-    <ds:schemaRef ds:uri="c3cfd81e-ca69-4211-966f-1b3244494c2d"/>
-    <ds:schemaRef ds:uri="http://purl.org/dc/elements/1.1/"/>
-    <ds:schemaRef ds:uri="http://schemas.microsoft.com/office/2006/metadata/properties"/>
     <ds:schemaRef ds:uri="http://schemas.microsoft.com/sharepoint/v3"/>
-    <ds:schemaRef ds:uri="http://purl.org/dc/terms/"/>
-    <ds:schemaRef ds:uri="http://schemas.openxmlformats.org/package/2006/metadata/core-properties"/>
     <ds:schemaRef ds:uri="http://schemas.microsoft.com/sharepoint/v3/fields"/>
-    <ds:schemaRef ds:uri="http://www.w3.org/XML/1998/namespace"/>
-    <ds:schemaRef ds:uri="http://purl.org/dc/dcmitype/"/>
   </ds:schemaRefs>
 </ds:datastoreItem>
 </file>
 
 <file path=customXml/itemProps4.xml><?xml version="1.0" encoding="utf-8"?>
-<ds:datastoreItem xmlns:ds="http://schemas.openxmlformats.org/officeDocument/2006/customXml" ds:itemID="{7B6B16B2-404F-4040-9CA3-AFE4C0590207}">
+<ds:datastoreItem xmlns:ds="http://schemas.openxmlformats.org/officeDocument/2006/customXml" ds:itemID="{DA4BE8BC-21DD-494E-8FAB-B2E9DD91F2E2}">
   <ds:schemaRefs>
-    <ds:schemaRef ds:uri="http://schemas.microsoft.com/sharepoint/v3/contenttype/forms"/>
+    <ds:schemaRef ds:uri="http://schemas.microsoft.com/office/2006/metadata/customXsn"/>
   </ds:schemaRefs>
 </ds:datastoreItem>
 </file>
--- a/docs/cna/CVE_Entry_Submission_Process.pptx
+++ b/docs/cna/CVE_Entry_Submission_Process.pptx
@@ -261,7 +261,7 @@
           <a:p>
             <a:fld id="{FD8C879B-2DAC-426D-B5B4-08F42B952A26}" type="datetimeFigureOut">
               <a:rPr lang="en-US" smtClean="0"/>
-              <a:t>3/4/2019</a:t>
+              <a:t>3/7/2019</a:t>
             </a:fld>
             <a:endParaRPr lang="en-US"/>
           </a:p>
@@ -438,7 +438,7 @@
           <a:p>
             <a:fld id="{92E54576-A3BB-48F9-891E-992E86D01A7B}" type="datetimeFigureOut">
               <a:rPr lang="en-US" smtClean="0"/>
-              <a:t>3/4/2019</a:t>
+              <a:t>3/7/2019</a:t>
             </a:fld>
             <a:endParaRPr lang="en-US"/>
           </a:p>
@@ -9450,7 +9450,7 @@
         <p:spPr/>
         <p:txBody>
           <a:bodyPr>
-            <a:normAutofit lnSpcReduction="10000"/>
+            <a:normAutofit/>
           </a:bodyPr>
           <a:lstStyle/>
           <a:p>
@@ -9492,28 +9492,6 @@
             <a:r>
               <a:rPr lang="en-US" dirty="0" err="1">
                 <a:hlinkClick r:id="rId2"/>
-              </a:rPr>
-              <a:t>cvelist</a:t>
-            </a:r>
-            <a:r>
-              <a:rPr lang="en-US" dirty="0"/>
-              <a:t>, but child CNAs of DWF for </a:t>
-            </a:r>
-            <a:r>
-              <a:rPr lang="en-US" dirty="0" err="1">
-                <a:hlinkClick r:id="rId3"/>
-              </a:rPr>
-              <a:t>distributedweaknessfiling</a:t>
-            </a:r>
-            <a:r>
-              <a:rPr lang="en-US" dirty="0">
-                <a:hlinkClick r:id="rId3"/>
-              </a:rPr>
-              <a:t>/</a:t>
-            </a:r>
-            <a:r>
-              <a:rPr lang="en-US" dirty="0" err="1">
-                <a:hlinkClick r:id="rId3"/>
               </a:rPr>
               <a:t>cvelist</a:t>
             </a:r>
@@ -10940,11 +10918,8 @@
           <a:p>
             <a:r>
               <a:rPr lang="en-US" dirty="0"/>
-              <a:t>It is strongly recommended that submissions use signed commits. Please note that some hierarchies (e.g., the DWF) require all submissions to be signed</a:t>
-            </a:r>
-          </a:p>
-          <a:p>
-            <a:endParaRPr lang="en-US" dirty="0"/>
+              <a:t>It is strongly recommended that submissions use signed commits. Please note that some hierarchies may require all submissions to be signed</a:t>
+            </a:r>
           </a:p>
         </p:txBody>
       </p:sp>
@@ -16694,6 +16669,15 @@
 
 <file path=customXml/item1.xml><?xml version="1.0" encoding="utf-8"?>
 <?mso-contentType ?>
+<FormTemplates xmlns="http://schemas.microsoft.com/sharepoint/v3/contenttype/forms">
+  <Display>DocumentLibraryForm</Display>
+  <Edit>DocumentLibraryForm</Edit>
+  <New>DocumentLibraryForm</New>
+</FormTemplates>
+</file>
+
+<file path=customXml/item2.xml><?xml version="1.0" encoding="utf-8"?>
+<?mso-contentType ?>
 <customXsn xmlns="http://schemas.microsoft.com/office/2006/metadata/customXsn">
   <xsnLocation/>
   <cached>True</cached>
@@ -16702,16 +16686,24 @@
 </customXsn>
 </file>
 
-<file path=customXml/item2.xml><?xml version="1.0" encoding="utf-8"?>
-<?mso-contentType ?>
-<FormTemplates xmlns="http://schemas.microsoft.com/sharepoint/v3/contenttype/forms">
-  <Display>DocumentLibraryForm</Display>
-  <Edit>DocumentLibraryForm</Edit>
-  <New>DocumentLibraryForm</New>
-</FormTemplates>
+<file path=customXml/item3.xml><?xml version="1.0" encoding="utf-8"?>
+<p:properties xmlns:p="http://schemas.microsoft.com/office/2006/metadata/properties" xmlns:xsi="http://www.w3.org/2001/XMLSchema-instance" xmlns:pc="http://schemas.microsoft.com/office/infopath/2007/PartnerControls">
+  <documentManagement>
+    <MITRE_x0020_Sensitivity xmlns="http://schemas.microsoft.com/sharepoint/v3">Internal MITRE Information</MITRE_x0020_Sensitivity>
+    <SortOrder xmlns="45d44e74-5c87-4253-a1a6-fb7a2a9835a8">5</SortOrder>
+    <_Contributor xmlns="http://schemas.microsoft.com/sharepoint/v3/fields" xsi:nil="true"/>
+    <Release_x0020_Statement xmlns="http://schemas.microsoft.com/sharepoint/v3">For Internal MITRE Use</Release_x0020_Statement>
+    <Site_x0020_Page xmlns="45d44e74-5c87-4253-a1a6-fb7a2a9835a8">
+      <Value>47</Value>
+    </Site_x0020_Page>
+    <Date xmlns="45d44e74-5c87-4253-a1a6-fb7a2a9835a8" xsi:nil="true"/>
+    <IconOverlay xmlns="http://schemas.microsoft.com/sharepoint/v4" xsi:nil="true"/>
+    <DocType xmlns="45d44e74-5c87-4253-a1a6-fb7a2a9835a8">Template</DocType>
+  </documentManagement>
+</p:properties>
 </file>
 
-<file path=customXml/item3.xml><?xml version="1.0" encoding="utf-8"?>
+<file path=customXml/item4.xml><?xml version="1.0" encoding="utf-8"?>
 <ct:contentTypeSchema xmlns:ct="http://schemas.microsoft.com/office/2006/metadata/contentType" xmlns:ma="http://schemas.microsoft.com/office/2006/metadata/properties/metaAttributes" ct:_="" ma:_="" ma:contentTypeName="MITRE Work" ma:contentTypeID="0x0101001EAE5F8AE92E0443B0635AEF5BFC9F76004C6CC03BF5DC804FBBC33E4E55C06EE9" ma:contentTypeVersion="6" ma:contentTypeDescription="Materials and documents that contain MITRE authored content and other content directly attributable to MITRE and its work" ma:contentTypeScope="" ma:versionID="4ad27c3cbde4a5e69cf872f973dbc972">
   <xsd:schema xmlns:xsd="http://www.w3.org/2001/XMLSchema" xmlns:xs="http://www.w3.org/2001/XMLSchema" xmlns:p="http://schemas.microsoft.com/office/2006/metadata/properties" xmlns:ns1="http://schemas.microsoft.com/sharepoint/v3" xmlns:ns2="http://schemas.microsoft.com/sharepoint/v3/fields" xmlns:ns3="45d44e74-5c87-4253-a1a6-fb7a2a9835a8" xmlns:ns4="http://schemas.microsoft.com/sharepoint/v4" xmlns:ns5="d6dad062-3ecc-4c2a-98eb-3d03c2389ab6" targetNamespace="http://schemas.microsoft.com/office/2006/metadata/properties" ma:root="true" ma:fieldsID="8c7f8a686deeddaa67bf50c4d10033f6" ns1:_="" ns2:_="" ns3:_="" ns4:_="" ns5:_="">
     <xsd:import namespace="http://schemas.microsoft.com/sharepoint/v3"/>
@@ -16956,24 +16948,15 @@
 </ct:contentTypeSchema>
 </file>
 
-<file path=customXml/item4.xml><?xml version="1.0" encoding="utf-8"?>
-<p:properties xmlns:p="http://schemas.microsoft.com/office/2006/metadata/properties" xmlns:xsi="http://www.w3.org/2001/XMLSchema-instance" xmlns:pc="http://schemas.microsoft.com/office/infopath/2007/PartnerControls">
-  <documentManagement>
-    <MITRE_x0020_Sensitivity xmlns="http://schemas.microsoft.com/sharepoint/v3">Internal MITRE Information</MITRE_x0020_Sensitivity>
-    <SortOrder xmlns="45d44e74-5c87-4253-a1a6-fb7a2a9835a8">5</SortOrder>
-    <_Contributor xmlns="http://schemas.microsoft.com/sharepoint/v3/fields" xsi:nil="true"/>
-    <Release_x0020_Statement xmlns="http://schemas.microsoft.com/sharepoint/v3">For Internal MITRE Use</Release_x0020_Statement>
-    <Site_x0020_Page xmlns="45d44e74-5c87-4253-a1a6-fb7a2a9835a8">
-      <Value>47</Value>
-    </Site_x0020_Page>
-    <Date xmlns="45d44e74-5c87-4253-a1a6-fb7a2a9835a8" xsi:nil="true"/>
-    <IconOverlay xmlns="http://schemas.microsoft.com/sharepoint/v4" xsi:nil="true"/>
-    <DocType xmlns="45d44e74-5c87-4253-a1a6-fb7a2a9835a8">Template</DocType>
-  </documentManagement>
-</p:properties>
+<file path=customXml/itemProps1.xml><?xml version="1.0" encoding="utf-8"?>
+<ds:datastoreItem xmlns:ds="http://schemas.openxmlformats.org/officeDocument/2006/customXml" ds:itemID="{416BA5C9-2D71-4B86-AE8A-8C0D9BC5FB22}">
+  <ds:schemaRefs>
+    <ds:schemaRef ds:uri="http://schemas.microsoft.com/sharepoint/v3/contenttype/forms"/>
+  </ds:schemaRefs>
+</ds:datastoreItem>
 </file>
 
-<file path=customXml/itemProps1.xml><?xml version="1.0" encoding="utf-8"?>
+<file path=customXml/itemProps2.xml><?xml version="1.0" encoding="utf-8"?>
 <ds:datastoreItem xmlns:ds="http://schemas.openxmlformats.org/officeDocument/2006/customXml" ds:itemID="{589A4884-CA84-4BD3-BCA6-39AECD72E50D}">
   <ds:schemaRefs>
     <ds:schemaRef ds:uri="http://schemas.microsoft.com/office/2006/metadata/customXsn"/>
@@ -16981,15 +16964,27 @@
 </ds:datastoreItem>
 </file>
 
-<file path=customXml/itemProps2.xml><?xml version="1.0" encoding="utf-8"?>
-<ds:datastoreItem xmlns:ds="http://schemas.openxmlformats.org/officeDocument/2006/customXml" ds:itemID="{416BA5C9-2D71-4B86-AE8A-8C0D9BC5FB22}">
+<file path=customXml/itemProps3.xml><?xml version="1.0" encoding="utf-8"?>
+<ds:datastoreItem xmlns:ds="http://schemas.openxmlformats.org/officeDocument/2006/customXml" ds:itemID="{5450FCDD-08B1-48D8-BB50-7A17E590A5EE}">
   <ds:schemaRefs>
-    <ds:schemaRef ds:uri="http://schemas.microsoft.com/sharepoint/v3/contenttype/forms"/>
+    <ds:schemaRef ds:uri="http://purl.org/dc/elements/1.1/"/>
+    <ds:schemaRef ds:uri="http://schemas.microsoft.com/office/2006/metadata/properties"/>
+    <ds:schemaRef ds:uri="d6dad062-3ecc-4c2a-98eb-3d03c2389ab6"/>
+    <ds:schemaRef ds:uri="http://schemas.microsoft.com/office/2006/documentManagement/types"/>
+    <ds:schemaRef ds:uri="http://schemas.microsoft.com/sharepoint/v3"/>
+    <ds:schemaRef ds:uri="http://schemas.microsoft.com/sharepoint/v4"/>
+    <ds:schemaRef ds:uri="http://purl.org/dc/terms/"/>
+    <ds:schemaRef ds:uri="http://schemas.openxmlformats.org/package/2006/metadata/core-properties"/>
+    <ds:schemaRef ds:uri="45d44e74-5c87-4253-a1a6-fb7a2a9835a8"/>
+    <ds:schemaRef ds:uri="http://purl.org/dc/dcmitype/"/>
+    <ds:schemaRef ds:uri="http://schemas.microsoft.com/office/infopath/2007/PartnerControls"/>
+    <ds:schemaRef ds:uri="http://schemas.microsoft.com/sharepoint/v3/fields"/>
+    <ds:schemaRef ds:uri="http://www.w3.org/XML/1998/namespace"/>
   </ds:schemaRefs>
 </ds:datastoreItem>
 </file>
 
-<file path=customXml/itemProps3.xml><?xml version="1.0" encoding="utf-8"?>
+<file path=customXml/itemProps4.xml><?xml version="1.0" encoding="utf-8"?>
 <ds:datastoreItem xmlns:ds="http://schemas.openxmlformats.org/officeDocument/2006/customXml" ds:itemID="{E3E4C7FE-9143-4635-B164-5CEF7469C30A}">
   <ds:schemaRefs>
     <ds:schemaRef ds:uri="http://schemas.microsoft.com/office/2006/metadata/contentType"/>
@@ -17009,24 +17004,4 @@
     <ds:schemaRef ds:uri="http://schemas.microsoft.com/internal/obd"/>
   </ds:schemaRefs>
 </ds:datastoreItem>
-</file>
-
-<file path=customXml/itemProps4.xml><?xml version="1.0" encoding="utf-8"?>
-<ds:datastoreItem xmlns:ds="http://schemas.openxmlformats.org/officeDocument/2006/customXml" ds:itemID="{5450FCDD-08B1-48D8-BB50-7A17E590A5EE}">
-  <ds:schemaRefs>
-    <ds:schemaRef ds:uri="http://schemas.microsoft.com/office/2006/metadata/properties"/>
-    <ds:schemaRef ds:uri="d6dad062-3ecc-4c2a-98eb-3d03c2389ab6"/>
-    <ds:schemaRef ds:uri="http://schemas.microsoft.com/sharepoint/v3"/>
-    <ds:schemaRef ds:uri="http://schemas.microsoft.com/sharepoint/v4"/>
-    <ds:schemaRef ds:uri="http://purl.org/dc/terms/"/>
-    <ds:schemaRef ds:uri="http://schemas.openxmlformats.org/package/2006/metadata/core-properties"/>
-    <ds:schemaRef ds:uri="45d44e74-5c87-4253-a1a6-fb7a2a9835a8"/>
-    <ds:schemaRef ds:uri="http://schemas.microsoft.com/office/2006/documentManagement/types"/>
-    <ds:schemaRef ds:uri="http://schemas.microsoft.com/office/infopath/2007/PartnerControls"/>
-    <ds:schemaRef ds:uri="http://purl.org/dc/elements/1.1/"/>
-    <ds:schemaRef ds:uri="http://schemas.microsoft.com/sharepoint/v3/fields"/>
-    <ds:schemaRef ds:uri="http://www.w3.org/XML/1998/namespace"/>
-    <ds:schemaRef ds:uri="http://purl.org/dc/dcmitype/"/>
-  </ds:schemaRefs>
-</ds:datastoreItem>
 </file>
--- a/docs/cna/CVE_Entry_Submission_Process.pptx
+++ b/docs/cna/CVE_Entry_Submission_Process.pptx
@@ -269,7 +269,7 @@
           <a:p>
             <a:fld id="{FD8C879B-2DAC-426D-B5B4-08F42B952A26}" type="datetimeFigureOut">
               <a:rPr lang="en-US" smtClean="0"/>
-              <a:t>5/21/2019</a:t>
+              <a:t>9/9/2019</a:t>
             </a:fld>
             <a:endParaRPr lang="en-US"/>
           </a:p>
@@ -446,7 +446,7 @@
           <a:p>
             <a:fld id="{92E54576-A3BB-48F9-891E-992E86D01A7B}" type="datetimeFigureOut">
               <a:rPr lang="en-US" smtClean="0"/>
-              <a:t>5/21/2019</a:t>
+              <a:t>9/9/2019</a:t>
             </a:fld>
             <a:endParaRPr lang="en-US"/>
           </a:p>
@@ -2355,7 +2355,7 @@
   <p:clrMapOvr>
     <a:masterClrMapping/>
   </p:clrMapOvr>
-  <p:extLst mod="1">
+  <p:extLst>
     <p:ext uri="{DCECCB84-F9BA-43D5-87BE-67443E8EF086}">
       <p15:sldGuideLst xmlns:p15="http://schemas.microsoft.com/office/powerpoint/2012/main">
         <p15:guide id="1" orient="horz" pos="2160">
@@ -5337,7 +5337,7 @@
       </a:lvl9pPr>
     </p:otherStyle>
   </p:txStyles>
-  <p:extLst mod="1">
+  <p:extLst>
     <p:ext uri="{27BBF7A9-308A-43DC-89C8-2F10F3537804}">
       <p15:sldGuideLst xmlns:p15="http://schemas.microsoft.com/office/powerpoint/2012/main"/>
     </p:ext>
@@ -14238,9 +14238,10 @@
               <a:buNone/>
             </a:pPr>
             <a:r>
-              <a:rPr lang="en-US" dirty="0"/>
-              <a:t>[DESCRIPTION ]:</a:t>
-            </a:r>
+              <a:rPr lang="en-US"/>
+              <a:t>[DESCRIPTION]:</a:t>
+            </a:r>
+            <a:endParaRPr lang="en-US" dirty="0"/>
           </a:p>
           <a:p>
             <a:pPr marL="0" indent="0">
@@ -15465,18 +15466,18 @@
 </file>
 
 <file path=customXml/item1.xml><?xml version="1.0" encoding="utf-8"?>
+<p:properties xmlns:p="http://schemas.microsoft.com/office/2006/metadata/properties" xmlns:xsi="http://www.w3.org/2001/XMLSchema-instance" xmlns:pc="http://schemas.microsoft.com/office/infopath/2007/PartnerControls">
+  <documentManagement/>
+</p:properties>
+</file>
+
+<file path=customXml/item2.xml><?xml version="1.0" encoding="utf-8"?>
 <?mso-contentType ?>
 <FormTemplates xmlns="http://schemas.microsoft.com/sharepoint/v3/contenttype/forms">
   <Display>DocumentLibraryForm</Display>
   <Edit>DocumentLibraryForm</Edit>
   <New>DocumentLibraryForm</New>
 </FormTemplates>
-</file>
-
-<file path=customXml/item2.xml><?xml version="1.0" encoding="utf-8"?>
-<p:properties xmlns:p="http://schemas.microsoft.com/office/2006/metadata/properties" xmlns:xsi="http://www.w3.org/2001/XMLSchema-instance" xmlns:pc="http://schemas.microsoft.com/office/infopath/2007/PartnerControls">
-  <documentManagement/>
-</p:properties>
 </file>
 
 <file path=customXml/item3.xml><?xml version="1.0" encoding="utf-8"?>
@@ -15594,14 +15595,6 @@
 </file>
 
 <file path=customXml/itemProps1.xml><?xml version="1.0" encoding="utf-8"?>
-<ds:datastoreItem xmlns:ds="http://schemas.openxmlformats.org/officeDocument/2006/customXml" ds:itemID="{416BA5C9-2D71-4B86-AE8A-8C0D9BC5FB22}">
-  <ds:schemaRefs>
-    <ds:schemaRef ds:uri="http://schemas.microsoft.com/sharepoint/v3/contenttype/forms"/>
-  </ds:schemaRefs>
-</ds:datastoreItem>
-</file>
-
-<file path=customXml/itemProps2.xml><?xml version="1.0" encoding="utf-8"?>
 <ds:datastoreItem xmlns:ds="http://schemas.openxmlformats.org/officeDocument/2006/customXml" ds:itemID="{5450FCDD-08B1-48D8-BB50-7A17E590A5EE}">
   <ds:schemaRefs>
     <ds:schemaRef ds:uri="http://purl.org/dc/terms/"/>
@@ -15612,6 +15605,14 @@
     <ds:schemaRef ds:uri="http://schemas.microsoft.com/office/2006/documentManagement/types"/>
     <ds:schemaRef ds:uri="http://schemas.openxmlformats.org/package/2006/metadata/core-properties"/>
     <ds:schemaRef ds:uri="http://schemas.microsoft.com/office/2006/metadata/properties"/>
+  </ds:schemaRefs>
+</ds:datastoreItem>
+</file>
+
+<file path=customXml/itemProps2.xml><?xml version="1.0" encoding="utf-8"?>
+<ds:datastoreItem xmlns:ds="http://schemas.openxmlformats.org/officeDocument/2006/customXml" ds:itemID="{416BA5C9-2D71-4B86-AE8A-8C0D9BC5FB22}">
+  <ds:schemaRefs>
+    <ds:schemaRef ds:uri="http://schemas.microsoft.com/sharepoint/v3/contenttype/forms"/>
   </ds:schemaRefs>
 </ds:datastoreItem>
 </file>

--- a/docs/cna/CVE_Entry_Submission_Process.pptx
+++ b/docs/cna/CVE_Entry_Submission_Process.pptx
@@ -60,7 +60,7 @@
     <p:sldId id="313" r:id="rId51"/>
   </p:sldIdLst>
   <p:sldSz cx="12192000" cy="6858000"/>
-  <p:notesSz cx="6858000" cy="9144000"/>
+  <p:notesSz cx="7026275" cy="9312275"/>
   <p:defaultTextStyle>
     <a:defPPr>
       <a:defRPr lang="en-US"/>
@@ -157,6 +157,69 @@
     </a:lvl9pPr>
   </p:defaultTextStyle>
   <p:extLst>
+    <p:ext uri="{521415D9-36F7-43E2-AB2F-B90AF26B5E84}">
+      <p14:sectionLst xmlns:p14="http://schemas.microsoft.com/office/powerpoint/2010/main">
+        <p14:section name="Default Section" id="{E24B0CD3-FC9E-4ACB-A694-13D40C651DE3}">
+          <p14:sldIdLst>
+            <p14:sldId id="256"/>
+            <p14:sldId id="260"/>
+            <p14:sldId id="281"/>
+            <p14:sldId id="282"/>
+            <p14:sldId id="283"/>
+            <p14:sldId id="314"/>
+            <p14:sldId id="299"/>
+            <p14:sldId id="261"/>
+            <p14:sldId id="269"/>
+            <p14:sldId id="271"/>
+            <p14:sldId id="262"/>
+            <p14:sldId id="270"/>
+            <p14:sldId id="272"/>
+            <p14:sldId id="275"/>
+            <p14:sldId id="273"/>
+            <p14:sldId id="315"/>
+            <p14:sldId id="264"/>
+            <p14:sldId id="316"/>
+            <p14:sldId id="288"/>
+            <p14:sldId id="289"/>
+            <p14:sldId id="290"/>
+            <p14:sldId id="291"/>
+            <p14:sldId id="292"/>
+            <p14:sldId id="293"/>
+            <p14:sldId id="294"/>
+            <p14:sldId id="295"/>
+            <p14:sldId id="296"/>
+          </p14:sldIdLst>
+        </p14:section>
+        <p14:section name="Submissions thru GitHub" id="{C0FE922D-3292-43A6-82D2-CC658DE46AC0}">
+          <p14:sldIdLst>
+            <p14:sldId id="317"/>
+            <p14:sldId id="301"/>
+            <p14:sldId id="302"/>
+            <p14:sldId id="284"/>
+            <p14:sldId id="285"/>
+            <p14:sldId id="286"/>
+            <p14:sldId id="287"/>
+            <p14:sldId id="265"/>
+            <p14:sldId id="268"/>
+          </p14:sldIdLst>
+        </p14:section>
+        <p14:section name="Backup Slides" id="{CB2F0CD1-B11D-4F89-89BB-D0E72192A568}">
+          <p14:sldIdLst>
+            <p14:sldId id="318"/>
+            <p14:sldId id="304"/>
+            <p14:sldId id="305"/>
+            <p14:sldId id="306"/>
+            <p14:sldId id="307"/>
+            <p14:sldId id="308"/>
+            <p14:sldId id="309"/>
+            <p14:sldId id="310"/>
+            <p14:sldId id="311"/>
+            <p14:sldId id="312"/>
+            <p14:sldId id="313"/>
+          </p14:sldIdLst>
+        </p14:section>
+      </p14:sectionLst>
+    </p:ext>
     <p:ext uri="{EFAFB233-063F-42B5-8137-9DF3F51BA10A}">
       <p15:sldGuideLst xmlns:p15="http://schemas.microsoft.com/office/powerpoint/2012/main"/>
     </p:ext>
@@ -165,14 +228,6 @@
     </p:ext>
   </p:extLst>
 </p:presentation>
-</file>
-
-<file path=ppt/revisionInfo.xml><?xml version="1.0" encoding="utf-8"?>
-<p1510:revInfo xmlns:a="http://schemas.openxmlformats.org/drawingml/2006/main" xmlns:r="http://schemas.openxmlformats.org/officeDocument/2006/relationships" xmlns:p1510="http://schemas.microsoft.com/office/powerpoint/2015/10/main">
-  <p1510:revLst>
-    <p1510:client id="{1C647E25-8FAD-432E-93A7-01098F2611CB}" v="8" dt="2019-05-22T01:33:16.108"/>
-  </p1510:revLst>
-</p1510:revInfo>
 </file>
 
 <file path=ppt/handoutMasters/handoutMaster1.xml><?xml version="1.0" encoding="utf-8"?>
@@ -216,14 +271,14 @@
         <p:spPr>
           <a:xfrm>
             <a:off x="0" y="0"/>
-            <a:ext cx="2971800" cy="458788"/>
+            <a:ext cx="3044719" cy="467231"/>
           </a:xfrm>
           <a:prstGeom prst="rect">
             <a:avLst/>
           </a:prstGeom>
         </p:spPr>
         <p:txBody>
-          <a:bodyPr vert="horz" lIns="91440" tIns="45720" rIns="91440" bIns="45720" rtlCol="0"/>
+          <a:bodyPr vert="horz" lIns="93360" tIns="46680" rIns="93360" bIns="46680" rtlCol="0"/>
           <a:lstStyle>
             <a:lvl1pPr algn="l">
               <a:defRPr sz="1200"/>
@@ -252,15 +307,15 @@
         </p:nvSpPr>
         <p:spPr>
           <a:xfrm>
-            <a:off x="3884613" y="0"/>
-            <a:ext cx="2971800" cy="458788"/>
+            <a:off x="3979930" y="0"/>
+            <a:ext cx="3044719" cy="467231"/>
           </a:xfrm>
           <a:prstGeom prst="rect">
             <a:avLst/>
           </a:prstGeom>
         </p:spPr>
         <p:txBody>
-          <a:bodyPr vert="horz" lIns="91440" tIns="45720" rIns="91440" bIns="45720" rtlCol="0"/>
+          <a:bodyPr vert="horz" lIns="93360" tIns="46680" rIns="93360" bIns="46680" rtlCol="0"/>
           <a:lstStyle>
             <a:lvl1pPr algn="r">
               <a:defRPr sz="1200"/>
@@ -269,7 +324,7 @@
           <a:p>
             <a:fld id="{FD8C879B-2DAC-426D-B5B4-08F42B952A26}" type="datetimeFigureOut">
               <a:rPr lang="en-US" smtClean="0"/>
-              <a:t>9/9/2019</a:t>
+              <a:t>10/9/2019</a:t>
             </a:fld>
             <a:endParaRPr lang="en-US"/>
           </a:p>
@@ -293,15 +348,15 @@
         </p:nvSpPr>
         <p:spPr>
           <a:xfrm>
-            <a:off x="0" y="8685213"/>
-            <a:ext cx="2971800" cy="458787"/>
+            <a:off x="0" y="8845046"/>
+            <a:ext cx="3044719" cy="467230"/>
           </a:xfrm>
           <a:prstGeom prst="rect">
             <a:avLst/>
           </a:prstGeom>
         </p:spPr>
         <p:txBody>
-          <a:bodyPr vert="horz" lIns="91440" tIns="45720" rIns="91440" bIns="45720" rtlCol="0" anchor="b"/>
+          <a:bodyPr vert="horz" lIns="93360" tIns="46680" rIns="93360" bIns="46680" rtlCol="0" anchor="b"/>
           <a:lstStyle>
             <a:lvl1pPr algn="l">
               <a:defRPr sz="1200"/>
@@ -330,15 +385,15 @@
         </p:nvSpPr>
         <p:spPr>
           <a:xfrm>
-            <a:off x="3884613" y="8685213"/>
-            <a:ext cx="2971800" cy="458787"/>
+            <a:off x="3979930" y="8845046"/>
+            <a:ext cx="3044719" cy="467230"/>
           </a:xfrm>
           <a:prstGeom prst="rect">
             <a:avLst/>
           </a:prstGeom>
         </p:spPr>
         <p:txBody>
-          <a:bodyPr vert="horz" lIns="91440" tIns="45720" rIns="91440" bIns="45720" rtlCol="0" anchor="b"/>
+          <a:bodyPr vert="horz" lIns="93360" tIns="46680" rIns="93360" bIns="46680" rtlCol="0" anchor="b"/>
           <a:lstStyle>
             <a:lvl1pPr algn="r">
               <a:defRPr sz="1200"/>
@@ -399,14 +454,14 @@
         <p:spPr>
           <a:xfrm>
             <a:off x="0" y="0"/>
-            <a:ext cx="2971800" cy="458788"/>
+            <a:ext cx="3044719" cy="467231"/>
           </a:xfrm>
           <a:prstGeom prst="rect">
             <a:avLst/>
           </a:prstGeom>
         </p:spPr>
         <p:txBody>
-          <a:bodyPr vert="horz" lIns="91440" tIns="45720" rIns="91440" bIns="45720" rtlCol="0"/>
+          <a:bodyPr vert="horz" lIns="93360" tIns="46680" rIns="93360" bIns="46680" rtlCol="0"/>
           <a:lstStyle>
             <a:lvl1pPr algn="l">
               <a:defRPr sz="1200"/>
@@ -429,15 +484,15 @@
         </p:nvSpPr>
         <p:spPr>
           <a:xfrm>
-            <a:off x="3884613" y="0"/>
-            <a:ext cx="2971800" cy="458788"/>
+            <a:off x="3979930" y="0"/>
+            <a:ext cx="3044719" cy="467231"/>
           </a:xfrm>
           <a:prstGeom prst="rect">
             <a:avLst/>
           </a:prstGeom>
         </p:spPr>
         <p:txBody>
-          <a:bodyPr vert="horz" lIns="91440" tIns="45720" rIns="91440" bIns="45720" rtlCol="0"/>
+          <a:bodyPr vert="horz" lIns="93360" tIns="46680" rIns="93360" bIns="46680" rtlCol="0"/>
           <a:lstStyle>
             <a:lvl1pPr algn="r">
               <a:defRPr sz="1200"/>
@@ -446,7 +501,7 @@
           <a:p>
             <a:fld id="{92E54576-A3BB-48F9-891E-992E86D01A7B}" type="datetimeFigureOut">
               <a:rPr lang="en-US" smtClean="0"/>
-              <a:t>9/9/2019</a:t>
+              <a:t>10/9/2019</a:t>
             </a:fld>
             <a:endParaRPr lang="en-US"/>
           </a:p>
@@ -464,8 +519,8 @@
         </p:nvSpPr>
         <p:spPr>
           <a:xfrm>
-            <a:off x="685800" y="1143000"/>
-            <a:ext cx="5486400" cy="3086100"/>
+            <a:off x="719138" y="1163638"/>
+            <a:ext cx="5588000" cy="3143250"/>
           </a:xfrm>
           <a:prstGeom prst="rect">
             <a:avLst/>
@@ -478,7 +533,7 @@
           </a:ln>
         </p:spPr>
         <p:txBody>
-          <a:bodyPr vert="horz" lIns="91440" tIns="45720" rIns="91440" bIns="45720" rtlCol="0" anchor="ctr"/>
+          <a:bodyPr vert="horz" lIns="93360" tIns="46680" rIns="93360" bIns="46680" rtlCol="0" anchor="ctr"/>
           <a:lstStyle/>
           <a:p>
             <a:endParaRPr lang="en-US"/>
@@ -497,15 +552,15 @@
         </p:nvSpPr>
         <p:spPr>
           <a:xfrm>
-            <a:off x="685800" y="4400550"/>
-            <a:ext cx="5486400" cy="3600450"/>
+            <a:off x="702628" y="4481532"/>
+            <a:ext cx="5621020" cy="3666708"/>
           </a:xfrm>
           <a:prstGeom prst="rect">
             <a:avLst/>
           </a:prstGeom>
         </p:spPr>
         <p:txBody>
-          <a:bodyPr vert="horz" lIns="91440" tIns="45720" rIns="91440" bIns="45720" rtlCol="0"/>
+          <a:bodyPr vert="horz" lIns="93360" tIns="46680" rIns="93360" bIns="46680" rtlCol="0"/>
           <a:lstStyle/>
           <a:p>
             <a:pPr lvl="0"/>
@@ -556,15 +611,15 @@
         </p:nvSpPr>
         <p:spPr>
           <a:xfrm>
-            <a:off x="0" y="8685213"/>
-            <a:ext cx="2971800" cy="458787"/>
+            <a:off x="0" y="8845046"/>
+            <a:ext cx="3044719" cy="467230"/>
           </a:xfrm>
           <a:prstGeom prst="rect">
             <a:avLst/>
           </a:prstGeom>
         </p:spPr>
         <p:txBody>
-          <a:bodyPr vert="horz" lIns="91440" tIns="45720" rIns="91440" bIns="45720" rtlCol="0" anchor="b"/>
+          <a:bodyPr vert="horz" lIns="93360" tIns="46680" rIns="93360" bIns="46680" rtlCol="0" anchor="b"/>
           <a:lstStyle>
             <a:lvl1pPr algn="l">
               <a:defRPr sz="1200"/>
@@ -587,15 +642,15 @@
         </p:nvSpPr>
         <p:spPr>
           <a:xfrm>
-            <a:off x="3884613" y="8685213"/>
-            <a:ext cx="2971800" cy="458787"/>
+            <a:off x="3979930" y="8845046"/>
+            <a:ext cx="3044719" cy="467230"/>
           </a:xfrm>
           <a:prstGeom prst="rect">
             <a:avLst/>
           </a:prstGeom>
         </p:spPr>
         <p:txBody>
-          <a:bodyPr vert="horz" lIns="91440" tIns="45720" rIns="91440" bIns="45720" rtlCol="0" anchor="b"/>
+          <a:bodyPr vert="horz" lIns="93360" tIns="46680" rIns="93360" bIns="46680" rtlCol="0" anchor="b"/>
           <a:lstStyle>
             <a:lvl1pPr algn="r">
               <a:defRPr sz="1200"/>
@@ -711,6 +766,4274 @@
     </a:lvl9pPr>
   </p:notesStyle>
 </p:notesMaster>
+</file>
+
+<file path=ppt/notesSlides/notesSlide1.xml><?xml version="1.0" encoding="utf-8"?>
+<p:notes xmlns:a="http://schemas.openxmlformats.org/drawingml/2006/main" xmlns:r="http://schemas.openxmlformats.org/officeDocument/2006/relationships" xmlns:p="http://schemas.openxmlformats.org/presentationml/2006/main">
+  <p:cSld>
+    <p:spTree>
+      <p:nvGrpSpPr>
+        <p:cNvPr id="1" name=""/>
+        <p:cNvGrpSpPr/>
+        <p:nvPr/>
+      </p:nvGrpSpPr>
+      <p:grpSpPr>
+        <a:xfrm>
+          <a:off x="0" y="0"/>
+          <a:ext cx="0" cy="0"/>
+          <a:chOff x="0" y="0"/>
+          <a:chExt cx="0" cy="0"/>
+        </a:xfrm>
+      </p:grpSpPr>
+      <p:sp>
+        <p:nvSpPr>
+          <p:cNvPr id="2" name="Slide Image Placeholder 1"/>
+          <p:cNvSpPr>
+            <a:spLocks noGrp="1" noRot="1" noChangeAspect="1"/>
+          </p:cNvSpPr>
+          <p:nvPr>
+            <p:ph type="sldImg"/>
+          </p:nvPr>
+        </p:nvSpPr>
+        <p:spPr/>
+      </p:sp>
+      <p:sp>
+        <p:nvSpPr>
+          <p:cNvPr id="3" name="Notes Placeholder 2"/>
+          <p:cNvSpPr>
+            <a:spLocks noGrp="1"/>
+          </p:cNvSpPr>
+          <p:nvPr>
+            <p:ph type="body" idx="1"/>
+          </p:nvPr>
+        </p:nvSpPr>
+        <p:spPr/>
+        <p:txBody>
+          <a:bodyPr/>
+          <a:lstStyle/>
+          <a:p>
+            <a:r>
+              <a:rPr lang="en-US" b="1" dirty="0"/>
+              <a:t>Voice Track: </a:t>
+            </a:r>
+            <a:r>
+              <a:rPr lang="en-US" dirty="0"/>
+              <a:t>So now that you know how to create CVE entries, how to get them to MITRE?</a:t>
+            </a:r>
+          </a:p>
+        </p:txBody>
+      </p:sp>
+      <p:sp>
+        <p:nvSpPr>
+          <p:cNvPr id="4" name="Slide Number Placeholder 3"/>
+          <p:cNvSpPr>
+            <a:spLocks noGrp="1"/>
+          </p:cNvSpPr>
+          <p:nvPr>
+            <p:ph type="sldNum" sz="quarter" idx="5"/>
+          </p:nvPr>
+        </p:nvSpPr>
+        <p:spPr/>
+        <p:txBody>
+          <a:bodyPr/>
+          <a:lstStyle/>
+          <a:p>
+            <a:fld id="{D58F3C89-9E49-4851-A18A-DAECD34FD650}" type="slidenum">
+              <a:rPr lang="en-US" smtClean="0"/>
+              <a:t>1</a:t>
+            </a:fld>
+            <a:endParaRPr lang="en-US"/>
+          </a:p>
+        </p:txBody>
+      </p:sp>
+    </p:spTree>
+    <p:extLst>
+      <p:ext uri="{BB962C8B-B14F-4D97-AF65-F5344CB8AC3E}">
+        <p14:creationId xmlns:p14="http://schemas.microsoft.com/office/powerpoint/2010/main" val="914412803"/>
+      </p:ext>
+    </p:extLst>
+  </p:cSld>
+  <p:clrMapOvr>
+    <a:masterClrMapping/>
+  </p:clrMapOvr>
+</p:notes>
+</file>
+
+<file path=ppt/notesSlides/notesSlide10.xml><?xml version="1.0" encoding="utf-8"?>
+<p:notes xmlns:a="http://schemas.openxmlformats.org/drawingml/2006/main" xmlns:r="http://schemas.openxmlformats.org/officeDocument/2006/relationships" xmlns:p="http://schemas.openxmlformats.org/presentationml/2006/main">
+  <p:cSld>
+    <p:spTree>
+      <p:nvGrpSpPr>
+        <p:cNvPr id="1" name=""/>
+        <p:cNvGrpSpPr/>
+        <p:nvPr/>
+      </p:nvGrpSpPr>
+      <p:grpSpPr>
+        <a:xfrm>
+          <a:off x="0" y="0"/>
+          <a:ext cx="0" cy="0"/>
+          <a:chOff x="0" y="0"/>
+          <a:chExt cx="0" cy="0"/>
+        </a:xfrm>
+      </p:grpSpPr>
+      <p:sp>
+        <p:nvSpPr>
+          <p:cNvPr id="2" name="Slide Image Placeholder 1"/>
+          <p:cNvSpPr>
+            <a:spLocks noGrp="1" noRot="1" noChangeAspect="1"/>
+          </p:cNvSpPr>
+          <p:nvPr>
+            <p:ph type="sldImg"/>
+          </p:nvPr>
+        </p:nvSpPr>
+        <p:spPr/>
+      </p:sp>
+      <p:sp>
+        <p:nvSpPr>
+          <p:cNvPr id="3" name="Notes Placeholder 2"/>
+          <p:cNvSpPr>
+            <a:spLocks noGrp="1"/>
+          </p:cNvSpPr>
+          <p:nvPr>
+            <p:ph type="body" idx="1"/>
+          </p:nvPr>
+        </p:nvSpPr>
+        <p:spPr/>
+        <p:txBody>
+          <a:bodyPr/>
+          <a:lstStyle/>
+          <a:p>
+            <a:r>
+              <a:rPr lang="en-US" b="1" dirty="0"/>
+              <a:t>Voice Track: </a:t>
+            </a:r>
+            <a:r>
+              <a:rPr lang="en-US" dirty="0"/>
+              <a:t>Here is an example of a flat file submission.</a:t>
+            </a:r>
+          </a:p>
+        </p:txBody>
+      </p:sp>
+      <p:sp>
+        <p:nvSpPr>
+          <p:cNvPr id="4" name="Slide Number Placeholder 3"/>
+          <p:cNvSpPr>
+            <a:spLocks noGrp="1"/>
+          </p:cNvSpPr>
+          <p:nvPr>
+            <p:ph type="sldNum" sz="quarter" idx="5"/>
+          </p:nvPr>
+        </p:nvSpPr>
+        <p:spPr/>
+        <p:txBody>
+          <a:bodyPr/>
+          <a:lstStyle/>
+          <a:p>
+            <a:fld id="{D58F3C89-9E49-4851-A18A-DAECD34FD650}" type="slidenum">
+              <a:rPr lang="en-US" smtClean="0"/>
+              <a:t>10</a:t>
+            </a:fld>
+            <a:endParaRPr lang="en-US"/>
+          </a:p>
+        </p:txBody>
+      </p:sp>
+    </p:spTree>
+    <p:extLst>
+      <p:ext uri="{BB962C8B-B14F-4D97-AF65-F5344CB8AC3E}">
+        <p14:creationId xmlns:p14="http://schemas.microsoft.com/office/powerpoint/2010/main" val="3814051497"/>
+      </p:ext>
+    </p:extLst>
+  </p:cSld>
+  <p:clrMapOvr>
+    <a:masterClrMapping/>
+  </p:clrMapOvr>
+</p:notes>
+</file>
+
+<file path=ppt/notesSlides/notesSlide11.xml><?xml version="1.0" encoding="utf-8"?>
+<p:notes xmlns:a="http://schemas.openxmlformats.org/drawingml/2006/main" xmlns:r="http://schemas.openxmlformats.org/officeDocument/2006/relationships" xmlns:p="http://schemas.openxmlformats.org/presentationml/2006/main">
+  <p:cSld>
+    <p:spTree>
+      <p:nvGrpSpPr>
+        <p:cNvPr id="1" name=""/>
+        <p:cNvGrpSpPr/>
+        <p:nvPr/>
+      </p:nvGrpSpPr>
+      <p:grpSpPr>
+        <a:xfrm>
+          <a:off x="0" y="0"/>
+          <a:ext cx="0" cy="0"/>
+          <a:chOff x="0" y="0"/>
+          <a:chExt cx="0" cy="0"/>
+        </a:xfrm>
+      </p:grpSpPr>
+      <p:sp>
+        <p:nvSpPr>
+          <p:cNvPr id="2" name="Slide Image Placeholder 1"/>
+          <p:cNvSpPr>
+            <a:spLocks noGrp="1" noRot="1" noChangeAspect="1"/>
+          </p:cNvSpPr>
+          <p:nvPr>
+            <p:ph type="sldImg"/>
+          </p:nvPr>
+        </p:nvSpPr>
+        <p:spPr/>
+      </p:sp>
+      <p:sp>
+        <p:nvSpPr>
+          <p:cNvPr id="3" name="Notes Placeholder 2"/>
+          <p:cNvSpPr>
+            <a:spLocks noGrp="1"/>
+          </p:cNvSpPr>
+          <p:nvPr>
+            <p:ph type="body" idx="1"/>
+          </p:nvPr>
+        </p:nvSpPr>
+        <p:spPr/>
+        <p:txBody>
+          <a:bodyPr/>
+          <a:lstStyle/>
+          <a:p>
+            <a:r>
+              <a:rPr lang="en-US" b="1" dirty="0"/>
+              <a:t>Voice Track: </a:t>
+            </a:r>
+            <a:r>
+              <a:rPr lang="en-US" dirty="0"/>
+              <a:t>The comma-separated values format is very similar to flat file format, except the field headers are no longer needed and everything is on a single line separated by a comma.  If there is a comma or quote character in the field value, then enclose the field in double quotes.  If there is a double quote character in the field value, use two double-quote characters and please do not use embedded line-breaks.</a:t>
+            </a:r>
+          </a:p>
+        </p:txBody>
+      </p:sp>
+      <p:sp>
+        <p:nvSpPr>
+          <p:cNvPr id="4" name="Slide Number Placeholder 3"/>
+          <p:cNvSpPr>
+            <a:spLocks noGrp="1"/>
+          </p:cNvSpPr>
+          <p:nvPr>
+            <p:ph type="sldNum" sz="quarter" idx="5"/>
+          </p:nvPr>
+        </p:nvSpPr>
+        <p:spPr/>
+        <p:txBody>
+          <a:bodyPr/>
+          <a:lstStyle/>
+          <a:p>
+            <a:fld id="{D58F3C89-9E49-4851-A18A-DAECD34FD650}" type="slidenum">
+              <a:rPr lang="en-US" smtClean="0"/>
+              <a:t>11</a:t>
+            </a:fld>
+            <a:endParaRPr lang="en-US"/>
+          </a:p>
+        </p:txBody>
+      </p:sp>
+    </p:spTree>
+    <p:extLst>
+      <p:ext uri="{BB962C8B-B14F-4D97-AF65-F5344CB8AC3E}">
+        <p14:creationId xmlns:p14="http://schemas.microsoft.com/office/powerpoint/2010/main" val="2289812004"/>
+      </p:ext>
+    </p:extLst>
+  </p:cSld>
+  <p:clrMapOvr>
+    <a:masterClrMapping/>
+  </p:clrMapOvr>
+</p:notes>
+</file>
+
+<file path=ppt/notesSlides/notesSlide12.xml><?xml version="1.0" encoding="utf-8"?>
+<p:notes xmlns:a="http://schemas.openxmlformats.org/drawingml/2006/main" xmlns:r="http://schemas.openxmlformats.org/officeDocument/2006/relationships" xmlns:p="http://schemas.openxmlformats.org/presentationml/2006/main">
+  <p:cSld>
+    <p:spTree>
+      <p:nvGrpSpPr>
+        <p:cNvPr id="1" name=""/>
+        <p:cNvGrpSpPr/>
+        <p:nvPr/>
+      </p:nvGrpSpPr>
+      <p:grpSpPr>
+        <a:xfrm>
+          <a:off x="0" y="0"/>
+          <a:ext cx="0" cy="0"/>
+          <a:chOff x="0" y="0"/>
+          <a:chExt cx="0" cy="0"/>
+        </a:xfrm>
+      </p:grpSpPr>
+      <p:sp>
+        <p:nvSpPr>
+          <p:cNvPr id="2" name="Slide Image Placeholder 1"/>
+          <p:cNvSpPr>
+            <a:spLocks noGrp="1" noRot="1" noChangeAspect="1"/>
+          </p:cNvSpPr>
+          <p:nvPr>
+            <p:ph type="sldImg"/>
+          </p:nvPr>
+        </p:nvSpPr>
+        <p:spPr/>
+      </p:sp>
+      <p:sp>
+        <p:nvSpPr>
+          <p:cNvPr id="3" name="Notes Placeholder 2"/>
+          <p:cNvSpPr>
+            <a:spLocks noGrp="1"/>
+          </p:cNvSpPr>
+          <p:nvPr>
+            <p:ph type="body" idx="1"/>
+          </p:nvPr>
+        </p:nvSpPr>
+        <p:spPr/>
+        <p:txBody>
+          <a:bodyPr/>
+          <a:lstStyle/>
+          <a:p>
+            <a:r>
+              <a:rPr lang="en-US" b="1" dirty="0"/>
+              <a:t>Voice Track: </a:t>
+            </a:r>
+            <a:r>
+              <a:rPr lang="en-US" b="0" dirty="0"/>
+              <a:t>To submit </a:t>
+            </a:r>
+            <a:r>
+              <a:rPr lang="en-US" dirty="0"/>
+              <a:t>multiple entries, put them in the same file, each on their own line.  Again, if there are multiple product and versions, separate them by a semicolon, and if there are multiple references, separate them by a space.</a:t>
+            </a:r>
+          </a:p>
+        </p:txBody>
+      </p:sp>
+      <p:sp>
+        <p:nvSpPr>
+          <p:cNvPr id="4" name="Slide Number Placeholder 3"/>
+          <p:cNvSpPr>
+            <a:spLocks noGrp="1"/>
+          </p:cNvSpPr>
+          <p:nvPr>
+            <p:ph type="sldNum" sz="quarter" idx="5"/>
+          </p:nvPr>
+        </p:nvSpPr>
+        <p:spPr/>
+        <p:txBody>
+          <a:bodyPr/>
+          <a:lstStyle/>
+          <a:p>
+            <a:fld id="{D58F3C89-9E49-4851-A18A-DAECD34FD650}" type="slidenum">
+              <a:rPr lang="en-US" smtClean="0"/>
+              <a:t>12</a:t>
+            </a:fld>
+            <a:endParaRPr lang="en-US"/>
+          </a:p>
+        </p:txBody>
+      </p:sp>
+    </p:spTree>
+    <p:extLst>
+      <p:ext uri="{BB962C8B-B14F-4D97-AF65-F5344CB8AC3E}">
+        <p14:creationId xmlns:p14="http://schemas.microsoft.com/office/powerpoint/2010/main" val="403714487"/>
+      </p:ext>
+    </p:extLst>
+  </p:cSld>
+  <p:clrMapOvr>
+    <a:masterClrMapping/>
+  </p:clrMapOvr>
+</p:notes>
+</file>
+
+<file path=ppt/notesSlides/notesSlide13.xml><?xml version="1.0" encoding="utf-8"?>
+<p:notes xmlns:a="http://schemas.openxmlformats.org/drawingml/2006/main" xmlns:r="http://schemas.openxmlformats.org/officeDocument/2006/relationships" xmlns:p="http://schemas.openxmlformats.org/presentationml/2006/main">
+  <p:cSld>
+    <p:spTree>
+      <p:nvGrpSpPr>
+        <p:cNvPr id="1" name=""/>
+        <p:cNvGrpSpPr/>
+        <p:nvPr/>
+      </p:nvGrpSpPr>
+      <p:grpSpPr>
+        <a:xfrm>
+          <a:off x="0" y="0"/>
+          <a:ext cx="0" cy="0"/>
+          <a:chOff x="0" y="0"/>
+          <a:chExt cx="0" cy="0"/>
+        </a:xfrm>
+      </p:grpSpPr>
+      <p:sp>
+        <p:nvSpPr>
+          <p:cNvPr id="2" name="Slide Image Placeholder 1"/>
+          <p:cNvSpPr>
+            <a:spLocks noGrp="1" noRot="1" noChangeAspect="1"/>
+          </p:cNvSpPr>
+          <p:nvPr>
+            <p:ph type="sldImg"/>
+          </p:nvPr>
+        </p:nvSpPr>
+        <p:spPr/>
+      </p:sp>
+      <p:sp>
+        <p:nvSpPr>
+          <p:cNvPr id="3" name="Notes Placeholder 2"/>
+          <p:cNvSpPr>
+            <a:spLocks noGrp="1"/>
+          </p:cNvSpPr>
+          <p:nvPr>
+            <p:ph type="body" idx="1"/>
+          </p:nvPr>
+        </p:nvSpPr>
+        <p:spPr/>
+        <p:txBody>
+          <a:bodyPr/>
+          <a:lstStyle/>
+          <a:p>
+            <a:r>
+              <a:rPr lang="en-US" b="1" dirty="0"/>
+              <a:t>Voice Track: </a:t>
+            </a:r>
+            <a:r>
+              <a:rPr lang="en-US" dirty="0"/>
+              <a:t>Here is an example of the CSV submission.</a:t>
+            </a:r>
+          </a:p>
+        </p:txBody>
+      </p:sp>
+      <p:sp>
+        <p:nvSpPr>
+          <p:cNvPr id="4" name="Slide Number Placeholder 3"/>
+          <p:cNvSpPr>
+            <a:spLocks noGrp="1"/>
+          </p:cNvSpPr>
+          <p:nvPr>
+            <p:ph type="sldNum" sz="quarter" idx="5"/>
+          </p:nvPr>
+        </p:nvSpPr>
+        <p:spPr/>
+        <p:txBody>
+          <a:bodyPr/>
+          <a:lstStyle/>
+          <a:p>
+            <a:fld id="{D58F3C89-9E49-4851-A18A-DAECD34FD650}" type="slidenum">
+              <a:rPr lang="en-US" smtClean="0"/>
+              <a:t>13</a:t>
+            </a:fld>
+            <a:endParaRPr lang="en-US"/>
+          </a:p>
+        </p:txBody>
+      </p:sp>
+    </p:spTree>
+    <p:extLst>
+      <p:ext uri="{BB962C8B-B14F-4D97-AF65-F5344CB8AC3E}">
+        <p14:creationId xmlns:p14="http://schemas.microsoft.com/office/powerpoint/2010/main" val="1626551102"/>
+      </p:ext>
+    </p:extLst>
+  </p:cSld>
+  <p:clrMapOvr>
+    <a:masterClrMapping/>
+  </p:clrMapOvr>
+</p:notes>
+</file>
+
+<file path=ppt/notesSlides/notesSlide14.xml><?xml version="1.0" encoding="utf-8"?>
+<p:notes xmlns:a="http://schemas.openxmlformats.org/drawingml/2006/main" xmlns:r="http://schemas.openxmlformats.org/officeDocument/2006/relationships" xmlns:p="http://schemas.openxmlformats.org/presentationml/2006/main">
+  <p:cSld>
+    <p:spTree>
+      <p:nvGrpSpPr>
+        <p:cNvPr id="1" name=""/>
+        <p:cNvGrpSpPr/>
+        <p:nvPr/>
+      </p:nvGrpSpPr>
+      <p:grpSpPr>
+        <a:xfrm>
+          <a:off x="0" y="0"/>
+          <a:ext cx="0" cy="0"/>
+          <a:chOff x="0" y="0"/>
+          <a:chExt cx="0" cy="0"/>
+        </a:xfrm>
+      </p:grpSpPr>
+      <p:sp>
+        <p:nvSpPr>
+          <p:cNvPr id="2" name="Slide Image Placeholder 1"/>
+          <p:cNvSpPr>
+            <a:spLocks noGrp="1" noRot="1" noChangeAspect="1"/>
+          </p:cNvSpPr>
+          <p:nvPr>
+            <p:ph type="sldImg"/>
+          </p:nvPr>
+        </p:nvSpPr>
+        <p:spPr/>
+      </p:sp>
+      <p:sp>
+        <p:nvSpPr>
+          <p:cNvPr id="3" name="Notes Placeholder 2"/>
+          <p:cNvSpPr>
+            <a:spLocks noGrp="1"/>
+          </p:cNvSpPr>
+          <p:nvPr>
+            <p:ph type="body" idx="1"/>
+          </p:nvPr>
+        </p:nvSpPr>
+        <p:spPr/>
+        <p:txBody>
+          <a:bodyPr/>
+          <a:lstStyle/>
+          <a:p>
+            <a:r>
+              <a:rPr lang="en-US" b="1" dirty="0"/>
+              <a:t>Voice Track: </a:t>
+            </a:r>
+            <a:r>
+              <a:rPr lang="en-US" dirty="0"/>
+              <a:t>The JSON is a little different.  It handles product and version information in a more structured way.  It also supports more fields than just the minimum, such as CVSS vectors, impact, and credits.  The full list of the supported fields in the format specification on the automation working group’s GitHub repo.</a:t>
+            </a:r>
+          </a:p>
+        </p:txBody>
+      </p:sp>
+      <p:sp>
+        <p:nvSpPr>
+          <p:cNvPr id="4" name="Slide Number Placeholder 3"/>
+          <p:cNvSpPr>
+            <a:spLocks noGrp="1"/>
+          </p:cNvSpPr>
+          <p:nvPr>
+            <p:ph type="sldNum" sz="quarter" idx="5"/>
+          </p:nvPr>
+        </p:nvSpPr>
+        <p:spPr/>
+        <p:txBody>
+          <a:bodyPr/>
+          <a:lstStyle/>
+          <a:p>
+            <a:fld id="{D58F3C89-9E49-4851-A18A-DAECD34FD650}" type="slidenum">
+              <a:rPr lang="en-US" smtClean="0"/>
+              <a:t>14</a:t>
+            </a:fld>
+            <a:endParaRPr lang="en-US"/>
+          </a:p>
+        </p:txBody>
+      </p:sp>
+    </p:spTree>
+    <p:extLst>
+      <p:ext uri="{BB962C8B-B14F-4D97-AF65-F5344CB8AC3E}">
+        <p14:creationId xmlns:p14="http://schemas.microsoft.com/office/powerpoint/2010/main" val="1220403802"/>
+      </p:ext>
+    </p:extLst>
+  </p:cSld>
+  <p:clrMapOvr>
+    <a:masterClrMapping/>
+  </p:clrMapOvr>
+</p:notes>
+</file>
+
+<file path=ppt/notesSlides/notesSlide15.xml><?xml version="1.0" encoding="utf-8"?>
+<p:notes xmlns:a="http://schemas.openxmlformats.org/drawingml/2006/main" xmlns:r="http://schemas.openxmlformats.org/officeDocument/2006/relationships" xmlns:p="http://schemas.openxmlformats.org/presentationml/2006/main">
+  <p:cSld>
+    <p:spTree>
+      <p:nvGrpSpPr>
+        <p:cNvPr id="1" name=""/>
+        <p:cNvGrpSpPr/>
+        <p:nvPr/>
+      </p:nvGrpSpPr>
+      <p:grpSpPr>
+        <a:xfrm>
+          <a:off x="0" y="0"/>
+          <a:ext cx="0" cy="0"/>
+          <a:chOff x="0" y="0"/>
+          <a:chExt cx="0" cy="0"/>
+        </a:xfrm>
+      </p:grpSpPr>
+      <p:sp>
+        <p:nvSpPr>
+          <p:cNvPr id="2" name="Slide Image Placeholder 1"/>
+          <p:cNvSpPr>
+            <a:spLocks noGrp="1" noRot="1" noChangeAspect="1"/>
+          </p:cNvSpPr>
+          <p:nvPr>
+            <p:ph type="sldImg"/>
+          </p:nvPr>
+        </p:nvSpPr>
+        <p:spPr/>
+      </p:sp>
+      <p:sp>
+        <p:nvSpPr>
+          <p:cNvPr id="3" name="Notes Placeholder 2"/>
+          <p:cNvSpPr>
+            <a:spLocks noGrp="1"/>
+          </p:cNvSpPr>
+          <p:nvPr>
+            <p:ph type="body" idx="1"/>
+          </p:nvPr>
+        </p:nvSpPr>
+        <p:spPr/>
+        <p:txBody>
+          <a:bodyPr/>
+          <a:lstStyle/>
+          <a:p>
+            <a:r>
+              <a:rPr lang="en-US" b="1" dirty="0"/>
+              <a:t>Voice Track: </a:t>
+            </a:r>
+            <a:r>
+              <a:rPr lang="en-US" dirty="0"/>
+              <a:t>Here is an example of a JSON submission.  You can see that there can be multiple vendors, which can have multiple products, which can have multiple versions.  Another thing to note here is that you can provide multiple descriptions if you want to provide translations to languages other than English.</a:t>
+            </a:r>
+          </a:p>
+        </p:txBody>
+      </p:sp>
+      <p:sp>
+        <p:nvSpPr>
+          <p:cNvPr id="4" name="Slide Number Placeholder 3"/>
+          <p:cNvSpPr>
+            <a:spLocks noGrp="1"/>
+          </p:cNvSpPr>
+          <p:nvPr>
+            <p:ph type="sldNum" sz="quarter" idx="5"/>
+          </p:nvPr>
+        </p:nvSpPr>
+        <p:spPr/>
+        <p:txBody>
+          <a:bodyPr/>
+          <a:lstStyle/>
+          <a:p>
+            <a:fld id="{D58F3C89-9E49-4851-A18A-DAECD34FD650}" type="slidenum">
+              <a:rPr lang="en-US" smtClean="0"/>
+              <a:t>15</a:t>
+            </a:fld>
+            <a:endParaRPr lang="en-US"/>
+          </a:p>
+        </p:txBody>
+      </p:sp>
+    </p:spTree>
+    <p:extLst>
+      <p:ext uri="{BB962C8B-B14F-4D97-AF65-F5344CB8AC3E}">
+        <p14:creationId xmlns:p14="http://schemas.microsoft.com/office/powerpoint/2010/main" val="1577637374"/>
+      </p:ext>
+    </p:extLst>
+  </p:cSld>
+  <p:clrMapOvr>
+    <a:masterClrMapping/>
+  </p:clrMapOvr>
+</p:notes>
+</file>
+
+<file path=ppt/notesSlides/notesSlide16.xml><?xml version="1.0" encoding="utf-8"?>
+<p:notes xmlns:a="http://schemas.openxmlformats.org/drawingml/2006/main" xmlns:r="http://schemas.openxmlformats.org/officeDocument/2006/relationships" xmlns:p="http://schemas.openxmlformats.org/presentationml/2006/main">
+  <p:cSld>
+    <p:spTree>
+      <p:nvGrpSpPr>
+        <p:cNvPr id="1" name=""/>
+        <p:cNvGrpSpPr/>
+        <p:nvPr/>
+      </p:nvGrpSpPr>
+      <p:grpSpPr>
+        <a:xfrm>
+          <a:off x="0" y="0"/>
+          <a:ext cx="0" cy="0"/>
+          <a:chOff x="0" y="0"/>
+          <a:chExt cx="0" cy="0"/>
+        </a:xfrm>
+      </p:grpSpPr>
+      <p:sp>
+        <p:nvSpPr>
+          <p:cNvPr id="2" name="Slide Image Placeholder 1"/>
+          <p:cNvSpPr>
+            <a:spLocks noGrp="1" noRot="1" noChangeAspect="1"/>
+          </p:cNvSpPr>
+          <p:nvPr>
+            <p:ph type="sldImg"/>
+          </p:nvPr>
+        </p:nvSpPr>
+        <p:spPr/>
+      </p:sp>
+      <p:sp>
+        <p:nvSpPr>
+          <p:cNvPr id="3" name="Notes Placeholder 2"/>
+          <p:cNvSpPr>
+            <a:spLocks noGrp="1"/>
+          </p:cNvSpPr>
+          <p:nvPr>
+            <p:ph type="body" idx="1"/>
+          </p:nvPr>
+        </p:nvSpPr>
+        <p:spPr/>
+        <p:txBody>
+          <a:bodyPr/>
+          <a:lstStyle/>
+          <a:p>
+            <a:r>
+              <a:rPr lang="en-US" b="1" dirty="0"/>
+              <a:t>Voice Track: </a:t>
+            </a:r>
+            <a:r>
+              <a:rPr lang="en-US" dirty="0"/>
+              <a:t>So once you have formatted the entries, you are ready send it to MITRE.  How do you do that?</a:t>
+            </a:r>
+          </a:p>
+        </p:txBody>
+      </p:sp>
+      <p:sp>
+        <p:nvSpPr>
+          <p:cNvPr id="4" name="Slide Number Placeholder 3"/>
+          <p:cNvSpPr>
+            <a:spLocks noGrp="1"/>
+          </p:cNvSpPr>
+          <p:nvPr>
+            <p:ph type="sldNum" sz="quarter" idx="5"/>
+          </p:nvPr>
+        </p:nvSpPr>
+        <p:spPr/>
+        <p:txBody>
+          <a:bodyPr/>
+          <a:lstStyle/>
+          <a:p>
+            <a:fld id="{D58F3C89-9E49-4851-A18A-DAECD34FD650}" type="slidenum">
+              <a:rPr lang="en-US" smtClean="0"/>
+              <a:t>16</a:t>
+            </a:fld>
+            <a:endParaRPr lang="en-US"/>
+          </a:p>
+        </p:txBody>
+      </p:sp>
+    </p:spTree>
+    <p:extLst>
+      <p:ext uri="{BB962C8B-B14F-4D97-AF65-F5344CB8AC3E}">
+        <p14:creationId xmlns:p14="http://schemas.microsoft.com/office/powerpoint/2010/main" val="4253395877"/>
+      </p:ext>
+    </p:extLst>
+  </p:cSld>
+  <p:clrMapOvr>
+    <a:masterClrMapping/>
+  </p:clrMapOvr>
+</p:notes>
+</file>
+
+<file path=ppt/notesSlides/notesSlide17.xml><?xml version="1.0" encoding="utf-8"?>
+<p:notes xmlns:a="http://schemas.openxmlformats.org/drawingml/2006/main" xmlns:r="http://schemas.openxmlformats.org/officeDocument/2006/relationships" xmlns:p="http://schemas.openxmlformats.org/presentationml/2006/main">
+  <p:cSld>
+    <p:spTree>
+      <p:nvGrpSpPr>
+        <p:cNvPr id="1" name=""/>
+        <p:cNvGrpSpPr/>
+        <p:nvPr/>
+      </p:nvGrpSpPr>
+      <p:grpSpPr>
+        <a:xfrm>
+          <a:off x="0" y="0"/>
+          <a:ext cx="0" cy="0"/>
+          <a:chOff x="0" y="0"/>
+          <a:chExt cx="0" cy="0"/>
+        </a:xfrm>
+      </p:grpSpPr>
+      <p:sp>
+        <p:nvSpPr>
+          <p:cNvPr id="2" name="Slide Image Placeholder 1"/>
+          <p:cNvSpPr>
+            <a:spLocks noGrp="1" noRot="1" noChangeAspect="1"/>
+          </p:cNvSpPr>
+          <p:nvPr>
+            <p:ph type="sldImg"/>
+          </p:nvPr>
+        </p:nvSpPr>
+        <p:spPr/>
+      </p:sp>
+      <p:sp>
+        <p:nvSpPr>
+          <p:cNvPr id="3" name="Notes Placeholder 2"/>
+          <p:cNvSpPr>
+            <a:spLocks noGrp="1"/>
+          </p:cNvSpPr>
+          <p:nvPr>
+            <p:ph type="body" idx="1"/>
+          </p:nvPr>
+        </p:nvSpPr>
+        <p:spPr/>
+        <p:txBody>
+          <a:bodyPr/>
+          <a:lstStyle/>
+          <a:p>
+            <a:r>
+              <a:rPr lang="en-US" b="1" dirty="0"/>
+              <a:t>Voice Track: </a:t>
+            </a:r>
+            <a:r>
+              <a:rPr lang="en-US" dirty="0"/>
+              <a:t>There are two submission options.  You can submit through the web form or through a pull request to our GitHub repository.  You can use any of the formats when submitting through the web form, but you have to use the JSON format when submitting through GitHub.</a:t>
+            </a:r>
+          </a:p>
+        </p:txBody>
+      </p:sp>
+      <p:sp>
+        <p:nvSpPr>
+          <p:cNvPr id="4" name="Slide Number Placeholder 3"/>
+          <p:cNvSpPr>
+            <a:spLocks noGrp="1"/>
+          </p:cNvSpPr>
+          <p:nvPr>
+            <p:ph type="sldNum" sz="quarter" idx="5"/>
+          </p:nvPr>
+        </p:nvSpPr>
+        <p:spPr/>
+        <p:txBody>
+          <a:bodyPr/>
+          <a:lstStyle/>
+          <a:p>
+            <a:fld id="{D58F3C89-9E49-4851-A18A-DAECD34FD650}" type="slidenum">
+              <a:rPr lang="en-US" smtClean="0"/>
+              <a:t>17</a:t>
+            </a:fld>
+            <a:endParaRPr lang="en-US"/>
+          </a:p>
+        </p:txBody>
+      </p:sp>
+    </p:spTree>
+    <p:extLst>
+      <p:ext uri="{BB962C8B-B14F-4D97-AF65-F5344CB8AC3E}">
+        <p14:creationId xmlns:p14="http://schemas.microsoft.com/office/powerpoint/2010/main" val="2123925524"/>
+      </p:ext>
+    </p:extLst>
+  </p:cSld>
+  <p:clrMapOvr>
+    <a:masterClrMapping/>
+  </p:clrMapOvr>
+</p:notes>
+</file>
+
+<file path=ppt/notesSlides/notesSlide18.xml><?xml version="1.0" encoding="utf-8"?>
+<p:notes xmlns:a="http://schemas.openxmlformats.org/drawingml/2006/main" xmlns:r="http://schemas.openxmlformats.org/officeDocument/2006/relationships" xmlns:p="http://schemas.openxmlformats.org/presentationml/2006/main">
+  <p:cSld>
+    <p:spTree>
+      <p:nvGrpSpPr>
+        <p:cNvPr id="1" name=""/>
+        <p:cNvGrpSpPr/>
+        <p:nvPr/>
+      </p:nvGrpSpPr>
+      <p:grpSpPr>
+        <a:xfrm>
+          <a:off x="0" y="0"/>
+          <a:ext cx="0" cy="0"/>
+          <a:chOff x="0" y="0"/>
+          <a:chExt cx="0" cy="0"/>
+        </a:xfrm>
+      </p:grpSpPr>
+      <p:sp>
+        <p:nvSpPr>
+          <p:cNvPr id="2" name="Slide Image Placeholder 1"/>
+          <p:cNvSpPr>
+            <a:spLocks noGrp="1" noRot="1" noChangeAspect="1"/>
+          </p:cNvSpPr>
+          <p:nvPr>
+            <p:ph type="sldImg"/>
+          </p:nvPr>
+        </p:nvSpPr>
+        <p:spPr/>
+      </p:sp>
+      <p:sp>
+        <p:nvSpPr>
+          <p:cNvPr id="3" name="Notes Placeholder 2"/>
+          <p:cNvSpPr>
+            <a:spLocks noGrp="1"/>
+          </p:cNvSpPr>
+          <p:nvPr>
+            <p:ph type="body" idx="1"/>
+          </p:nvPr>
+        </p:nvSpPr>
+        <p:spPr/>
+        <p:txBody>
+          <a:bodyPr/>
+          <a:lstStyle/>
+          <a:p>
+            <a:r>
+              <a:rPr lang="en-US" b="1" dirty="0"/>
+              <a:t>Voice Track: </a:t>
+            </a:r>
+            <a:r>
+              <a:rPr lang="en-US" dirty="0"/>
+              <a:t>Submitting through the web form.</a:t>
+            </a:r>
+          </a:p>
+        </p:txBody>
+      </p:sp>
+      <p:sp>
+        <p:nvSpPr>
+          <p:cNvPr id="4" name="Slide Number Placeholder 3"/>
+          <p:cNvSpPr>
+            <a:spLocks noGrp="1"/>
+          </p:cNvSpPr>
+          <p:nvPr>
+            <p:ph type="sldNum" sz="quarter" idx="5"/>
+          </p:nvPr>
+        </p:nvSpPr>
+        <p:spPr/>
+        <p:txBody>
+          <a:bodyPr/>
+          <a:lstStyle/>
+          <a:p>
+            <a:fld id="{D58F3C89-9E49-4851-A18A-DAECD34FD650}" type="slidenum">
+              <a:rPr lang="en-US" smtClean="0"/>
+              <a:t>18</a:t>
+            </a:fld>
+            <a:endParaRPr lang="en-US"/>
+          </a:p>
+        </p:txBody>
+      </p:sp>
+    </p:spTree>
+    <p:extLst>
+      <p:ext uri="{BB962C8B-B14F-4D97-AF65-F5344CB8AC3E}">
+        <p14:creationId xmlns:p14="http://schemas.microsoft.com/office/powerpoint/2010/main" val="1909855235"/>
+      </p:ext>
+    </p:extLst>
+  </p:cSld>
+  <p:clrMapOvr>
+    <a:masterClrMapping/>
+  </p:clrMapOvr>
+</p:notes>
+</file>
+
+<file path=ppt/notesSlides/notesSlide19.xml><?xml version="1.0" encoding="utf-8"?>
+<p:notes xmlns:a="http://schemas.openxmlformats.org/drawingml/2006/main" xmlns:r="http://schemas.openxmlformats.org/officeDocument/2006/relationships" xmlns:p="http://schemas.openxmlformats.org/presentationml/2006/main">
+  <p:cSld>
+    <p:spTree>
+      <p:nvGrpSpPr>
+        <p:cNvPr id="1" name=""/>
+        <p:cNvGrpSpPr/>
+        <p:nvPr/>
+      </p:nvGrpSpPr>
+      <p:grpSpPr>
+        <a:xfrm>
+          <a:off x="0" y="0"/>
+          <a:ext cx="0" cy="0"/>
+          <a:chOff x="0" y="0"/>
+          <a:chExt cx="0" cy="0"/>
+        </a:xfrm>
+      </p:grpSpPr>
+      <p:sp>
+        <p:nvSpPr>
+          <p:cNvPr id="2" name="Slide Image Placeholder 1"/>
+          <p:cNvSpPr>
+            <a:spLocks noGrp="1" noRot="1" noChangeAspect="1"/>
+          </p:cNvSpPr>
+          <p:nvPr>
+            <p:ph type="sldImg"/>
+          </p:nvPr>
+        </p:nvSpPr>
+        <p:spPr/>
+      </p:sp>
+      <p:sp>
+        <p:nvSpPr>
+          <p:cNvPr id="3" name="Notes Placeholder 2"/>
+          <p:cNvSpPr>
+            <a:spLocks noGrp="1"/>
+          </p:cNvSpPr>
+          <p:nvPr>
+            <p:ph type="body" idx="1"/>
+          </p:nvPr>
+        </p:nvSpPr>
+        <p:spPr/>
+        <p:txBody>
+          <a:bodyPr/>
+          <a:lstStyle/>
+          <a:p>
+            <a:r>
+              <a:rPr lang="en-US" b="1" dirty="0"/>
+              <a:t>Voice Track: </a:t>
+            </a:r>
+            <a:r>
+              <a:rPr lang="en-US" dirty="0"/>
+              <a:t>Go to cveform.mitre.org</a:t>
+            </a:r>
+          </a:p>
+        </p:txBody>
+      </p:sp>
+      <p:sp>
+        <p:nvSpPr>
+          <p:cNvPr id="4" name="Slide Number Placeholder 3"/>
+          <p:cNvSpPr>
+            <a:spLocks noGrp="1"/>
+          </p:cNvSpPr>
+          <p:nvPr>
+            <p:ph type="sldNum" sz="quarter" idx="5"/>
+          </p:nvPr>
+        </p:nvSpPr>
+        <p:spPr/>
+        <p:txBody>
+          <a:bodyPr/>
+          <a:lstStyle/>
+          <a:p>
+            <a:fld id="{D58F3C89-9E49-4851-A18A-DAECD34FD650}" type="slidenum">
+              <a:rPr lang="en-US" smtClean="0"/>
+              <a:t>19</a:t>
+            </a:fld>
+            <a:endParaRPr lang="en-US"/>
+          </a:p>
+        </p:txBody>
+      </p:sp>
+    </p:spTree>
+    <p:extLst>
+      <p:ext uri="{BB962C8B-B14F-4D97-AF65-F5344CB8AC3E}">
+        <p14:creationId xmlns:p14="http://schemas.microsoft.com/office/powerpoint/2010/main" val="1474454085"/>
+      </p:ext>
+    </p:extLst>
+  </p:cSld>
+  <p:clrMapOvr>
+    <a:masterClrMapping/>
+  </p:clrMapOvr>
+</p:notes>
+</file>
+
+<file path=ppt/notesSlides/notesSlide2.xml><?xml version="1.0" encoding="utf-8"?>
+<p:notes xmlns:a="http://schemas.openxmlformats.org/drawingml/2006/main" xmlns:r="http://schemas.openxmlformats.org/officeDocument/2006/relationships" xmlns:p="http://schemas.openxmlformats.org/presentationml/2006/main">
+  <p:cSld>
+    <p:spTree>
+      <p:nvGrpSpPr>
+        <p:cNvPr id="1" name=""/>
+        <p:cNvGrpSpPr/>
+        <p:nvPr/>
+      </p:nvGrpSpPr>
+      <p:grpSpPr>
+        <a:xfrm>
+          <a:off x="0" y="0"/>
+          <a:ext cx="0" cy="0"/>
+          <a:chOff x="0" y="0"/>
+          <a:chExt cx="0" cy="0"/>
+        </a:xfrm>
+      </p:grpSpPr>
+      <p:sp>
+        <p:nvSpPr>
+          <p:cNvPr id="2" name="Slide Image Placeholder 1"/>
+          <p:cNvSpPr>
+            <a:spLocks noGrp="1" noRot="1" noChangeAspect="1"/>
+          </p:cNvSpPr>
+          <p:nvPr>
+            <p:ph type="sldImg"/>
+          </p:nvPr>
+        </p:nvSpPr>
+        <p:spPr/>
+      </p:sp>
+      <p:sp>
+        <p:nvSpPr>
+          <p:cNvPr id="3" name="Notes Placeholder 2"/>
+          <p:cNvSpPr>
+            <a:spLocks noGrp="1"/>
+          </p:cNvSpPr>
+          <p:nvPr>
+            <p:ph type="body" idx="1"/>
+          </p:nvPr>
+        </p:nvSpPr>
+        <p:spPr/>
+        <p:txBody>
+          <a:bodyPr/>
+          <a:lstStyle/>
+          <a:p>
+            <a:r>
+              <a:rPr lang="en-US" dirty="0"/>
+              <a:t>SKIP</a:t>
+            </a:r>
+          </a:p>
+        </p:txBody>
+      </p:sp>
+      <p:sp>
+        <p:nvSpPr>
+          <p:cNvPr id="4" name="Slide Number Placeholder 3"/>
+          <p:cNvSpPr>
+            <a:spLocks noGrp="1"/>
+          </p:cNvSpPr>
+          <p:nvPr>
+            <p:ph type="sldNum" sz="quarter" idx="5"/>
+          </p:nvPr>
+        </p:nvSpPr>
+        <p:spPr/>
+        <p:txBody>
+          <a:bodyPr/>
+          <a:lstStyle/>
+          <a:p>
+            <a:fld id="{D58F3C89-9E49-4851-A18A-DAECD34FD650}" type="slidenum">
+              <a:rPr lang="en-US" smtClean="0"/>
+              <a:t>2</a:t>
+            </a:fld>
+            <a:endParaRPr lang="en-US"/>
+          </a:p>
+        </p:txBody>
+      </p:sp>
+    </p:spTree>
+    <p:extLst>
+      <p:ext uri="{BB962C8B-B14F-4D97-AF65-F5344CB8AC3E}">
+        <p14:creationId xmlns:p14="http://schemas.microsoft.com/office/powerpoint/2010/main" val="1295367885"/>
+      </p:ext>
+    </p:extLst>
+  </p:cSld>
+  <p:clrMapOvr>
+    <a:masterClrMapping/>
+  </p:clrMapOvr>
+</p:notes>
+</file>
+
+<file path=ppt/notesSlides/notesSlide20.xml><?xml version="1.0" encoding="utf-8"?>
+<p:notes xmlns:a="http://schemas.openxmlformats.org/drawingml/2006/main" xmlns:r="http://schemas.openxmlformats.org/officeDocument/2006/relationships" xmlns:p="http://schemas.openxmlformats.org/presentationml/2006/main">
+  <p:cSld>
+    <p:spTree>
+      <p:nvGrpSpPr>
+        <p:cNvPr id="1" name=""/>
+        <p:cNvGrpSpPr/>
+        <p:nvPr/>
+      </p:nvGrpSpPr>
+      <p:grpSpPr>
+        <a:xfrm>
+          <a:off x="0" y="0"/>
+          <a:ext cx="0" cy="0"/>
+          <a:chOff x="0" y="0"/>
+          <a:chExt cx="0" cy="0"/>
+        </a:xfrm>
+      </p:grpSpPr>
+      <p:sp>
+        <p:nvSpPr>
+          <p:cNvPr id="2" name="Slide Image Placeholder 1"/>
+          <p:cNvSpPr>
+            <a:spLocks noGrp="1" noRot="1" noChangeAspect="1"/>
+          </p:cNvSpPr>
+          <p:nvPr>
+            <p:ph type="sldImg"/>
+          </p:nvPr>
+        </p:nvSpPr>
+        <p:spPr/>
+      </p:sp>
+      <p:sp>
+        <p:nvSpPr>
+          <p:cNvPr id="3" name="Notes Placeholder 2"/>
+          <p:cNvSpPr>
+            <a:spLocks noGrp="1"/>
+          </p:cNvSpPr>
+          <p:nvPr>
+            <p:ph type="body" idx="1"/>
+          </p:nvPr>
+        </p:nvSpPr>
+        <p:spPr/>
+        <p:txBody>
+          <a:bodyPr/>
+          <a:lstStyle/>
+          <a:p>
+            <a:r>
+              <a:rPr lang="en-US" b="1" dirty="0"/>
+              <a:t>Voice Track: </a:t>
+            </a:r>
+            <a:r>
+              <a:rPr lang="en-US" dirty="0"/>
+              <a:t>Select “Notify CVE about a publication”</a:t>
+            </a:r>
+          </a:p>
+        </p:txBody>
+      </p:sp>
+      <p:sp>
+        <p:nvSpPr>
+          <p:cNvPr id="4" name="Slide Number Placeholder 3"/>
+          <p:cNvSpPr>
+            <a:spLocks noGrp="1"/>
+          </p:cNvSpPr>
+          <p:nvPr>
+            <p:ph type="sldNum" sz="quarter" idx="5"/>
+          </p:nvPr>
+        </p:nvSpPr>
+        <p:spPr/>
+        <p:txBody>
+          <a:bodyPr/>
+          <a:lstStyle/>
+          <a:p>
+            <a:fld id="{D58F3C89-9E49-4851-A18A-DAECD34FD650}" type="slidenum">
+              <a:rPr lang="en-US" smtClean="0"/>
+              <a:t>20</a:t>
+            </a:fld>
+            <a:endParaRPr lang="en-US"/>
+          </a:p>
+        </p:txBody>
+      </p:sp>
+    </p:spTree>
+    <p:extLst>
+      <p:ext uri="{BB962C8B-B14F-4D97-AF65-F5344CB8AC3E}">
+        <p14:creationId xmlns:p14="http://schemas.microsoft.com/office/powerpoint/2010/main" val="1859329195"/>
+      </p:ext>
+    </p:extLst>
+  </p:cSld>
+  <p:clrMapOvr>
+    <a:masterClrMapping/>
+  </p:clrMapOvr>
+</p:notes>
+</file>
+
+<file path=ppt/notesSlides/notesSlide21.xml><?xml version="1.0" encoding="utf-8"?>
+<p:notes xmlns:a="http://schemas.openxmlformats.org/drawingml/2006/main" xmlns:r="http://schemas.openxmlformats.org/officeDocument/2006/relationships" xmlns:p="http://schemas.openxmlformats.org/presentationml/2006/main">
+  <p:cSld>
+    <p:spTree>
+      <p:nvGrpSpPr>
+        <p:cNvPr id="1" name=""/>
+        <p:cNvGrpSpPr/>
+        <p:nvPr/>
+      </p:nvGrpSpPr>
+      <p:grpSpPr>
+        <a:xfrm>
+          <a:off x="0" y="0"/>
+          <a:ext cx="0" cy="0"/>
+          <a:chOff x="0" y="0"/>
+          <a:chExt cx="0" cy="0"/>
+        </a:xfrm>
+      </p:grpSpPr>
+      <p:sp>
+        <p:nvSpPr>
+          <p:cNvPr id="2" name="Slide Image Placeholder 1"/>
+          <p:cNvSpPr>
+            <a:spLocks noGrp="1" noRot="1" noChangeAspect="1"/>
+          </p:cNvSpPr>
+          <p:nvPr>
+            <p:ph type="sldImg"/>
+          </p:nvPr>
+        </p:nvSpPr>
+        <p:spPr/>
+      </p:sp>
+      <p:sp>
+        <p:nvSpPr>
+          <p:cNvPr id="3" name="Notes Placeholder 2"/>
+          <p:cNvSpPr>
+            <a:spLocks noGrp="1"/>
+          </p:cNvSpPr>
+          <p:nvPr>
+            <p:ph type="body" idx="1"/>
+          </p:nvPr>
+        </p:nvSpPr>
+        <p:spPr/>
+        <p:txBody>
+          <a:bodyPr/>
+          <a:lstStyle/>
+          <a:p>
+            <a:r>
+              <a:rPr lang="en-US" b="1" dirty="0"/>
+              <a:t>Voice Track: </a:t>
+            </a:r>
+            <a:r>
+              <a:rPr lang="en-US" dirty="0"/>
+              <a:t>Fill in your contact information</a:t>
+            </a:r>
+          </a:p>
+        </p:txBody>
+      </p:sp>
+      <p:sp>
+        <p:nvSpPr>
+          <p:cNvPr id="4" name="Slide Number Placeholder 3"/>
+          <p:cNvSpPr>
+            <a:spLocks noGrp="1"/>
+          </p:cNvSpPr>
+          <p:nvPr>
+            <p:ph type="sldNum" sz="quarter" idx="5"/>
+          </p:nvPr>
+        </p:nvSpPr>
+        <p:spPr/>
+        <p:txBody>
+          <a:bodyPr/>
+          <a:lstStyle/>
+          <a:p>
+            <a:fld id="{D58F3C89-9E49-4851-A18A-DAECD34FD650}" type="slidenum">
+              <a:rPr lang="en-US" smtClean="0"/>
+              <a:t>21</a:t>
+            </a:fld>
+            <a:endParaRPr lang="en-US"/>
+          </a:p>
+        </p:txBody>
+      </p:sp>
+    </p:spTree>
+    <p:extLst>
+      <p:ext uri="{BB962C8B-B14F-4D97-AF65-F5344CB8AC3E}">
+        <p14:creationId xmlns:p14="http://schemas.microsoft.com/office/powerpoint/2010/main" val="249497700"/>
+      </p:ext>
+    </p:extLst>
+  </p:cSld>
+  <p:clrMapOvr>
+    <a:masterClrMapping/>
+  </p:clrMapOvr>
+</p:notes>
+</file>
+
+<file path=ppt/notesSlides/notesSlide22.xml><?xml version="1.0" encoding="utf-8"?>
+<p:notes xmlns:a="http://schemas.openxmlformats.org/drawingml/2006/main" xmlns:r="http://schemas.openxmlformats.org/officeDocument/2006/relationships" xmlns:p="http://schemas.openxmlformats.org/presentationml/2006/main">
+  <p:cSld>
+    <p:spTree>
+      <p:nvGrpSpPr>
+        <p:cNvPr id="1" name=""/>
+        <p:cNvGrpSpPr/>
+        <p:nvPr/>
+      </p:nvGrpSpPr>
+      <p:grpSpPr>
+        <a:xfrm>
+          <a:off x="0" y="0"/>
+          <a:ext cx="0" cy="0"/>
+          <a:chOff x="0" y="0"/>
+          <a:chExt cx="0" cy="0"/>
+        </a:xfrm>
+      </p:grpSpPr>
+      <p:sp>
+        <p:nvSpPr>
+          <p:cNvPr id="2" name="Slide Image Placeholder 1"/>
+          <p:cNvSpPr>
+            <a:spLocks noGrp="1" noRot="1" noChangeAspect="1"/>
+          </p:cNvSpPr>
+          <p:nvPr>
+            <p:ph type="sldImg"/>
+          </p:nvPr>
+        </p:nvSpPr>
+        <p:spPr/>
+      </p:sp>
+      <p:sp>
+        <p:nvSpPr>
+          <p:cNvPr id="3" name="Notes Placeholder 2"/>
+          <p:cNvSpPr>
+            <a:spLocks noGrp="1"/>
+          </p:cNvSpPr>
+          <p:nvPr>
+            <p:ph type="body" idx="1"/>
+          </p:nvPr>
+        </p:nvSpPr>
+        <p:spPr/>
+        <p:txBody>
+          <a:bodyPr/>
+          <a:lstStyle/>
+          <a:p>
+            <a:r>
+              <a:rPr lang="en-US" b="1" dirty="0"/>
+              <a:t>Voice Track: </a:t>
+            </a:r>
+            <a:r>
+              <a:rPr lang="en-US" dirty="0"/>
+              <a:t>Fill in the form.  Put the formatted information in the “Additional information and CVE ID description updates” field.</a:t>
+            </a:r>
+          </a:p>
+        </p:txBody>
+      </p:sp>
+      <p:sp>
+        <p:nvSpPr>
+          <p:cNvPr id="4" name="Slide Number Placeholder 3"/>
+          <p:cNvSpPr>
+            <a:spLocks noGrp="1"/>
+          </p:cNvSpPr>
+          <p:nvPr>
+            <p:ph type="sldNum" sz="quarter" idx="5"/>
+          </p:nvPr>
+        </p:nvSpPr>
+        <p:spPr/>
+        <p:txBody>
+          <a:bodyPr/>
+          <a:lstStyle/>
+          <a:p>
+            <a:fld id="{D58F3C89-9E49-4851-A18A-DAECD34FD650}" type="slidenum">
+              <a:rPr lang="en-US" smtClean="0"/>
+              <a:t>22</a:t>
+            </a:fld>
+            <a:endParaRPr lang="en-US"/>
+          </a:p>
+        </p:txBody>
+      </p:sp>
+    </p:spTree>
+    <p:extLst>
+      <p:ext uri="{BB962C8B-B14F-4D97-AF65-F5344CB8AC3E}">
+        <p14:creationId xmlns:p14="http://schemas.microsoft.com/office/powerpoint/2010/main" val="107938765"/>
+      </p:ext>
+    </p:extLst>
+  </p:cSld>
+  <p:clrMapOvr>
+    <a:masterClrMapping/>
+  </p:clrMapOvr>
+</p:notes>
+</file>
+
+<file path=ppt/notesSlides/notesSlide23.xml><?xml version="1.0" encoding="utf-8"?>
+<p:notes xmlns:a="http://schemas.openxmlformats.org/drawingml/2006/main" xmlns:r="http://schemas.openxmlformats.org/officeDocument/2006/relationships" xmlns:p="http://schemas.openxmlformats.org/presentationml/2006/main">
+  <p:cSld>
+    <p:spTree>
+      <p:nvGrpSpPr>
+        <p:cNvPr id="1" name=""/>
+        <p:cNvGrpSpPr/>
+        <p:nvPr/>
+      </p:nvGrpSpPr>
+      <p:grpSpPr>
+        <a:xfrm>
+          <a:off x="0" y="0"/>
+          <a:ext cx="0" cy="0"/>
+          <a:chOff x="0" y="0"/>
+          <a:chExt cx="0" cy="0"/>
+        </a:xfrm>
+      </p:grpSpPr>
+      <p:sp>
+        <p:nvSpPr>
+          <p:cNvPr id="2" name="Slide Image Placeholder 1"/>
+          <p:cNvSpPr>
+            <a:spLocks noGrp="1" noRot="1" noChangeAspect="1"/>
+          </p:cNvSpPr>
+          <p:nvPr>
+            <p:ph type="sldImg"/>
+          </p:nvPr>
+        </p:nvSpPr>
+        <p:spPr/>
+      </p:sp>
+      <p:sp>
+        <p:nvSpPr>
+          <p:cNvPr id="3" name="Notes Placeholder 2"/>
+          <p:cNvSpPr>
+            <a:spLocks noGrp="1"/>
+          </p:cNvSpPr>
+          <p:nvPr>
+            <p:ph type="body" idx="1"/>
+          </p:nvPr>
+        </p:nvSpPr>
+        <p:spPr/>
+        <p:txBody>
+          <a:bodyPr/>
+          <a:lstStyle/>
+          <a:p>
+            <a:r>
+              <a:rPr lang="en-US" b="1" dirty="0"/>
+              <a:t>Voice Track: </a:t>
+            </a:r>
+            <a:r>
+              <a:rPr lang="en-US" dirty="0"/>
+              <a:t>Fill in the security code and press submit.</a:t>
+            </a:r>
+          </a:p>
+        </p:txBody>
+      </p:sp>
+      <p:sp>
+        <p:nvSpPr>
+          <p:cNvPr id="4" name="Slide Number Placeholder 3"/>
+          <p:cNvSpPr>
+            <a:spLocks noGrp="1"/>
+          </p:cNvSpPr>
+          <p:nvPr>
+            <p:ph type="sldNum" sz="quarter" idx="5"/>
+          </p:nvPr>
+        </p:nvSpPr>
+        <p:spPr/>
+        <p:txBody>
+          <a:bodyPr/>
+          <a:lstStyle/>
+          <a:p>
+            <a:fld id="{D58F3C89-9E49-4851-A18A-DAECD34FD650}" type="slidenum">
+              <a:rPr lang="en-US" smtClean="0"/>
+              <a:t>23</a:t>
+            </a:fld>
+            <a:endParaRPr lang="en-US"/>
+          </a:p>
+        </p:txBody>
+      </p:sp>
+    </p:spTree>
+    <p:extLst>
+      <p:ext uri="{BB962C8B-B14F-4D97-AF65-F5344CB8AC3E}">
+        <p14:creationId xmlns:p14="http://schemas.microsoft.com/office/powerpoint/2010/main" val="3379448580"/>
+      </p:ext>
+    </p:extLst>
+  </p:cSld>
+  <p:clrMapOvr>
+    <a:masterClrMapping/>
+  </p:clrMapOvr>
+</p:notes>
+</file>
+
+<file path=ppt/notesSlides/notesSlide24.xml><?xml version="1.0" encoding="utf-8"?>
+<p:notes xmlns:a="http://schemas.openxmlformats.org/drawingml/2006/main" xmlns:r="http://schemas.openxmlformats.org/officeDocument/2006/relationships" xmlns:p="http://schemas.openxmlformats.org/presentationml/2006/main">
+  <p:cSld>
+    <p:spTree>
+      <p:nvGrpSpPr>
+        <p:cNvPr id="1" name=""/>
+        <p:cNvGrpSpPr/>
+        <p:nvPr/>
+      </p:nvGrpSpPr>
+      <p:grpSpPr>
+        <a:xfrm>
+          <a:off x="0" y="0"/>
+          <a:ext cx="0" cy="0"/>
+          <a:chOff x="0" y="0"/>
+          <a:chExt cx="0" cy="0"/>
+        </a:xfrm>
+      </p:grpSpPr>
+      <p:sp>
+        <p:nvSpPr>
+          <p:cNvPr id="2" name="Slide Image Placeholder 1"/>
+          <p:cNvSpPr>
+            <a:spLocks noGrp="1" noRot="1" noChangeAspect="1"/>
+          </p:cNvSpPr>
+          <p:nvPr>
+            <p:ph type="sldImg"/>
+          </p:nvPr>
+        </p:nvSpPr>
+        <p:spPr/>
+      </p:sp>
+      <p:sp>
+        <p:nvSpPr>
+          <p:cNvPr id="3" name="Notes Placeholder 2"/>
+          <p:cNvSpPr>
+            <a:spLocks noGrp="1"/>
+          </p:cNvSpPr>
+          <p:nvPr>
+            <p:ph type="body" idx="1"/>
+          </p:nvPr>
+        </p:nvSpPr>
+        <p:spPr/>
+        <p:txBody>
+          <a:bodyPr/>
+          <a:lstStyle/>
+          <a:p>
+            <a:r>
+              <a:rPr lang="en-US" b="1" dirty="0"/>
+              <a:t>Voice Track: </a:t>
+            </a:r>
+            <a:r>
+              <a:rPr lang="en-US" dirty="0"/>
+              <a:t>The request will go into our ticketing system and you will receive an automated email saying that we received the request.</a:t>
+            </a:r>
+          </a:p>
+        </p:txBody>
+      </p:sp>
+      <p:sp>
+        <p:nvSpPr>
+          <p:cNvPr id="4" name="Slide Number Placeholder 3"/>
+          <p:cNvSpPr>
+            <a:spLocks noGrp="1"/>
+          </p:cNvSpPr>
+          <p:nvPr>
+            <p:ph type="sldNum" sz="quarter" idx="5"/>
+          </p:nvPr>
+        </p:nvSpPr>
+        <p:spPr/>
+        <p:txBody>
+          <a:bodyPr/>
+          <a:lstStyle/>
+          <a:p>
+            <a:fld id="{D58F3C89-9E49-4851-A18A-DAECD34FD650}" type="slidenum">
+              <a:rPr lang="en-US" smtClean="0"/>
+              <a:t>24</a:t>
+            </a:fld>
+            <a:endParaRPr lang="en-US"/>
+          </a:p>
+        </p:txBody>
+      </p:sp>
+    </p:spTree>
+    <p:extLst>
+      <p:ext uri="{BB962C8B-B14F-4D97-AF65-F5344CB8AC3E}">
+        <p14:creationId xmlns:p14="http://schemas.microsoft.com/office/powerpoint/2010/main" val="3596497053"/>
+      </p:ext>
+    </p:extLst>
+  </p:cSld>
+  <p:clrMapOvr>
+    <a:masterClrMapping/>
+  </p:clrMapOvr>
+</p:notes>
+</file>
+
+<file path=ppt/notesSlides/notesSlide25.xml><?xml version="1.0" encoding="utf-8"?>
+<p:notes xmlns:a="http://schemas.openxmlformats.org/drawingml/2006/main" xmlns:r="http://schemas.openxmlformats.org/officeDocument/2006/relationships" xmlns:p="http://schemas.openxmlformats.org/presentationml/2006/main">
+  <p:cSld>
+    <p:spTree>
+      <p:nvGrpSpPr>
+        <p:cNvPr id="1" name=""/>
+        <p:cNvGrpSpPr/>
+        <p:nvPr/>
+      </p:nvGrpSpPr>
+      <p:grpSpPr>
+        <a:xfrm>
+          <a:off x="0" y="0"/>
+          <a:ext cx="0" cy="0"/>
+          <a:chOff x="0" y="0"/>
+          <a:chExt cx="0" cy="0"/>
+        </a:xfrm>
+      </p:grpSpPr>
+      <p:sp>
+        <p:nvSpPr>
+          <p:cNvPr id="2" name="Slide Image Placeholder 1"/>
+          <p:cNvSpPr>
+            <a:spLocks noGrp="1" noRot="1" noChangeAspect="1"/>
+          </p:cNvSpPr>
+          <p:nvPr>
+            <p:ph type="sldImg"/>
+          </p:nvPr>
+        </p:nvSpPr>
+        <p:spPr/>
+      </p:sp>
+      <p:sp>
+        <p:nvSpPr>
+          <p:cNvPr id="3" name="Notes Placeholder 2"/>
+          <p:cNvSpPr>
+            <a:spLocks noGrp="1"/>
+          </p:cNvSpPr>
+          <p:nvPr>
+            <p:ph type="body" idx="1"/>
+          </p:nvPr>
+        </p:nvSpPr>
+        <p:spPr/>
+        <p:txBody>
+          <a:bodyPr/>
+          <a:lstStyle/>
+          <a:p>
+            <a:r>
+              <a:rPr lang="en-US" b="1" dirty="0"/>
+              <a:t>Voice Track: </a:t>
+            </a:r>
+            <a:r>
+              <a:rPr lang="en-US" dirty="0"/>
+              <a:t>It is important to note that the “Additional information” is limited to 2,000 characters.  CNAs have run into this limit.</a:t>
+            </a:r>
+          </a:p>
+        </p:txBody>
+      </p:sp>
+      <p:sp>
+        <p:nvSpPr>
+          <p:cNvPr id="4" name="Slide Number Placeholder 3"/>
+          <p:cNvSpPr>
+            <a:spLocks noGrp="1"/>
+          </p:cNvSpPr>
+          <p:nvPr>
+            <p:ph type="sldNum" sz="quarter" idx="5"/>
+          </p:nvPr>
+        </p:nvSpPr>
+        <p:spPr/>
+        <p:txBody>
+          <a:bodyPr/>
+          <a:lstStyle/>
+          <a:p>
+            <a:fld id="{D58F3C89-9E49-4851-A18A-DAECD34FD650}" type="slidenum">
+              <a:rPr lang="en-US" smtClean="0"/>
+              <a:t>25</a:t>
+            </a:fld>
+            <a:endParaRPr lang="en-US"/>
+          </a:p>
+        </p:txBody>
+      </p:sp>
+    </p:spTree>
+    <p:extLst>
+      <p:ext uri="{BB962C8B-B14F-4D97-AF65-F5344CB8AC3E}">
+        <p14:creationId xmlns:p14="http://schemas.microsoft.com/office/powerpoint/2010/main" val="3906579058"/>
+      </p:ext>
+    </p:extLst>
+  </p:cSld>
+  <p:clrMapOvr>
+    <a:masterClrMapping/>
+  </p:clrMapOvr>
+</p:notes>
+</file>
+
+<file path=ppt/notesSlides/notesSlide26.xml><?xml version="1.0" encoding="utf-8"?>
+<p:notes xmlns:a="http://schemas.openxmlformats.org/drawingml/2006/main" xmlns:r="http://schemas.openxmlformats.org/officeDocument/2006/relationships" xmlns:p="http://schemas.openxmlformats.org/presentationml/2006/main">
+  <p:cSld>
+    <p:spTree>
+      <p:nvGrpSpPr>
+        <p:cNvPr id="1" name=""/>
+        <p:cNvGrpSpPr/>
+        <p:nvPr/>
+      </p:nvGrpSpPr>
+      <p:grpSpPr>
+        <a:xfrm>
+          <a:off x="0" y="0"/>
+          <a:ext cx="0" cy="0"/>
+          <a:chOff x="0" y="0"/>
+          <a:chExt cx="0" cy="0"/>
+        </a:xfrm>
+      </p:grpSpPr>
+      <p:sp>
+        <p:nvSpPr>
+          <p:cNvPr id="2" name="Slide Image Placeholder 1"/>
+          <p:cNvSpPr>
+            <a:spLocks noGrp="1" noRot="1" noChangeAspect="1"/>
+          </p:cNvSpPr>
+          <p:nvPr>
+            <p:ph type="sldImg"/>
+          </p:nvPr>
+        </p:nvSpPr>
+        <p:spPr/>
+      </p:sp>
+      <p:sp>
+        <p:nvSpPr>
+          <p:cNvPr id="3" name="Notes Placeholder 2"/>
+          <p:cNvSpPr>
+            <a:spLocks noGrp="1"/>
+          </p:cNvSpPr>
+          <p:nvPr>
+            <p:ph type="body" idx="1"/>
+          </p:nvPr>
+        </p:nvSpPr>
+        <p:spPr/>
+        <p:txBody>
+          <a:bodyPr/>
+          <a:lstStyle/>
+          <a:p>
+            <a:r>
+              <a:rPr lang="en-US" b="1" dirty="0"/>
+              <a:t>Voice Track: </a:t>
+            </a:r>
+            <a:r>
+              <a:rPr lang="en-US" dirty="0"/>
+              <a:t>For now, the work around  is to fill in the form like normal, except in the “Additional information” field, state that a separate email providing the information is forthcoming. </a:t>
+            </a:r>
+          </a:p>
+        </p:txBody>
+      </p:sp>
+      <p:sp>
+        <p:nvSpPr>
+          <p:cNvPr id="4" name="Slide Number Placeholder 3"/>
+          <p:cNvSpPr>
+            <a:spLocks noGrp="1"/>
+          </p:cNvSpPr>
+          <p:nvPr>
+            <p:ph type="sldNum" sz="quarter" idx="5"/>
+          </p:nvPr>
+        </p:nvSpPr>
+        <p:spPr/>
+        <p:txBody>
+          <a:bodyPr/>
+          <a:lstStyle/>
+          <a:p>
+            <a:fld id="{D58F3C89-9E49-4851-A18A-DAECD34FD650}" type="slidenum">
+              <a:rPr lang="en-US" smtClean="0"/>
+              <a:t>26</a:t>
+            </a:fld>
+            <a:endParaRPr lang="en-US"/>
+          </a:p>
+        </p:txBody>
+      </p:sp>
+    </p:spTree>
+    <p:extLst>
+      <p:ext uri="{BB962C8B-B14F-4D97-AF65-F5344CB8AC3E}">
+        <p14:creationId xmlns:p14="http://schemas.microsoft.com/office/powerpoint/2010/main" val="3410196792"/>
+      </p:ext>
+    </p:extLst>
+  </p:cSld>
+  <p:clrMapOvr>
+    <a:masterClrMapping/>
+  </p:clrMapOvr>
+</p:notes>
+</file>
+
+<file path=ppt/notesSlides/notesSlide27.xml><?xml version="1.0" encoding="utf-8"?>
+<p:notes xmlns:a="http://schemas.openxmlformats.org/drawingml/2006/main" xmlns:r="http://schemas.openxmlformats.org/officeDocument/2006/relationships" xmlns:p="http://schemas.openxmlformats.org/presentationml/2006/main">
+  <p:cSld>
+    <p:spTree>
+      <p:nvGrpSpPr>
+        <p:cNvPr id="1" name=""/>
+        <p:cNvGrpSpPr/>
+        <p:nvPr/>
+      </p:nvGrpSpPr>
+      <p:grpSpPr>
+        <a:xfrm>
+          <a:off x="0" y="0"/>
+          <a:ext cx="0" cy="0"/>
+          <a:chOff x="0" y="0"/>
+          <a:chExt cx="0" cy="0"/>
+        </a:xfrm>
+      </p:grpSpPr>
+      <p:sp>
+        <p:nvSpPr>
+          <p:cNvPr id="2" name="Slide Image Placeholder 1"/>
+          <p:cNvSpPr>
+            <a:spLocks noGrp="1" noRot="1" noChangeAspect="1"/>
+          </p:cNvSpPr>
+          <p:nvPr>
+            <p:ph type="sldImg"/>
+          </p:nvPr>
+        </p:nvSpPr>
+        <p:spPr/>
+      </p:sp>
+      <p:sp>
+        <p:nvSpPr>
+          <p:cNvPr id="3" name="Notes Placeholder 2"/>
+          <p:cNvSpPr>
+            <a:spLocks noGrp="1"/>
+          </p:cNvSpPr>
+          <p:nvPr>
+            <p:ph type="body" idx="1"/>
+          </p:nvPr>
+        </p:nvSpPr>
+        <p:spPr/>
+        <p:txBody>
+          <a:bodyPr/>
+          <a:lstStyle/>
+          <a:p>
+            <a:r>
+              <a:rPr lang="en-US" b="1" dirty="0"/>
+              <a:t>Voice Track: </a:t>
+            </a:r>
+            <a:r>
+              <a:rPr lang="en-US" dirty="0"/>
+              <a:t>Next, reply to the automated email with the formatted information either in the body of the email or as an attachment.</a:t>
+            </a:r>
+          </a:p>
+        </p:txBody>
+      </p:sp>
+      <p:sp>
+        <p:nvSpPr>
+          <p:cNvPr id="4" name="Slide Number Placeholder 3"/>
+          <p:cNvSpPr>
+            <a:spLocks noGrp="1"/>
+          </p:cNvSpPr>
+          <p:nvPr>
+            <p:ph type="sldNum" sz="quarter" idx="5"/>
+          </p:nvPr>
+        </p:nvSpPr>
+        <p:spPr/>
+        <p:txBody>
+          <a:bodyPr/>
+          <a:lstStyle/>
+          <a:p>
+            <a:fld id="{D58F3C89-9E49-4851-A18A-DAECD34FD650}" type="slidenum">
+              <a:rPr lang="en-US" smtClean="0"/>
+              <a:t>27</a:t>
+            </a:fld>
+            <a:endParaRPr lang="en-US"/>
+          </a:p>
+        </p:txBody>
+      </p:sp>
+    </p:spTree>
+    <p:extLst>
+      <p:ext uri="{BB962C8B-B14F-4D97-AF65-F5344CB8AC3E}">
+        <p14:creationId xmlns:p14="http://schemas.microsoft.com/office/powerpoint/2010/main" val="1805870030"/>
+      </p:ext>
+    </p:extLst>
+  </p:cSld>
+  <p:clrMapOvr>
+    <a:masterClrMapping/>
+  </p:clrMapOvr>
+</p:notes>
+</file>
+
+<file path=ppt/notesSlides/notesSlide28.xml><?xml version="1.0" encoding="utf-8"?>
+<p:notes xmlns:a="http://schemas.openxmlformats.org/drawingml/2006/main" xmlns:r="http://schemas.openxmlformats.org/officeDocument/2006/relationships" xmlns:p="http://schemas.openxmlformats.org/presentationml/2006/main">
+  <p:cSld>
+    <p:spTree>
+      <p:nvGrpSpPr>
+        <p:cNvPr id="1" name=""/>
+        <p:cNvGrpSpPr/>
+        <p:nvPr/>
+      </p:nvGrpSpPr>
+      <p:grpSpPr>
+        <a:xfrm>
+          <a:off x="0" y="0"/>
+          <a:ext cx="0" cy="0"/>
+          <a:chOff x="0" y="0"/>
+          <a:chExt cx="0" cy="0"/>
+        </a:xfrm>
+      </p:grpSpPr>
+      <p:sp>
+        <p:nvSpPr>
+          <p:cNvPr id="2" name="Slide Image Placeholder 1"/>
+          <p:cNvSpPr>
+            <a:spLocks noGrp="1" noRot="1" noChangeAspect="1"/>
+          </p:cNvSpPr>
+          <p:nvPr>
+            <p:ph type="sldImg"/>
+          </p:nvPr>
+        </p:nvSpPr>
+        <p:spPr/>
+      </p:sp>
+      <p:sp>
+        <p:nvSpPr>
+          <p:cNvPr id="3" name="Notes Placeholder 2"/>
+          <p:cNvSpPr>
+            <a:spLocks noGrp="1"/>
+          </p:cNvSpPr>
+          <p:nvPr>
+            <p:ph type="body" idx="1"/>
+          </p:nvPr>
+        </p:nvSpPr>
+        <p:spPr/>
+        <p:txBody>
+          <a:bodyPr/>
+          <a:lstStyle/>
+          <a:p>
+            <a:endParaRPr lang="en-US"/>
+          </a:p>
+        </p:txBody>
+      </p:sp>
+      <p:sp>
+        <p:nvSpPr>
+          <p:cNvPr id="4" name="Slide Number Placeholder 3"/>
+          <p:cNvSpPr>
+            <a:spLocks noGrp="1"/>
+          </p:cNvSpPr>
+          <p:nvPr>
+            <p:ph type="sldNum" sz="quarter" idx="5"/>
+          </p:nvPr>
+        </p:nvSpPr>
+        <p:spPr/>
+        <p:txBody>
+          <a:bodyPr/>
+          <a:lstStyle/>
+          <a:p>
+            <a:fld id="{D58F3C89-9E49-4851-A18A-DAECD34FD650}" type="slidenum">
+              <a:rPr lang="en-US" smtClean="0"/>
+              <a:t>28</a:t>
+            </a:fld>
+            <a:endParaRPr lang="en-US"/>
+          </a:p>
+        </p:txBody>
+      </p:sp>
+    </p:spTree>
+    <p:extLst>
+      <p:ext uri="{BB962C8B-B14F-4D97-AF65-F5344CB8AC3E}">
+        <p14:creationId xmlns:p14="http://schemas.microsoft.com/office/powerpoint/2010/main" val="3744927713"/>
+      </p:ext>
+    </p:extLst>
+  </p:cSld>
+  <p:clrMapOvr>
+    <a:masterClrMapping/>
+  </p:clrMapOvr>
+</p:notes>
+</file>
+
+<file path=ppt/notesSlides/notesSlide29.xml><?xml version="1.0" encoding="utf-8"?>
+<p:notes xmlns:a="http://schemas.openxmlformats.org/drawingml/2006/main" xmlns:r="http://schemas.openxmlformats.org/officeDocument/2006/relationships" xmlns:p="http://schemas.openxmlformats.org/presentationml/2006/main">
+  <p:cSld>
+    <p:spTree>
+      <p:nvGrpSpPr>
+        <p:cNvPr id="1" name=""/>
+        <p:cNvGrpSpPr/>
+        <p:nvPr/>
+      </p:nvGrpSpPr>
+      <p:grpSpPr>
+        <a:xfrm>
+          <a:off x="0" y="0"/>
+          <a:ext cx="0" cy="0"/>
+          <a:chOff x="0" y="0"/>
+          <a:chExt cx="0" cy="0"/>
+        </a:xfrm>
+      </p:grpSpPr>
+      <p:sp>
+        <p:nvSpPr>
+          <p:cNvPr id="2" name="Slide Image Placeholder 1"/>
+          <p:cNvSpPr>
+            <a:spLocks noGrp="1" noRot="1" noChangeAspect="1"/>
+          </p:cNvSpPr>
+          <p:nvPr>
+            <p:ph type="sldImg"/>
+          </p:nvPr>
+        </p:nvSpPr>
+        <p:spPr/>
+      </p:sp>
+      <p:sp>
+        <p:nvSpPr>
+          <p:cNvPr id="3" name="Notes Placeholder 2"/>
+          <p:cNvSpPr>
+            <a:spLocks noGrp="1"/>
+          </p:cNvSpPr>
+          <p:nvPr>
+            <p:ph type="body" idx="1"/>
+          </p:nvPr>
+        </p:nvSpPr>
+        <p:spPr/>
+        <p:txBody>
+          <a:bodyPr/>
+          <a:lstStyle/>
+          <a:p>
+            <a:r>
+              <a:rPr lang="en-US" b="1" dirty="0"/>
+              <a:t>Voice Track: </a:t>
+            </a:r>
+            <a:r>
+              <a:rPr lang="en-US" dirty="0"/>
+              <a:t>For the GitHub submissions, go to our </a:t>
+            </a:r>
+            <a:r>
+              <a:rPr lang="en-US" dirty="0" err="1"/>
+              <a:t>CVEProject</a:t>
+            </a:r>
+            <a:r>
+              <a:rPr lang="en-US" dirty="0"/>
+              <a:t>/</a:t>
+            </a:r>
+            <a:r>
+              <a:rPr lang="en-US" dirty="0" err="1"/>
+              <a:t>cvelist</a:t>
+            </a:r>
+            <a:r>
+              <a:rPr lang="en-US" dirty="0"/>
+              <a:t> repo on GitHub and create a fork of it.  The </a:t>
+            </a:r>
+            <a:r>
+              <a:rPr lang="en-US" dirty="0" err="1"/>
+              <a:t>cvelist</a:t>
+            </a:r>
+            <a:r>
+              <a:rPr lang="en-US" dirty="0"/>
+              <a:t> repo is broken down into folders for each year and further broken down into folder per thousand vulnerabilities.  In these folders, each CVE ID has its own JSON file.  To submit CVE entries, you will change the appropriate JSON files on your own branch and create a pull request to the </a:t>
+            </a:r>
+            <a:r>
+              <a:rPr lang="en-US" dirty="0" err="1"/>
+              <a:t>CVEProject</a:t>
+            </a:r>
+            <a:r>
+              <a:rPr lang="en-US" dirty="0"/>
+              <a:t> repo.  Further in guidance developed by the CNAs through the CNA Collaboration Working Group can be found on our GitHub.io site (http://cveproject.github.io/docs/cna/processes_documentation/index.html).</a:t>
+            </a:r>
+          </a:p>
+          <a:p>
+            <a:endParaRPr lang="en-US" dirty="0"/>
+          </a:p>
+          <a:p>
+            <a:r>
+              <a:rPr lang="en-US" dirty="0"/>
+              <a:t>You will need to register your GitHub username before you create the pull request.  You can do this by making an “Other” request through the CVE web form.</a:t>
+            </a:r>
+          </a:p>
+          <a:p>
+            <a:endParaRPr lang="en-US" dirty="0"/>
+          </a:p>
+          <a:p>
+            <a:r>
+              <a:rPr lang="en-US" dirty="0"/>
+              <a:t>It is also important to note that once the submission is on GitHub, it will immediately become public.</a:t>
+            </a:r>
+          </a:p>
+        </p:txBody>
+      </p:sp>
+      <p:sp>
+        <p:nvSpPr>
+          <p:cNvPr id="4" name="Slide Number Placeholder 3"/>
+          <p:cNvSpPr>
+            <a:spLocks noGrp="1"/>
+          </p:cNvSpPr>
+          <p:nvPr>
+            <p:ph type="sldNum" sz="quarter" idx="5"/>
+          </p:nvPr>
+        </p:nvSpPr>
+        <p:spPr/>
+        <p:txBody>
+          <a:bodyPr/>
+          <a:lstStyle/>
+          <a:p>
+            <a:fld id="{D58F3C89-9E49-4851-A18A-DAECD34FD650}" type="slidenum">
+              <a:rPr lang="en-US" smtClean="0"/>
+              <a:t>29</a:t>
+            </a:fld>
+            <a:endParaRPr lang="en-US"/>
+          </a:p>
+        </p:txBody>
+      </p:sp>
+    </p:spTree>
+    <p:extLst>
+      <p:ext uri="{BB962C8B-B14F-4D97-AF65-F5344CB8AC3E}">
+        <p14:creationId xmlns:p14="http://schemas.microsoft.com/office/powerpoint/2010/main" val="4244660569"/>
+      </p:ext>
+    </p:extLst>
+  </p:cSld>
+  <p:clrMapOvr>
+    <a:masterClrMapping/>
+  </p:clrMapOvr>
+</p:notes>
+</file>
+
+<file path=ppt/notesSlides/notesSlide3.xml><?xml version="1.0" encoding="utf-8"?>
+<p:notes xmlns:a="http://schemas.openxmlformats.org/drawingml/2006/main" xmlns:r="http://schemas.openxmlformats.org/officeDocument/2006/relationships" xmlns:p="http://schemas.openxmlformats.org/presentationml/2006/main">
+  <p:cSld>
+    <p:spTree>
+      <p:nvGrpSpPr>
+        <p:cNvPr id="1" name=""/>
+        <p:cNvGrpSpPr/>
+        <p:nvPr/>
+      </p:nvGrpSpPr>
+      <p:grpSpPr>
+        <a:xfrm>
+          <a:off x="0" y="0"/>
+          <a:ext cx="0" cy="0"/>
+          <a:chOff x="0" y="0"/>
+          <a:chExt cx="0" cy="0"/>
+        </a:xfrm>
+      </p:grpSpPr>
+      <p:sp>
+        <p:nvSpPr>
+          <p:cNvPr id="2" name="Slide Image Placeholder 1"/>
+          <p:cNvSpPr>
+            <a:spLocks noGrp="1" noRot="1" noChangeAspect="1"/>
+          </p:cNvSpPr>
+          <p:nvPr>
+            <p:ph type="sldImg"/>
+          </p:nvPr>
+        </p:nvSpPr>
+        <p:spPr/>
+      </p:sp>
+      <p:sp>
+        <p:nvSpPr>
+          <p:cNvPr id="3" name="Notes Placeholder 2"/>
+          <p:cNvSpPr>
+            <a:spLocks noGrp="1"/>
+          </p:cNvSpPr>
+          <p:nvPr>
+            <p:ph type="body" idx="1"/>
+          </p:nvPr>
+        </p:nvSpPr>
+        <p:spPr/>
+        <p:txBody>
+          <a:bodyPr/>
+          <a:lstStyle/>
+          <a:p>
+            <a:r>
+              <a:rPr lang="en-US" b="1" dirty="0"/>
+              <a:t>Voice Track: </a:t>
+            </a:r>
+            <a:r>
+              <a:rPr lang="en-US" b="0" dirty="0"/>
+              <a:t>In this presentation, we will go over the required </a:t>
+            </a:r>
+            <a:r>
+              <a:rPr lang="en-US" dirty="0"/>
+              <a:t>information, what formats you need to use for the submissions, how to send the information to MITRE, what MITRE does on our end when we receive a request, and some tools that can help you with the formatting.</a:t>
+            </a:r>
+          </a:p>
+        </p:txBody>
+      </p:sp>
+      <p:sp>
+        <p:nvSpPr>
+          <p:cNvPr id="4" name="Slide Number Placeholder 3"/>
+          <p:cNvSpPr>
+            <a:spLocks noGrp="1"/>
+          </p:cNvSpPr>
+          <p:nvPr>
+            <p:ph type="sldNum" sz="quarter" idx="5"/>
+          </p:nvPr>
+        </p:nvSpPr>
+        <p:spPr/>
+        <p:txBody>
+          <a:bodyPr/>
+          <a:lstStyle/>
+          <a:p>
+            <a:fld id="{D58F3C89-9E49-4851-A18A-DAECD34FD650}" type="slidenum">
+              <a:rPr lang="en-US" smtClean="0"/>
+              <a:t>3</a:t>
+            </a:fld>
+            <a:endParaRPr lang="en-US"/>
+          </a:p>
+        </p:txBody>
+      </p:sp>
+    </p:spTree>
+    <p:extLst>
+      <p:ext uri="{BB962C8B-B14F-4D97-AF65-F5344CB8AC3E}">
+        <p14:creationId xmlns:p14="http://schemas.microsoft.com/office/powerpoint/2010/main" val="3481126249"/>
+      </p:ext>
+    </p:extLst>
+  </p:cSld>
+  <p:clrMapOvr>
+    <a:masterClrMapping/>
+  </p:clrMapOvr>
+</p:notes>
+</file>
+
+<file path=ppt/notesSlides/notesSlide30.xml><?xml version="1.0" encoding="utf-8"?>
+<p:notes xmlns:a="http://schemas.openxmlformats.org/drawingml/2006/main" xmlns:r="http://schemas.openxmlformats.org/officeDocument/2006/relationships" xmlns:p="http://schemas.openxmlformats.org/presentationml/2006/main">
+  <p:cSld>
+    <p:spTree>
+      <p:nvGrpSpPr>
+        <p:cNvPr id="1" name=""/>
+        <p:cNvGrpSpPr/>
+        <p:nvPr/>
+      </p:nvGrpSpPr>
+      <p:grpSpPr>
+        <a:xfrm>
+          <a:off x="0" y="0"/>
+          <a:ext cx="0" cy="0"/>
+          <a:chOff x="0" y="0"/>
+          <a:chExt cx="0" cy="0"/>
+        </a:xfrm>
+      </p:grpSpPr>
+      <p:sp>
+        <p:nvSpPr>
+          <p:cNvPr id="2" name="Slide Image Placeholder 1"/>
+          <p:cNvSpPr>
+            <a:spLocks noGrp="1" noRot="1" noChangeAspect="1"/>
+          </p:cNvSpPr>
+          <p:nvPr>
+            <p:ph type="sldImg"/>
+          </p:nvPr>
+        </p:nvSpPr>
+        <p:spPr/>
+      </p:sp>
+      <p:sp>
+        <p:nvSpPr>
+          <p:cNvPr id="3" name="Notes Placeholder 2"/>
+          <p:cNvSpPr>
+            <a:spLocks noGrp="1"/>
+          </p:cNvSpPr>
+          <p:nvPr>
+            <p:ph type="body" idx="1"/>
+          </p:nvPr>
+        </p:nvSpPr>
+        <p:spPr/>
+        <p:txBody>
+          <a:bodyPr/>
+          <a:lstStyle/>
+          <a:p>
+            <a:r>
+              <a:rPr lang="en-US" b="1" dirty="0"/>
+              <a:t>Voice Track: </a:t>
+            </a:r>
+            <a:r>
+              <a:rPr lang="en-US" dirty="0"/>
+              <a:t>These slides go through each </a:t>
+            </a:r>
+            <a:r>
+              <a:rPr lang="en-US" dirty="0" err="1"/>
+              <a:t>commandline</a:t>
+            </a:r>
+            <a:r>
+              <a:rPr lang="en-US" dirty="0"/>
+              <a:t> instruction needed to perform and create a pull request.  That is a bit too much for this presentation so I am going to skip them.</a:t>
+            </a:r>
+          </a:p>
+        </p:txBody>
+      </p:sp>
+      <p:sp>
+        <p:nvSpPr>
+          <p:cNvPr id="4" name="Slide Number Placeholder 3"/>
+          <p:cNvSpPr>
+            <a:spLocks noGrp="1"/>
+          </p:cNvSpPr>
+          <p:nvPr>
+            <p:ph type="sldNum" sz="quarter" idx="5"/>
+          </p:nvPr>
+        </p:nvSpPr>
+        <p:spPr/>
+        <p:txBody>
+          <a:bodyPr/>
+          <a:lstStyle/>
+          <a:p>
+            <a:fld id="{D58F3C89-9E49-4851-A18A-DAECD34FD650}" type="slidenum">
+              <a:rPr lang="en-US" smtClean="0"/>
+              <a:t>30</a:t>
+            </a:fld>
+            <a:endParaRPr lang="en-US"/>
+          </a:p>
+        </p:txBody>
+      </p:sp>
+    </p:spTree>
+    <p:extLst>
+      <p:ext uri="{BB962C8B-B14F-4D97-AF65-F5344CB8AC3E}">
+        <p14:creationId xmlns:p14="http://schemas.microsoft.com/office/powerpoint/2010/main" val="388924268"/>
+      </p:ext>
+    </p:extLst>
+  </p:cSld>
+  <p:clrMapOvr>
+    <a:masterClrMapping/>
+  </p:clrMapOvr>
+</p:notes>
+</file>
+
+<file path=ppt/notesSlides/notesSlide31.xml><?xml version="1.0" encoding="utf-8"?>
+<p:notes xmlns:a="http://schemas.openxmlformats.org/drawingml/2006/main" xmlns:r="http://schemas.openxmlformats.org/officeDocument/2006/relationships" xmlns:p="http://schemas.openxmlformats.org/presentationml/2006/main">
+  <p:cSld>
+    <p:spTree>
+      <p:nvGrpSpPr>
+        <p:cNvPr id="1" name=""/>
+        <p:cNvGrpSpPr/>
+        <p:nvPr/>
+      </p:nvGrpSpPr>
+      <p:grpSpPr>
+        <a:xfrm>
+          <a:off x="0" y="0"/>
+          <a:ext cx="0" cy="0"/>
+          <a:chOff x="0" y="0"/>
+          <a:chExt cx="0" cy="0"/>
+        </a:xfrm>
+      </p:grpSpPr>
+      <p:sp>
+        <p:nvSpPr>
+          <p:cNvPr id="2" name="Slide Image Placeholder 1"/>
+          <p:cNvSpPr>
+            <a:spLocks noGrp="1" noRot="1" noChangeAspect="1"/>
+          </p:cNvSpPr>
+          <p:nvPr>
+            <p:ph type="sldImg"/>
+          </p:nvPr>
+        </p:nvSpPr>
+        <p:spPr/>
+      </p:sp>
+      <p:sp>
+        <p:nvSpPr>
+          <p:cNvPr id="3" name="Notes Placeholder 2"/>
+          <p:cNvSpPr>
+            <a:spLocks noGrp="1"/>
+          </p:cNvSpPr>
+          <p:nvPr>
+            <p:ph type="body" idx="1"/>
+          </p:nvPr>
+        </p:nvSpPr>
+        <p:spPr/>
+        <p:txBody>
+          <a:bodyPr/>
+          <a:lstStyle/>
+          <a:p>
+            <a:r>
+              <a:rPr lang="en-US" dirty="0"/>
+              <a:t>SKIP</a:t>
+            </a:r>
+          </a:p>
+        </p:txBody>
+      </p:sp>
+      <p:sp>
+        <p:nvSpPr>
+          <p:cNvPr id="4" name="Slide Number Placeholder 3"/>
+          <p:cNvSpPr>
+            <a:spLocks noGrp="1"/>
+          </p:cNvSpPr>
+          <p:nvPr>
+            <p:ph type="sldNum" sz="quarter" idx="5"/>
+          </p:nvPr>
+        </p:nvSpPr>
+        <p:spPr/>
+        <p:txBody>
+          <a:bodyPr/>
+          <a:lstStyle/>
+          <a:p>
+            <a:fld id="{D58F3C89-9E49-4851-A18A-DAECD34FD650}" type="slidenum">
+              <a:rPr lang="en-US" smtClean="0"/>
+              <a:t>31</a:t>
+            </a:fld>
+            <a:endParaRPr lang="en-US"/>
+          </a:p>
+        </p:txBody>
+      </p:sp>
+    </p:spTree>
+    <p:extLst>
+      <p:ext uri="{BB962C8B-B14F-4D97-AF65-F5344CB8AC3E}">
+        <p14:creationId xmlns:p14="http://schemas.microsoft.com/office/powerpoint/2010/main" val="2028248295"/>
+      </p:ext>
+    </p:extLst>
+  </p:cSld>
+  <p:clrMapOvr>
+    <a:masterClrMapping/>
+  </p:clrMapOvr>
+</p:notes>
+</file>
+
+<file path=ppt/notesSlides/notesSlide32.xml><?xml version="1.0" encoding="utf-8"?>
+<p:notes xmlns:a="http://schemas.openxmlformats.org/drawingml/2006/main" xmlns:r="http://schemas.openxmlformats.org/officeDocument/2006/relationships" xmlns:p="http://schemas.openxmlformats.org/presentationml/2006/main">
+  <p:cSld>
+    <p:spTree>
+      <p:nvGrpSpPr>
+        <p:cNvPr id="1" name=""/>
+        <p:cNvGrpSpPr/>
+        <p:nvPr/>
+      </p:nvGrpSpPr>
+      <p:grpSpPr>
+        <a:xfrm>
+          <a:off x="0" y="0"/>
+          <a:ext cx="0" cy="0"/>
+          <a:chOff x="0" y="0"/>
+          <a:chExt cx="0" cy="0"/>
+        </a:xfrm>
+      </p:grpSpPr>
+      <p:sp>
+        <p:nvSpPr>
+          <p:cNvPr id="2" name="Slide Image Placeholder 1"/>
+          <p:cNvSpPr>
+            <a:spLocks noGrp="1" noRot="1" noChangeAspect="1"/>
+          </p:cNvSpPr>
+          <p:nvPr>
+            <p:ph type="sldImg"/>
+          </p:nvPr>
+        </p:nvSpPr>
+        <p:spPr/>
+      </p:sp>
+      <p:sp>
+        <p:nvSpPr>
+          <p:cNvPr id="3" name="Notes Placeholder 2"/>
+          <p:cNvSpPr>
+            <a:spLocks noGrp="1"/>
+          </p:cNvSpPr>
+          <p:nvPr>
+            <p:ph type="body" idx="1"/>
+          </p:nvPr>
+        </p:nvSpPr>
+        <p:spPr/>
+        <p:txBody>
+          <a:bodyPr/>
+          <a:lstStyle/>
+          <a:p>
+            <a:r>
+              <a:rPr lang="en-US" dirty="0"/>
+              <a:t>SKIP</a:t>
+            </a:r>
+          </a:p>
+        </p:txBody>
+      </p:sp>
+      <p:sp>
+        <p:nvSpPr>
+          <p:cNvPr id="4" name="Slide Number Placeholder 3"/>
+          <p:cNvSpPr>
+            <a:spLocks noGrp="1"/>
+          </p:cNvSpPr>
+          <p:nvPr>
+            <p:ph type="sldNum" sz="quarter" idx="5"/>
+          </p:nvPr>
+        </p:nvSpPr>
+        <p:spPr/>
+        <p:txBody>
+          <a:bodyPr/>
+          <a:lstStyle/>
+          <a:p>
+            <a:fld id="{D58F3C89-9E49-4851-A18A-DAECD34FD650}" type="slidenum">
+              <a:rPr lang="en-US" smtClean="0"/>
+              <a:t>32</a:t>
+            </a:fld>
+            <a:endParaRPr lang="en-US"/>
+          </a:p>
+        </p:txBody>
+      </p:sp>
+    </p:spTree>
+    <p:extLst>
+      <p:ext uri="{BB962C8B-B14F-4D97-AF65-F5344CB8AC3E}">
+        <p14:creationId xmlns:p14="http://schemas.microsoft.com/office/powerpoint/2010/main" val="2152375243"/>
+      </p:ext>
+    </p:extLst>
+  </p:cSld>
+  <p:clrMapOvr>
+    <a:masterClrMapping/>
+  </p:clrMapOvr>
+</p:notes>
+</file>
+
+<file path=ppt/notesSlides/notesSlide33.xml><?xml version="1.0" encoding="utf-8"?>
+<p:notes xmlns:a="http://schemas.openxmlformats.org/drawingml/2006/main" xmlns:r="http://schemas.openxmlformats.org/officeDocument/2006/relationships" xmlns:p="http://schemas.openxmlformats.org/presentationml/2006/main">
+  <p:cSld>
+    <p:spTree>
+      <p:nvGrpSpPr>
+        <p:cNvPr id="1" name=""/>
+        <p:cNvGrpSpPr/>
+        <p:nvPr/>
+      </p:nvGrpSpPr>
+      <p:grpSpPr>
+        <a:xfrm>
+          <a:off x="0" y="0"/>
+          <a:ext cx="0" cy="0"/>
+          <a:chOff x="0" y="0"/>
+          <a:chExt cx="0" cy="0"/>
+        </a:xfrm>
+      </p:grpSpPr>
+      <p:sp>
+        <p:nvSpPr>
+          <p:cNvPr id="2" name="Slide Image Placeholder 1"/>
+          <p:cNvSpPr>
+            <a:spLocks noGrp="1" noRot="1" noChangeAspect="1"/>
+          </p:cNvSpPr>
+          <p:nvPr>
+            <p:ph type="sldImg"/>
+          </p:nvPr>
+        </p:nvSpPr>
+        <p:spPr/>
+      </p:sp>
+      <p:sp>
+        <p:nvSpPr>
+          <p:cNvPr id="3" name="Notes Placeholder 2"/>
+          <p:cNvSpPr>
+            <a:spLocks noGrp="1"/>
+          </p:cNvSpPr>
+          <p:nvPr>
+            <p:ph type="body" idx="1"/>
+          </p:nvPr>
+        </p:nvSpPr>
+        <p:spPr/>
+        <p:txBody>
+          <a:bodyPr/>
+          <a:lstStyle/>
+          <a:p>
+            <a:r>
+              <a:rPr lang="en-US" dirty="0"/>
+              <a:t>SKIP</a:t>
+            </a:r>
+          </a:p>
+        </p:txBody>
+      </p:sp>
+      <p:sp>
+        <p:nvSpPr>
+          <p:cNvPr id="4" name="Slide Number Placeholder 3"/>
+          <p:cNvSpPr>
+            <a:spLocks noGrp="1"/>
+          </p:cNvSpPr>
+          <p:nvPr>
+            <p:ph type="sldNum" sz="quarter" idx="5"/>
+          </p:nvPr>
+        </p:nvSpPr>
+        <p:spPr/>
+        <p:txBody>
+          <a:bodyPr/>
+          <a:lstStyle/>
+          <a:p>
+            <a:fld id="{D58F3C89-9E49-4851-A18A-DAECD34FD650}" type="slidenum">
+              <a:rPr lang="en-US" smtClean="0"/>
+              <a:t>33</a:t>
+            </a:fld>
+            <a:endParaRPr lang="en-US"/>
+          </a:p>
+        </p:txBody>
+      </p:sp>
+    </p:spTree>
+    <p:extLst>
+      <p:ext uri="{BB962C8B-B14F-4D97-AF65-F5344CB8AC3E}">
+        <p14:creationId xmlns:p14="http://schemas.microsoft.com/office/powerpoint/2010/main" val="3432744290"/>
+      </p:ext>
+    </p:extLst>
+  </p:cSld>
+  <p:clrMapOvr>
+    <a:masterClrMapping/>
+  </p:clrMapOvr>
+</p:notes>
+</file>
+
+<file path=ppt/notesSlides/notesSlide34.xml><?xml version="1.0" encoding="utf-8"?>
+<p:notes xmlns:a="http://schemas.openxmlformats.org/drawingml/2006/main" xmlns:r="http://schemas.openxmlformats.org/officeDocument/2006/relationships" xmlns:p="http://schemas.openxmlformats.org/presentationml/2006/main">
+  <p:cSld>
+    <p:spTree>
+      <p:nvGrpSpPr>
+        <p:cNvPr id="1" name=""/>
+        <p:cNvGrpSpPr/>
+        <p:nvPr/>
+      </p:nvGrpSpPr>
+      <p:grpSpPr>
+        <a:xfrm>
+          <a:off x="0" y="0"/>
+          <a:ext cx="0" cy="0"/>
+          <a:chOff x="0" y="0"/>
+          <a:chExt cx="0" cy="0"/>
+        </a:xfrm>
+      </p:grpSpPr>
+      <p:sp>
+        <p:nvSpPr>
+          <p:cNvPr id="2" name="Slide Image Placeholder 1"/>
+          <p:cNvSpPr>
+            <a:spLocks noGrp="1" noRot="1" noChangeAspect="1"/>
+          </p:cNvSpPr>
+          <p:nvPr>
+            <p:ph type="sldImg"/>
+          </p:nvPr>
+        </p:nvSpPr>
+        <p:spPr/>
+      </p:sp>
+      <p:sp>
+        <p:nvSpPr>
+          <p:cNvPr id="3" name="Notes Placeholder 2"/>
+          <p:cNvSpPr>
+            <a:spLocks noGrp="1"/>
+          </p:cNvSpPr>
+          <p:nvPr>
+            <p:ph type="body" idx="1"/>
+          </p:nvPr>
+        </p:nvSpPr>
+        <p:spPr/>
+        <p:txBody>
+          <a:bodyPr/>
+          <a:lstStyle/>
+          <a:p>
+            <a:r>
+              <a:rPr lang="en-US" dirty="0"/>
+              <a:t>SKIP</a:t>
+            </a:r>
+          </a:p>
+        </p:txBody>
+      </p:sp>
+      <p:sp>
+        <p:nvSpPr>
+          <p:cNvPr id="4" name="Slide Number Placeholder 3"/>
+          <p:cNvSpPr>
+            <a:spLocks noGrp="1"/>
+          </p:cNvSpPr>
+          <p:nvPr>
+            <p:ph type="sldNum" sz="quarter" idx="5"/>
+          </p:nvPr>
+        </p:nvSpPr>
+        <p:spPr/>
+        <p:txBody>
+          <a:bodyPr/>
+          <a:lstStyle/>
+          <a:p>
+            <a:fld id="{D58F3C89-9E49-4851-A18A-DAECD34FD650}" type="slidenum">
+              <a:rPr lang="en-US" smtClean="0"/>
+              <a:t>34</a:t>
+            </a:fld>
+            <a:endParaRPr lang="en-US"/>
+          </a:p>
+        </p:txBody>
+      </p:sp>
+    </p:spTree>
+    <p:extLst>
+      <p:ext uri="{BB962C8B-B14F-4D97-AF65-F5344CB8AC3E}">
+        <p14:creationId xmlns:p14="http://schemas.microsoft.com/office/powerpoint/2010/main" val="193993171"/>
+      </p:ext>
+    </p:extLst>
+  </p:cSld>
+  <p:clrMapOvr>
+    <a:masterClrMapping/>
+  </p:clrMapOvr>
+</p:notes>
+</file>
+
+<file path=ppt/notesSlides/notesSlide35.xml><?xml version="1.0" encoding="utf-8"?>
+<p:notes xmlns:a="http://schemas.openxmlformats.org/drawingml/2006/main" xmlns:r="http://schemas.openxmlformats.org/officeDocument/2006/relationships" xmlns:p="http://schemas.openxmlformats.org/presentationml/2006/main">
+  <p:cSld>
+    <p:spTree>
+      <p:nvGrpSpPr>
+        <p:cNvPr id="1" name=""/>
+        <p:cNvGrpSpPr/>
+        <p:nvPr/>
+      </p:nvGrpSpPr>
+      <p:grpSpPr>
+        <a:xfrm>
+          <a:off x="0" y="0"/>
+          <a:ext cx="0" cy="0"/>
+          <a:chOff x="0" y="0"/>
+          <a:chExt cx="0" cy="0"/>
+        </a:xfrm>
+      </p:grpSpPr>
+      <p:sp>
+        <p:nvSpPr>
+          <p:cNvPr id="2" name="Slide Image Placeholder 1"/>
+          <p:cNvSpPr>
+            <a:spLocks noGrp="1" noRot="1" noChangeAspect="1"/>
+          </p:cNvSpPr>
+          <p:nvPr>
+            <p:ph type="sldImg"/>
+          </p:nvPr>
+        </p:nvSpPr>
+        <p:spPr/>
+      </p:sp>
+      <p:sp>
+        <p:nvSpPr>
+          <p:cNvPr id="3" name="Notes Placeholder 2"/>
+          <p:cNvSpPr>
+            <a:spLocks noGrp="1"/>
+          </p:cNvSpPr>
+          <p:nvPr>
+            <p:ph type="body" idx="1"/>
+          </p:nvPr>
+        </p:nvSpPr>
+        <p:spPr/>
+        <p:txBody>
+          <a:bodyPr/>
+          <a:lstStyle/>
+          <a:p>
+            <a:r>
+              <a:rPr lang="en-US" b="1" dirty="0"/>
+              <a:t>Voice Track: </a:t>
+            </a:r>
+            <a:r>
+              <a:rPr lang="en-US" dirty="0"/>
+              <a:t>So what does MITRE do when we receive a submission?  We make sure that the CVE ID is assigned to you; that the ID is in the reserved state; the reference(s) are public; and that the information in the entry matches what is in the references.</a:t>
+            </a:r>
+          </a:p>
+          <a:p>
+            <a:endParaRPr lang="en-US" dirty="0"/>
+          </a:p>
+          <a:p>
+            <a:r>
+              <a:rPr lang="en-US" dirty="0"/>
+              <a:t>If all of that looks good, we add the submission to the CVE list.  That gets updated on our website, put up on GitHub, and sent out through our announcement channels, like our Twitter feed.</a:t>
+            </a:r>
+          </a:p>
+        </p:txBody>
+      </p:sp>
+      <p:sp>
+        <p:nvSpPr>
+          <p:cNvPr id="4" name="Slide Number Placeholder 3"/>
+          <p:cNvSpPr>
+            <a:spLocks noGrp="1"/>
+          </p:cNvSpPr>
+          <p:nvPr>
+            <p:ph type="sldNum" sz="quarter" idx="5"/>
+          </p:nvPr>
+        </p:nvSpPr>
+        <p:spPr/>
+        <p:txBody>
+          <a:bodyPr/>
+          <a:lstStyle/>
+          <a:p>
+            <a:fld id="{D58F3C89-9E49-4851-A18A-DAECD34FD650}" type="slidenum">
+              <a:rPr lang="en-US" smtClean="0"/>
+              <a:t>35</a:t>
+            </a:fld>
+            <a:endParaRPr lang="en-US"/>
+          </a:p>
+        </p:txBody>
+      </p:sp>
+    </p:spTree>
+    <p:extLst>
+      <p:ext uri="{BB962C8B-B14F-4D97-AF65-F5344CB8AC3E}">
+        <p14:creationId xmlns:p14="http://schemas.microsoft.com/office/powerpoint/2010/main" val="4098723039"/>
+      </p:ext>
+    </p:extLst>
+  </p:cSld>
+  <p:clrMapOvr>
+    <a:masterClrMapping/>
+  </p:clrMapOvr>
+</p:notes>
+</file>
+
+<file path=ppt/notesSlides/notesSlide36.xml><?xml version="1.0" encoding="utf-8"?>
+<p:notes xmlns:a="http://schemas.openxmlformats.org/drawingml/2006/main" xmlns:r="http://schemas.openxmlformats.org/officeDocument/2006/relationships" xmlns:p="http://schemas.openxmlformats.org/presentationml/2006/main">
+  <p:cSld>
+    <p:spTree>
+      <p:nvGrpSpPr>
+        <p:cNvPr id="1" name=""/>
+        <p:cNvGrpSpPr/>
+        <p:nvPr/>
+      </p:nvGrpSpPr>
+      <p:grpSpPr>
+        <a:xfrm>
+          <a:off x="0" y="0"/>
+          <a:ext cx="0" cy="0"/>
+          <a:chOff x="0" y="0"/>
+          <a:chExt cx="0" cy="0"/>
+        </a:xfrm>
+      </p:grpSpPr>
+      <p:sp>
+        <p:nvSpPr>
+          <p:cNvPr id="2" name="Slide Image Placeholder 1"/>
+          <p:cNvSpPr>
+            <a:spLocks noGrp="1" noRot="1" noChangeAspect="1"/>
+          </p:cNvSpPr>
+          <p:nvPr>
+            <p:ph type="sldImg"/>
+          </p:nvPr>
+        </p:nvSpPr>
+        <p:spPr/>
+      </p:sp>
+      <p:sp>
+        <p:nvSpPr>
+          <p:cNvPr id="3" name="Notes Placeholder 2"/>
+          <p:cNvSpPr>
+            <a:spLocks noGrp="1"/>
+          </p:cNvSpPr>
+          <p:nvPr>
+            <p:ph type="body" idx="1"/>
+          </p:nvPr>
+        </p:nvSpPr>
+        <p:spPr/>
+        <p:txBody>
+          <a:bodyPr/>
+          <a:lstStyle/>
+          <a:p>
+            <a:r>
+              <a:rPr lang="en-US" b="1" dirty="0"/>
+              <a:t>Voice Track: </a:t>
+            </a:r>
+            <a:r>
+              <a:rPr lang="en-US" dirty="0"/>
+              <a:t>There are some tools available to help you with your submissions.  We have a JSON validator on the automation working group GitHub repository, along with the JSON schema. Also, Chandan from Juniper was kind enough to open source the </a:t>
+            </a:r>
+            <a:r>
+              <a:rPr lang="en-US" dirty="0" err="1"/>
+              <a:t>Vulnogram</a:t>
+            </a:r>
+            <a:r>
+              <a:rPr lang="en-US" dirty="0"/>
+              <a:t> tool he created.  </a:t>
+            </a:r>
+            <a:r>
+              <a:rPr lang="en-US" dirty="0" err="1"/>
+              <a:t>Vulnogram</a:t>
+            </a:r>
+            <a:r>
+              <a:rPr lang="en-US" dirty="0"/>
+              <a:t> provide a form that you can fill out and it will generate the JSON for you. (an example is in later slides).</a:t>
+            </a:r>
+          </a:p>
+        </p:txBody>
+      </p:sp>
+      <p:sp>
+        <p:nvSpPr>
+          <p:cNvPr id="4" name="Slide Number Placeholder 3"/>
+          <p:cNvSpPr>
+            <a:spLocks noGrp="1"/>
+          </p:cNvSpPr>
+          <p:nvPr>
+            <p:ph type="sldNum" sz="quarter" idx="5"/>
+          </p:nvPr>
+        </p:nvSpPr>
+        <p:spPr/>
+        <p:txBody>
+          <a:bodyPr/>
+          <a:lstStyle/>
+          <a:p>
+            <a:fld id="{D58F3C89-9E49-4851-A18A-DAECD34FD650}" type="slidenum">
+              <a:rPr lang="en-US" smtClean="0"/>
+              <a:t>36</a:t>
+            </a:fld>
+            <a:endParaRPr lang="en-US"/>
+          </a:p>
+        </p:txBody>
+      </p:sp>
+    </p:spTree>
+    <p:extLst>
+      <p:ext uri="{BB962C8B-B14F-4D97-AF65-F5344CB8AC3E}">
+        <p14:creationId xmlns:p14="http://schemas.microsoft.com/office/powerpoint/2010/main" val="3689754079"/>
+      </p:ext>
+    </p:extLst>
+  </p:cSld>
+  <p:clrMapOvr>
+    <a:masterClrMapping/>
+  </p:clrMapOvr>
+</p:notes>
+</file>
+
+<file path=ppt/notesSlides/notesSlide37.xml><?xml version="1.0" encoding="utf-8"?>
+<p:notes xmlns:a="http://schemas.openxmlformats.org/drawingml/2006/main" xmlns:r="http://schemas.openxmlformats.org/officeDocument/2006/relationships" xmlns:p="http://schemas.openxmlformats.org/presentationml/2006/main">
+  <p:cSld>
+    <p:spTree>
+      <p:nvGrpSpPr>
+        <p:cNvPr id="1" name=""/>
+        <p:cNvGrpSpPr/>
+        <p:nvPr/>
+      </p:nvGrpSpPr>
+      <p:grpSpPr>
+        <a:xfrm>
+          <a:off x="0" y="0"/>
+          <a:ext cx="0" cy="0"/>
+          <a:chOff x="0" y="0"/>
+          <a:chExt cx="0" cy="0"/>
+        </a:xfrm>
+      </p:grpSpPr>
+      <p:sp>
+        <p:nvSpPr>
+          <p:cNvPr id="2" name="Slide Image Placeholder 1"/>
+          <p:cNvSpPr>
+            <a:spLocks noGrp="1" noRot="1" noChangeAspect="1"/>
+          </p:cNvSpPr>
+          <p:nvPr>
+            <p:ph type="sldImg"/>
+          </p:nvPr>
+        </p:nvSpPr>
+        <p:spPr/>
+      </p:sp>
+      <p:sp>
+        <p:nvSpPr>
+          <p:cNvPr id="3" name="Notes Placeholder 2"/>
+          <p:cNvSpPr>
+            <a:spLocks noGrp="1"/>
+          </p:cNvSpPr>
+          <p:nvPr>
+            <p:ph type="body" idx="1"/>
+          </p:nvPr>
+        </p:nvSpPr>
+        <p:spPr/>
+        <p:txBody>
+          <a:bodyPr/>
+          <a:lstStyle/>
+          <a:p>
+            <a:endParaRPr lang="en-US"/>
+          </a:p>
+        </p:txBody>
+      </p:sp>
+      <p:sp>
+        <p:nvSpPr>
+          <p:cNvPr id="4" name="Slide Number Placeholder 3"/>
+          <p:cNvSpPr>
+            <a:spLocks noGrp="1"/>
+          </p:cNvSpPr>
+          <p:nvPr>
+            <p:ph type="sldNum" sz="quarter" idx="5"/>
+          </p:nvPr>
+        </p:nvSpPr>
+        <p:spPr/>
+        <p:txBody>
+          <a:bodyPr/>
+          <a:lstStyle/>
+          <a:p>
+            <a:fld id="{D58F3C89-9E49-4851-A18A-DAECD34FD650}" type="slidenum">
+              <a:rPr lang="en-US" smtClean="0"/>
+              <a:t>37</a:t>
+            </a:fld>
+            <a:endParaRPr lang="en-US"/>
+          </a:p>
+        </p:txBody>
+      </p:sp>
+    </p:spTree>
+    <p:extLst>
+      <p:ext uri="{BB962C8B-B14F-4D97-AF65-F5344CB8AC3E}">
+        <p14:creationId xmlns:p14="http://schemas.microsoft.com/office/powerpoint/2010/main" val="3928605745"/>
+      </p:ext>
+    </p:extLst>
+  </p:cSld>
+  <p:clrMapOvr>
+    <a:masterClrMapping/>
+  </p:clrMapOvr>
+</p:notes>
+</file>
+
+<file path=ppt/notesSlides/notesSlide38.xml><?xml version="1.0" encoding="utf-8"?>
+<p:notes xmlns:a="http://schemas.openxmlformats.org/drawingml/2006/main" xmlns:r="http://schemas.openxmlformats.org/officeDocument/2006/relationships" xmlns:p="http://schemas.openxmlformats.org/presentationml/2006/main">
+  <p:cSld>
+    <p:spTree>
+      <p:nvGrpSpPr>
+        <p:cNvPr id="1" name=""/>
+        <p:cNvGrpSpPr/>
+        <p:nvPr/>
+      </p:nvGrpSpPr>
+      <p:grpSpPr>
+        <a:xfrm>
+          <a:off x="0" y="0"/>
+          <a:ext cx="0" cy="0"/>
+          <a:chOff x="0" y="0"/>
+          <a:chExt cx="0" cy="0"/>
+        </a:xfrm>
+      </p:grpSpPr>
+      <p:sp>
+        <p:nvSpPr>
+          <p:cNvPr id="2" name="Slide Image Placeholder 1"/>
+          <p:cNvSpPr>
+            <a:spLocks noGrp="1" noRot="1" noChangeAspect="1"/>
+          </p:cNvSpPr>
+          <p:nvPr>
+            <p:ph type="sldImg"/>
+          </p:nvPr>
+        </p:nvSpPr>
+        <p:spPr/>
+      </p:sp>
+      <p:sp>
+        <p:nvSpPr>
+          <p:cNvPr id="3" name="Notes Placeholder 2"/>
+          <p:cNvSpPr>
+            <a:spLocks noGrp="1"/>
+          </p:cNvSpPr>
+          <p:nvPr>
+            <p:ph type="body" idx="1"/>
+          </p:nvPr>
+        </p:nvSpPr>
+        <p:spPr/>
+        <p:txBody>
+          <a:bodyPr/>
+          <a:lstStyle/>
+          <a:p>
+            <a:endParaRPr lang="en-US" dirty="0"/>
+          </a:p>
+        </p:txBody>
+      </p:sp>
+      <p:sp>
+        <p:nvSpPr>
+          <p:cNvPr id="4" name="Slide Number Placeholder 3"/>
+          <p:cNvSpPr>
+            <a:spLocks noGrp="1"/>
+          </p:cNvSpPr>
+          <p:nvPr>
+            <p:ph type="sldNum" sz="quarter" idx="5"/>
+          </p:nvPr>
+        </p:nvSpPr>
+        <p:spPr/>
+        <p:txBody>
+          <a:bodyPr/>
+          <a:lstStyle/>
+          <a:p>
+            <a:fld id="{D58F3C89-9E49-4851-A18A-DAECD34FD650}" type="slidenum">
+              <a:rPr lang="en-US" smtClean="0"/>
+              <a:t>38</a:t>
+            </a:fld>
+            <a:endParaRPr lang="en-US"/>
+          </a:p>
+        </p:txBody>
+      </p:sp>
+    </p:spTree>
+    <p:extLst>
+      <p:ext uri="{BB962C8B-B14F-4D97-AF65-F5344CB8AC3E}">
+        <p14:creationId xmlns:p14="http://schemas.microsoft.com/office/powerpoint/2010/main" val="1739861808"/>
+      </p:ext>
+    </p:extLst>
+  </p:cSld>
+  <p:clrMapOvr>
+    <a:masterClrMapping/>
+  </p:clrMapOvr>
+</p:notes>
+</file>
+
+<file path=ppt/notesSlides/notesSlide39.xml><?xml version="1.0" encoding="utf-8"?>
+<p:notes xmlns:a="http://schemas.openxmlformats.org/drawingml/2006/main" xmlns:r="http://schemas.openxmlformats.org/officeDocument/2006/relationships" xmlns:p="http://schemas.openxmlformats.org/presentationml/2006/main">
+  <p:cSld>
+    <p:spTree>
+      <p:nvGrpSpPr>
+        <p:cNvPr id="1" name=""/>
+        <p:cNvGrpSpPr/>
+        <p:nvPr/>
+      </p:nvGrpSpPr>
+      <p:grpSpPr>
+        <a:xfrm>
+          <a:off x="0" y="0"/>
+          <a:ext cx="0" cy="0"/>
+          <a:chOff x="0" y="0"/>
+          <a:chExt cx="0" cy="0"/>
+        </a:xfrm>
+      </p:grpSpPr>
+      <p:sp>
+        <p:nvSpPr>
+          <p:cNvPr id="2" name="Slide Image Placeholder 1"/>
+          <p:cNvSpPr>
+            <a:spLocks noGrp="1" noRot="1" noChangeAspect="1"/>
+          </p:cNvSpPr>
+          <p:nvPr>
+            <p:ph type="sldImg"/>
+          </p:nvPr>
+        </p:nvSpPr>
+        <p:spPr/>
+      </p:sp>
+      <p:sp>
+        <p:nvSpPr>
+          <p:cNvPr id="3" name="Notes Placeholder 2"/>
+          <p:cNvSpPr>
+            <a:spLocks noGrp="1"/>
+          </p:cNvSpPr>
+          <p:nvPr>
+            <p:ph type="body" idx="1"/>
+          </p:nvPr>
+        </p:nvSpPr>
+        <p:spPr/>
+        <p:txBody>
+          <a:bodyPr/>
+          <a:lstStyle/>
+          <a:p>
+            <a:endParaRPr lang="en-US"/>
+          </a:p>
+        </p:txBody>
+      </p:sp>
+      <p:sp>
+        <p:nvSpPr>
+          <p:cNvPr id="4" name="Slide Number Placeholder 3"/>
+          <p:cNvSpPr>
+            <a:spLocks noGrp="1"/>
+          </p:cNvSpPr>
+          <p:nvPr>
+            <p:ph type="sldNum" sz="quarter" idx="5"/>
+          </p:nvPr>
+        </p:nvSpPr>
+        <p:spPr/>
+        <p:txBody>
+          <a:bodyPr/>
+          <a:lstStyle/>
+          <a:p>
+            <a:fld id="{D58F3C89-9E49-4851-A18A-DAECD34FD650}" type="slidenum">
+              <a:rPr lang="en-US" smtClean="0"/>
+              <a:t>39</a:t>
+            </a:fld>
+            <a:endParaRPr lang="en-US"/>
+          </a:p>
+        </p:txBody>
+      </p:sp>
+    </p:spTree>
+    <p:extLst>
+      <p:ext uri="{BB962C8B-B14F-4D97-AF65-F5344CB8AC3E}">
+        <p14:creationId xmlns:p14="http://schemas.microsoft.com/office/powerpoint/2010/main" val="3141323061"/>
+      </p:ext>
+    </p:extLst>
+  </p:cSld>
+  <p:clrMapOvr>
+    <a:masterClrMapping/>
+  </p:clrMapOvr>
+</p:notes>
+</file>
+
+<file path=ppt/notesSlides/notesSlide4.xml><?xml version="1.0" encoding="utf-8"?>
+<p:notes xmlns:a="http://schemas.openxmlformats.org/drawingml/2006/main" xmlns:r="http://schemas.openxmlformats.org/officeDocument/2006/relationships" xmlns:p="http://schemas.openxmlformats.org/presentationml/2006/main">
+  <p:cSld>
+    <p:spTree>
+      <p:nvGrpSpPr>
+        <p:cNvPr id="1" name=""/>
+        <p:cNvGrpSpPr/>
+        <p:nvPr/>
+      </p:nvGrpSpPr>
+      <p:grpSpPr>
+        <a:xfrm>
+          <a:off x="0" y="0"/>
+          <a:ext cx="0" cy="0"/>
+          <a:chOff x="0" y="0"/>
+          <a:chExt cx="0" cy="0"/>
+        </a:xfrm>
+      </p:grpSpPr>
+      <p:sp>
+        <p:nvSpPr>
+          <p:cNvPr id="2" name="Slide Image Placeholder 1"/>
+          <p:cNvSpPr>
+            <a:spLocks noGrp="1" noRot="1" noChangeAspect="1"/>
+          </p:cNvSpPr>
+          <p:nvPr>
+            <p:ph type="sldImg"/>
+          </p:nvPr>
+        </p:nvSpPr>
+        <p:spPr/>
+      </p:sp>
+      <p:sp>
+        <p:nvSpPr>
+          <p:cNvPr id="3" name="Notes Placeholder 2"/>
+          <p:cNvSpPr>
+            <a:spLocks noGrp="1"/>
+          </p:cNvSpPr>
+          <p:nvPr>
+            <p:ph type="body" idx="1"/>
+          </p:nvPr>
+        </p:nvSpPr>
+        <p:spPr/>
+        <p:txBody>
+          <a:bodyPr/>
+          <a:lstStyle/>
+          <a:p>
+            <a:r>
+              <a:rPr lang="en-US" b="1" dirty="0"/>
+              <a:t>Voice Track: </a:t>
+            </a:r>
+            <a:r>
+              <a:rPr lang="en-US" dirty="0"/>
+              <a:t>Send your submissions to MITRE.</a:t>
+            </a:r>
+          </a:p>
+        </p:txBody>
+      </p:sp>
+      <p:sp>
+        <p:nvSpPr>
+          <p:cNvPr id="4" name="Slide Number Placeholder 3"/>
+          <p:cNvSpPr>
+            <a:spLocks noGrp="1"/>
+          </p:cNvSpPr>
+          <p:nvPr>
+            <p:ph type="sldNum" sz="quarter" idx="5"/>
+          </p:nvPr>
+        </p:nvSpPr>
+        <p:spPr/>
+        <p:txBody>
+          <a:bodyPr/>
+          <a:lstStyle/>
+          <a:p>
+            <a:fld id="{D58F3C89-9E49-4851-A18A-DAECD34FD650}" type="slidenum">
+              <a:rPr lang="en-US" smtClean="0"/>
+              <a:t>4</a:t>
+            </a:fld>
+            <a:endParaRPr lang="en-US"/>
+          </a:p>
+        </p:txBody>
+      </p:sp>
+    </p:spTree>
+    <p:extLst>
+      <p:ext uri="{BB962C8B-B14F-4D97-AF65-F5344CB8AC3E}">
+        <p14:creationId xmlns:p14="http://schemas.microsoft.com/office/powerpoint/2010/main" val="199458563"/>
+      </p:ext>
+    </p:extLst>
+  </p:cSld>
+  <p:clrMapOvr>
+    <a:masterClrMapping/>
+  </p:clrMapOvr>
+</p:notes>
+</file>
+
+<file path=ppt/notesSlides/notesSlide40.xml><?xml version="1.0" encoding="utf-8"?>
+<p:notes xmlns:a="http://schemas.openxmlformats.org/drawingml/2006/main" xmlns:r="http://schemas.openxmlformats.org/officeDocument/2006/relationships" xmlns:p="http://schemas.openxmlformats.org/presentationml/2006/main">
+  <p:cSld>
+    <p:spTree>
+      <p:nvGrpSpPr>
+        <p:cNvPr id="1" name=""/>
+        <p:cNvGrpSpPr/>
+        <p:nvPr/>
+      </p:nvGrpSpPr>
+      <p:grpSpPr>
+        <a:xfrm>
+          <a:off x="0" y="0"/>
+          <a:ext cx="0" cy="0"/>
+          <a:chOff x="0" y="0"/>
+          <a:chExt cx="0" cy="0"/>
+        </a:xfrm>
+      </p:grpSpPr>
+      <p:sp>
+        <p:nvSpPr>
+          <p:cNvPr id="2" name="Slide Image Placeholder 1"/>
+          <p:cNvSpPr>
+            <a:spLocks noGrp="1" noRot="1" noChangeAspect="1"/>
+          </p:cNvSpPr>
+          <p:nvPr>
+            <p:ph type="sldImg"/>
+          </p:nvPr>
+        </p:nvSpPr>
+        <p:spPr/>
+      </p:sp>
+      <p:sp>
+        <p:nvSpPr>
+          <p:cNvPr id="3" name="Notes Placeholder 2"/>
+          <p:cNvSpPr>
+            <a:spLocks noGrp="1"/>
+          </p:cNvSpPr>
+          <p:nvPr>
+            <p:ph type="body" idx="1"/>
+          </p:nvPr>
+        </p:nvSpPr>
+        <p:spPr/>
+        <p:txBody>
+          <a:bodyPr/>
+          <a:lstStyle/>
+          <a:p>
+            <a:endParaRPr lang="en-US"/>
+          </a:p>
+        </p:txBody>
+      </p:sp>
+      <p:sp>
+        <p:nvSpPr>
+          <p:cNvPr id="4" name="Slide Number Placeholder 3"/>
+          <p:cNvSpPr>
+            <a:spLocks noGrp="1"/>
+          </p:cNvSpPr>
+          <p:nvPr>
+            <p:ph type="sldNum" sz="quarter" idx="5"/>
+          </p:nvPr>
+        </p:nvSpPr>
+        <p:spPr/>
+        <p:txBody>
+          <a:bodyPr/>
+          <a:lstStyle/>
+          <a:p>
+            <a:fld id="{D58F3C89-9E49-4851-A18A-DAECD34FD650}" type="slidenum">
+              <a:rPr lang="en-US" smtClean="0"/>
+              <a:t>40</a:t>
+            </a:fld>
+            <a:endParaRPr lang="en-US"/>
+          </a:p>
+        </p:txBody>
+      </p:sp>
+    </p:spTree>
+    <p:extLst>
+      <p:ext uri="{BB962C8B-B14F-4D97-AF65-F5344CB8AC3E}">
+        <p14:creationId xmlns:p14="http://schemas.microsoft.com/office/powerpoint/2010/main" val="1022716489"/>
+      </p:ext>
+    </p:extLst>
+  </p:cSld>
+  <p:clrMapOvr>
+    <a:masterClrMapping/>
+  </p:clrMapOvr>
+</p:notes>
+</file>
+
+<file path=ppt/notesSlides/notesSlide41.xml><?xml version="1.0" encoding="utf-8"?>
+<p:notes xmlns:a="http://schemas.openxmlformats.org/drawingml/2006/main" xmlns:r="http://schemas.openxmlformats.org/officeDocument/2006/relationships" xmlns:p="http://schemas.openxmlformats.org/presentationml/2006/main">
+  <p:cSld>
+    <p:spTree>
+      <p:nvGrpSpPr>
+        <p:cNvPr id="1" name=""/>
+        <p:cNvGrpSpPr/>
+        <p:nvPr/>
+      </p:nvGrpSpPr>
+      <p:grpSpPr>
+        <a:xfrm>
+          <a:off x="0" y="0"/>
+          <a:ext cx="0" cy="0"/>
+          <a:chOff x="0" y="0"/>
+          <a:chExt cx="0" cy="0"/>
+        </a:xfrm>
+      </p:grpSpPr>
+      <p:sp>
+        <p:nvSpPr>
+          <p:cNvPr id="2" name="Slide Image Placeholder 1"/>
+          <p:cNvSpPr>
+            <a:spLocks noGrp="1" noRot="1" noChangeAspect="1"/>
+          </p:cNvSpPr>
+          <p:nvPr>
+            <p:ph type="sldImg"/>
+          </p:nvPr>
+        </p:nvSpPr>
+        <p:spPr/>
+      </p:sp>
+      <p:sp>
+        <p:nvSpPr>
+          <p:cNvPr id="3" name="Notes Placeholder 2"/>
+          <p:cNvSpPr>
+            <a:spLocks noGrp="1"/>
+          </p:cNvSpPr>
+          <p:nvPr>
+            <p:ph type="body" idx="1"/>
+          </p:nvPr>
+        </p:nvSpPr>
+        <p:spPr/>
+        <p:txBody>
+          <a:bodyPr/>
+          <a:lstStyle/>
+          <a:p>
+            <a:endParaRPr lang="en-US"/>
+          </a:p>
+        </p:txBody>
+      </p:sp>
+      <p:sp>
+        <p:nvSpPr>
+          <p:cNvPr id="4" name="Slide Number Placeholder 3"/>
+          <p:cNvSpPr>
+            <a:spLocks noGrp="1"/>
+          </p:cNvSpPr>
+          <p:nvPr>
+            <p:ph type="sldNum" sz="quarter" idx="5"/>
+          </p:nvPr>
+        </p:nvSpPr>
+        <p:spPr/>
+        <p:txBody>
+          <a:bodyPr/>
+          <a:lstStyle/>
+          <a:p>
+            <a:fld id="{D58F3C89-9E49-4851-A18A-DAECD34FD650}" type="slidenum">
+              <a:rPr lang="en-US" smtClean="0"/>
+              <a:t>41</a:t>
+            </a:fld>
+            <a:endParaRPr lang="en-US"/>
+          </a:p>
+        </p:txBody>
+      </p:sp>
+    </p:spTree>
+    <p:extLst>
+      <p:ext uri="{BB962C8B-B14F-4D97-AF65-F5344CB8AC3E}">
+        <p14:creationId xmlns:p14="http://schemas.microsoft.com/office/powerpoint/2010/main" val="3536222571"/>
+      </p:ext>
+    </p:extLst>
+  </p:cSld>
+  <p:clrMapOvr>
+    <a:masterClrMapping/>
+  </p:clrMapOvr>
+</p:notes>
+</file>
+
+<file path=ppt/notesSlides/notesSlide42.xml><?xml version="1.0" encoding="utf-8"?>
+<p:notes xmlns:a="http://schemas.openxmlformats.org/drawingml/2006/main" xmlns:r="http://schemas.openxmlformats.org/officeDocument/2006/relationships" xmlns:p="http://schemas.openxmlformats.org/presentationml/2006/main">
+  <p:cSld>
+    <p:spTree>
+      <p:nvGrpSpPr>
+        <p:cNvPr id="1" name=""/>
+        <p:cNvGrpSpPr/>
+        <p:nvPr/>
+      </p:nvGrpSpPr>
+      <p:grpSpPr>
+        <a:xfrm>
+          <a:off x="0" y="0"/>
+          <a:ext cx="0" cy="0"/>
+          <a:chOff x="0" y="0"/>
+          <a:chExt cx="0" cy="0"/>
+        </a:xfrm>
+      </p:grpSpPr>
+      <p:sp>
+        <p:nvSpPr>
+          <p:cNvPr id="2" name="Slide Image Placeholder 1"/>
+          <p:cNvSpPr>
+            <a:spLocks noGrp="1" noRot="1" noChangeAspect="1"/>
+          </p:cNvSpPr>
+          <p:nvPr>
+            <p:ph type="sldImg"/>
+          </p:nvPr>
+        </p:nvSpPr>
+        <p:spPr/>
+      </p:sp>
+      <p:sp>
+        <p:nvSpPr>
+          <p:cNvPr id="3" name="Notes Placeholder 2"/>
+          <p:cNvSpPr>
+            <a:spLocks noGrp="1"/>
+          </p:cNvSpPr>
+          <p:nvPr>
+            <p:ph type="body" idx="1"/>
+          </p:nvPr>
+        </p:nvSpPr>
+        <p:spPr/>
+        <p:txBody>
+          <a:bodyPr/>
+          <a:lstStyle/>
+          <a:p>
+            <a:endParaRPr lang="en-US"/>
+          </a:p>
+        </p:txBody>
+      </p:sp>
+      <p:sp>
+        <p:nvSpPr>
+          <p:cNvPr id="4" name="Slide Number Placeholder 3"/>
+          <p:cNvSpPr>
+            <a:spLocks noGrp="1"/>
+          </p:cNvSpPr>
+          <p:nvPr>
+            <p:ph type="sldNum" sz="quarter" idx="5"/>
+          </p:nvPr>
+        </p:nvSpPr>
+        <p:spPr/>
+        <p:txBody>
+          <a:bodyPr/>
+          <a:lstStyle/>
+          <a:p>
+            <a:fld id="{D58F3C89-9E49-4851-A18A-DAECD34FD650}" type="slidenum">
+              <a:rPr lang="en-US" smtClean="0"/>
+              <a:t>42</a:t>
+            </a:fld>
+            <a:endParaRPr lang="en-US"/>
+          </a:p>
+        </p:txBody>
+      </p:sp>
+    </p:spTree>
+    <p:extLst>
+      <p:ext uri="{BB962C8B-B14F-4D97-AF65-F5344CB8AC3E}">
+        <p14:creationId xmlns:p14="http://schemas.microsoft.com/office/powerpoint/2010/main" val="3114772502"/>
+      </p:ext>
+    </p:extLst>
+  </p:cSld>
+  <p:clrMapOvr>
+    <a:masterClrMapping/>
+  </p:clrMapOvr>
+</p:notes>
+</file>
+
+<file path=ppt/notesSlides/notesSlide43.xml><?xml version="1.0" encoding="utf-8"?>
+<p:notes xmlns:a="http://schemas.openxmlformats.org/drawingml/2006/main" xmlns:r="http://schemas.openxmlformats.org/officeDocument/2006/relationships" xmlns:p="http://schemas.openxmlformats.org/presentationml/2006/main">
+  <p:cSld>
+    <p:spTree>
+      <p:nvGrpSpPr>
+        <p:cNvPr id="1" name=""/>
+        <p:cNvGrpSpPr/>
+        <p:nvPr/>
+      </p:nvGrpSpPr>
+      <p:grpSpPr>
+        <a:xfrm>
+          <a:off x="0" y="0"/>
+          <a:ext cx="0" cy="0"/>
+          <a:chOff x="0" y="0"/>
+          <a:chExt cx="0" cy="0"/>
+        </a:xfrm>
+      </p:grpSpPr>
+      <p:sp>
+        <p:nvSpPr>
+          <p:cNvPr id="2" name="Slide Image Placeholder 1"/>
+          <p:cNvSpPr>
+            <a:spLocks noGrp="1" noRot="1" noChangeAspect="1"/>
+          </p:cNvSpPr>
+          <p:nvPr>
+            <p:ph type="sldImg"/>
+          </p:nvPr>
+        </p:nvSpPr>
+        <p:spPr/>
+      </p:sp>
+      <p:sp>
+        <p:nvSpPr>
+          <p:cNvPr id="3" name="Notes Placeholder 2"/>
+          <p:cNvSpPr>
+            <a:spLocks noGrp="1"/>
+          </p:cNvSpPr>
+          <p:nvPr>
+            <p:ph type="body" idx="1"/>
+          </p:nvPr>
+        </p:nvSpPr>
+        <p:spPr/>
+        <p:txBody>
+          <a:bodyPr/>
+          <a:lstStyle/>
+          <a:p>
+            <a:endParaRPr lang="en-US"/>
+          </a:p>
+        </p:txBody>
+      </p:sp>
+      <p:sp>
+        <p:nvSpPr>
+          <p:cNvPr id="4" name="Slide Number Placeholder 3"/>
+          <p:cNvSpPr>
+            <a:spLocks noGrp="1"/>
+          </p:cNvSpPr>
+          <p:nvPr>
+            <p:ph type="sldNum" sz="quarter" idx="5"/>
+          </p:nvPr>
+        </p:nvSpPr>
+        <p:spPr/>
+        <p:txBody>
+          <a:bodyPr/>
+          <a:lstStyle/>
+          <a:p>
+            <a:fld id="{D58F3C89-9E49-4851-A18A-DAECD34FD650}" type="slidenum">
+              <a:rPr lang="en-US" smtClean="0"/>
+              <a:t>43</a:t>
+            </a:fld>
+            <a:endParaRPr lang="en-US"/>
+          </a:p>
+        </p:txBody>
+      </p:sp>
+    </p:spTree>
+    <p:extLst>
+      <p:ext uri="{BB962C8B-B14F-4D97-AF65-F5344CB8AC3E}">
+        <p14:creationId xmlns:p14="http://schemas.microsoft.com/office/powerpoint/2010/main" val="316034978"/>
+      </p:ext>
+    </p:extLst>
+  </p:cSld>
+  <p:clrMapOvr>
+    <a:masterClrMapping/>
+  </p:clrMapOvr>
+</p:notes>
+</file>
+
+<file path=ppt/notesSlides/notesSlide44.xml><?xml version="1.0" encoding="utf-8"?>
+<p:notes xmlns:a="http://schemas.openxmlformats.org/drawingml/2006/main" xmlns:r="http://schemas.openxmlformats.org/officeDocument/2006/relationships" xmlns:p="http://schemas.openxmlformats.org/presentationml/2006/main">
+  <p:cSld>
+    <p:spTree>
+      <p:nvGrpSpPr>
+        <p:cNvPr id="1" name=""/>
+        <p:cNvGrpSpPr/>
+        <p:nvPr/>
+      </p:nvGrpSpPr>
+      <p:grpSpPr>
+        <a:xfrm>
+          <a:off x="0" y="0"/>
+          <a:ext cx="0" cy="0"/>
+          <a:chOff x="0" y="0"/>
+          <a:chExt cx="0" cy="0"/>
+        </a:xfrm>
+      </p:grpSpPr>
+      <p:sp>
+        <p:nvSpPr>
+          <p:cNvPr id="2" name="Slide Image Placeholder 1"/>
+          <p:cNvSpPr>
+            <a:spLocks noGrp="1" noRot="1" noChangeAspect="1"/>
+          </p:cNvSpPr>
+          <p:nvPr>
+            <p:ph type="sldImg"/>
+          </p:nvPr>
+        </p:nvSpPr>
+        <p:spPr/>
+      </p:sp>
+      <p:sp>
+        <p:nvSpPr>
+          <p:cNvPr id="3" name="Notes Placeholder 2"/>
+          <p:cNvSpPr>
+            <a:spLocks noGrp="1"/>
+          </p:cNvSpPr>
+          <p:nvPr>
+            <p:ph type="body" idx="1"/>
+          </p:nvPr>
+        </p:nvSpPr>
+        <p:spPr/>
+        <p:txBody>
+          <a:bodyPr/>
+          <a:lstStyle/>
+          <a:p>
+            <a:endParaRPr lang="en-US"/>
+          </a:p>
+        </p:txBody>
+      </p:sp>
+      <p:sp>
+        <p:nvSpPr>
+          <p:cNvPr id="4" name="Slide Number Placeholder 3"/>
+          <p:cNvSpPr>
+            <a:spLocks noGrp="1"/>
+          </p:cNvSpPr>
+          <p:nvPr>
+            <p:ph type="sldNum" sz="quarter" idx="5"/>
+          </p:nvPr>
+        </p:nvSpPr>
+        <p:spPr/>
+        <p:txBody>
+          <a:bodyPr/>
+          <a:lstStyle/>
+          <a:p>
+            <a:fld id="{D58F3C89-9E49-4851-A18A-DAECD34FD650}" type="slidenum">
+              <a:rPr lang="en-US" smtClean="0"/>
+              <a:t>44</a:t>
+            </a:fld>
+            <a:endParaRPr lang="en-US"/>
+          </a:p>
+        </p:txBody>
+      </p:sp>
+    </p:spTree>
+    <p:extLst>
+      <p:ext uri="{BB962C8B-B14F-4D97-AF65-F5344CB8AC3E}">
+        <p14:creationId xmlns:p14="http://schemas.microsoft.com/office/powerpoint/2010/main" val="482872300"/>
+      </p:ext>
+    </p:extLst>
+  </p:cSld>
+  <p:clrMapOvr>
+    <a:masterClrMapping/>
+  </p:clrMapOvr>
+</p:notes>
+</file>
+
+<file path=ppt/notesSlides/notesSlide45.xml><?xml version="1.0" encoding="utf-8"?>
+<p:notes xmlns:a="http://schemas.openxmlformats.org/drawingml/2006/main" xmlns:r="http://schemas.openxmlformats.org/officeDocument/2006/relationships" xmlns:p="http://schemas.openxmlformats.org/presentationml/2006/main">
+  <p:cSld>
+    <p:spTree>
+      <p:nvGrpSpPr>
+        <p:cNvPr id="1" name=""/>
+        <p:cNvGrpSpPr/>
+        <p:nvPr/>
+      </p:nvGrpSpPr>
+      <p:grpSpPr>
+        <a:xfrm>
+          <a:off x="0" y="0"/>
+          <a:ext cx="0" cy="0"/>
+          <a:chOff x="0" y="0"/>
+          <a:chExt cx="0" cy="0"/>
+        </a:xfrm>
+      </p:grpSpPr>
+      <p:sp>
+        <p:nvSpPr>
+          <p:cNvPr id="2" name="Slide Image Placeholder 1"/>
+          <p:cNvSpPr>
+            <a:spLocks noGrp="1" noRot="1" noChangeAspect="1"/>
+          </p:cNvSpPr>
+          <p:nvPr>
+            <p:ph type="sldImg"/>
+          </p:nvPr>
+        </p:nvSpPr>
+        <p:spPr/>
+      </p:sp>
+      <p:sp>
+        <p:nvSpPr>
+          <p:cNvPr id="3" name="Notes Placeholder 2"/>
+          <p:cNvSpPr>
+            <a:spLocks noGrp="1"/>
+          </p:cNvSpPr>
+          <p:nvPr>
+            <p:ph type="body" idx="1"/>
+          </p:nvPr>
+        </p:nvSpPr>
+        <p:spPr/>
+        <p:txBody>
+          <a:bodyPr/>
+          <a:lstStyle/>
+          <a:p>
+            <a:endParaRPr lang="en-US"/>
+          </a:p>
+        </p:txBody>
+      </p:sp>
+      <p:sp>
+        <p:nvSpPr>
+          <p:cNvPr id="4" name="Slide Number Placeholder 3"/>
+          <p:cNvSpPr>
+            <a:spLocks noGrp="1"/>
+          </p:cNvSpPr>
+          <p:nvPr>
+            <p:ph type="sldNum" sz="quarter" idx="5"/>
+          </p:nvPr>
+        </p:nvSpPr>
+        <p:spPr/>
+        <p:txBody>
+          <a:bodyPr/>
+          <a:lstStyle/>
+          <a:p>
+            <a:fld id="{D58F3C89-9E49-4851-A18A-DAECD34FD650}" type="slidenum">
+              <a:rPr lang="en-US" smtClean="0"/>
+              <a:t>45</a:t>
+            </a:fld>
+            <a:endParaRPr lang="en-US"/>
+          </a:p>
+        </p:txBody>
+      </p:sp>
+    </p:spTree>
+    <p:extLst>
+      <p:ext uri="{BB962C8B-B14F-4D97-AF65-F5344CB8AC3E}">
+        <p14:creationId xmlns:p14="http://schemas.microsoft.com/office/powerpoint/2010/main" val="2617684821"/>
+      </p:ext>
+    </p:extLst>
+  </p:cSld>
+  <p:clrMapOvr>
+    <a:masterClrMapping/>
+  </p:clrMapOvr>
+</p:notes>
+</file>
+
+<file path=ppt/notesSlides/notesSlide46.xml><?xml version="1.0" encoding="utf-8"?>
+<p:notes xmlns:a="http://schemas.openxmlformats.org/drawingml/2006/main" xmlns:r="http://schemas.openxmlformats.org/officeDocument/2006/relationships" xmlns:p="http://schemas.openxmlformats.org/presentationml/2006/main">
+  <p:cSld>
+    <p:spTree>
+      <p:nvGrpSpPr>
+        <p:cNvPr id="1" name=""/>
+        <p:cNvGrpSpPr/>
+        <p:nvPr/>
+      </p:nvGrpSpPr>
+      <p:grpSpPr>
+        <a:xfrm>
+          <a:off x="0" y="0"/>
+          <a:ext cx="0" cy="0"/>
+          <a:chOff x="0" y="0"/>
+          <a:chExt cx="0" cy="0"/>
+        </a:xfrm>
+      </p:grpSpPr>
+      <p:sp>
+        <p:nvSpPr>
+          <p:cNvPr id="2" name="Slide Image Placeholder 1"/>
+          <p:cNvSpPr>
+            <a:spLocks noGrp="1" noRot="1" noChangeAspect="1"/>
+          </p:cNvSpPr>
+          <p:nvPr>
+            <p:ph type="sldImg"/>
+          </p:nvPr>
+        </p:nvSpPr>
+        <p:spPr/>
+      </p:sp>
+      <p:sp>
+        <p:nvSpPr>
+          <p:cNvPr id="3" name="Notes Placeholder 2"/>
+          <p:cNvSpPr>
+            <a:spLocks noGrp="1"/>
+          </p:cNvSpPr>
+          <p:nvPr>
+            <p:ph type="body" idx="1"/>
+          </p:nvPr>
+        </p:nvSpPr>
+        <p:spPr/>
+        <p:txBody>
+          <a:bodyPr/>
+          <a:lstStyle/>
+          <a:p>
+            <a:endParaRPr lang="en-US"/>
+          </a:p>
+        </p:txBody>
+      </p:sp>
+      <p:sp>
+        <p:nvSpPr>
+          <p:cNvPr id="4" name="Slide Number Placeholder 3"/>
+          <p:cNvSpPr>
+            <a:spLocks noGrp="1"/>
+          </p:cNvSpPr>
+          <p:nvPr>
+            <p:ph type="sldNum" sz="quarter" idx="5"/>
+          </p:nvPr>
+        </p:nvSpPr>
+        <p:spPr/>
+        <p:txBody>
+          <a:bodyPr/>
+          <a:lstStyle/>
+          <a:p>
+            <a:fld id="{D58F3C89-9E49-4851-A18A-DAECD34FD650}" type="slidenum">
+              <a:rPr lang="en-US" smtClean="0"/>
+              <a:t>46</a:t>
+            </a:fld>
+            <a:endParaRPr lang="en-US"/>
+          </a:p>
+        </p:txBody>
+      </p:sp>
+    </p:spTree>
+    <p:extLst>
+      <p:ext uri="{BB962C8B-B14F-4D97-AF65-F5344CB8AC3E}">
+        <p14:creationId xmlns:p14="http://schemas.microsoft.com/office/powerpoint/2010/main" val="1930403714"/>
+      </p:ext>
+    </p:extLst>
+  </p:cSld>
+  <p:clrMapOvr>
+    <a:masterClrMapping/>
+  </p:clrMapOvr>
+</p:notes>
+</file>
+
+<file path=ppt/notesSlides/notesSlide47.xml><?xml version="1.0" encoding="utf-8"?>
+<p:notes xmlns:a="http://schemas.openxmlformats.org/drawingml/2006/main" xmlns:r="http://schemas.openxmlformats.org/officeDocument/2006/relationships" xmlns:p="http://schemas.openxmlformats.org/presentationml/2006/main">
+  <p:cSld>
+    <p:spTree>
+      <p:nvGrpSpPr>
+        <p:cNvPr id="1" name=""/>
+        <p:cNvGrpSpPr/>
+        <p:nvPr/>
+      </p:nvGrpSpPr>
+      <p:grpSpPr>
+        <a:xfrm>
+          <a:off x="0" y="0"/>
+          <a:ext cx="0" cy="0"/>
+          <a:chOff x="0" y="0"/>
+          <a:chExt cx="0" cy="0"/>
+        </a:xfrm>
+      </p:grpSpPr>
+      <p:sp>
+        <p:nvSpPr>
+          <p:cNvPr id="2" name="Slide Image Placeholder 1"/>
+          <p:cNvSpPr>
+            <a:spLocks noGrp="1" noRot="1" noChangeAspect="1"/>
+          </p:cNvSpPr>
+          <p:nvPr>
+            <p:ph type="sldImg"/>
+          </p:nvPr>
+        </p:nvSpPr>
+        <p:spPr/>
+      </p:sp>
+      <p:sp>
+        <p:nvSpPr>
+          <p:cNvPr id="3" name="Notes Placeholder 2"/>
+          <p:cNvSpPr>
+            <a:spLocks noGrp="1"/>
+          </p:cNvSpPr>
+          <p:nvPr>
+            <p:ph type="body" idx="1"/>
+          </p:nvPr>
+        </p:nvSpPr>
+        <p:spPr/>
+        <p:txBody>
+          <a:bodyPr/>
+          <a:lstStyle/>
+          <a:p>
+            <a:endParaRPr lang="en-US"/>
+          </a:p>
+        </p:txBody>
+      </p:sp>
+      <p:sp>
+        <p:nvSpPr>
+          <p:cNvPr id="4" name="Slide Number Placeholder 3"/>
+          <p:cNvSpPr>
+            <a:spLocks noGrp="1"/>
+          </p:cNvSpPr>
+          <p:nvPr>
+            <p:ph type="sldNum" sz="quarter" idx="5"/>
+          </p:nvPr>
+        </p:nvSpPr>
+        <p:spPr/>
+        <p:txBody>
+          <a:bodyPr/>
+          <a:lstStyle/>
+          <a:p>
+            <a:fld id="{D58F3C89-9E49-4851-A18A-DAECD34FD650}" type="slidenum">
+              <a:rPr lang="en-US" smtClean="0"/>
+              <a:t>47</a:t>
+            </a:fld>
+            <a:endParaRPr lang="en-US"/>
+          </a:p>
+        </p:txBody>
+      </p:sp>
+    </p:spTree>
+    <p:extLst>
+      <p:ext uri="{BB962C8B-B14F-4D97-AF65-F5344CB8AC3E}">
+        <p14:creationId xmlns:p14="http://schemas.microsoft.com/office/powerpoint/2010/main" val="2727508518"/>
+      </p:ext>
+    </p:extLst>
+  </p:cSld>
+  <p:clrMapOvr>
+    <a:masterClrMapping/>
+  </p:clrMapOvr>
+</p:notes>
+</file>
+
+<file path=ppt/notesSlides/notesSlide5.xml><?xml version="1.0" encoding="utf-8"?>
+<p:notes xmlns:a="http://schemas.openxmlformats.org/drawingml/2006/main" xmlns:r="http://schemas.openxmlformats.org/officeDocument/2006/relationships" xmlns:p="http://schemas.openxmlformats.org/presentationml/2006/main">
+  <p:cSld>
+    <p:spTree>
+      <p:nvGrpSpPr>
+        <p:cNvPr id="1" name=""/>
+        <p:cNvGrpSpPr/>
+        <p:nvPr/>
+      </p:nvGrpSpPr>
+      <p:grpSpPr>
+        <a:xfrm>
+          <a:off x="0" y="0"/>
+          <a:ext cx="0" cy="0"/>
+          <a:chOff x="0" y="0"/>
+          <a:chExt cx="0" cy="0"/>
+        </a:xfrm>
+      </p:grpSpPr>
+      <p:sp>
+        <p:nvSpPr>
+          <p:cNvPr id="2" name="Slide Image Placeholder 1"/>
+          <p:cNvSpPr>
+            <a:spLocks noGrp="1" noRot="1" noChangeAspect="1"/>
+          </p:cNvSpPr>
+          <p:nvPr>
+            <p:ph type="sldImg"/>
+          </p:nvPr>
+        </p:nvSpPr>
+        <p:spPr/>
+      </p:sp>
+      <p:sp>
+        <p:nvSpPr>
+          <p:cNvPr id="3" name="Notes Placeholder 2"/>
+          <p:cNvSpPr>
+            <a:spLocks noGrp="1"/>
+          </p:cNvSpPr>
+          <p:nvPr>
+            <p:ph type="body" idx="1"/>
+          </p:nvPr>
+        </p:nvSpPr>
+        <p:spPr/>
+        <p:txBody>
+          <a:bodyPr/>
+          <a:lstStyle/>
+          <a:p>
+            <a:r>
+              <a:rPr lang="en-US" b="1" dirty="0"/>
+              <a:t>Voice Track: </a:t>
+            </a:r>
+            <a:r>
+              <a:rPr lang="en-US" dirty="0"/>
+              <a:t>The required information is a CVE ID, products, versions, problem type, references, a descriptions, and the assigning CNA.</a:t>
+            </a:r>
+          </a:p>
+        </p:txBody>
+      </p:sp>
+      <p:sp>
+        <p:nvSpPr>
+          <p:cNvPr id="4" name="Slide Number Placeholder 3"/>
+          <p:cNvSpPr>
+            <a:spLocks noGrp="1"/>
+          </p:cNvSpPr>
+          <p:nvPr>
+            <p:ph type="sldNum" sz="quarter" idx="5"/>
+          </p:nvPr>
+        </p:nvSpPr>
+        <p:spPr/>
+        <p:txBody>
+          <a:bodyPr/>
+          <a:lstStyle/>
+          <a:p>
+            <a:fld id="{D58F3C89-9E49-4851-A18A-DAECD34FD650}" type="slidenum">
+              <a:rPr lang="en-US" smtClean="0"/>
+              <a:t>5</a:t>
+            </a:fld>
+            <a:endParaRPr lang="en-US"/>
+          </a:p>
+        </p:txBody>
+      </p:sp>
+    </p:spTree>
+    <p:extLst>
+      <p:ext uri="{BB962C8B-B14F-4D97-AF65-F5344CB8AC3E}">
+        <p14:creationId xmlns:p14="http://schemas.microsoft.com/office/powerpoint/2010/main" val="996465444"/>
+      </p:ext>
+    </p:extLst>
+  </p:cSld>
+  <p:clrMapOvr>
+    <a:masterClrMapping/>
+  </p:clrMapOvr>
+</p:notes>
+</file>
+
+<file path=ppt/notesSlides/notesSlide6.xml><?xml version="1.0" encoding="utf-8"?>
+<p:notes xmlns:a="http://schemas.openxmlformats.org/drawingml/2006/main" xmlns:r="http://schemas.openxmlformats.org/officeDocument/2006/relationships" xmlns:p="http://schemas.openxmlformats.org/presentationml/2006/main">
+  <p:cSld>
+    <p:spTree>
+      <p:nvGrpSpPr>
+        <p:cNvPr id="1" name=""/>
+        <p:cNvGrpSpPr/>
+        <p:nvPr/>
+      </p:nvGrpSpPr>
+      <p:grpSpPr>
+        <a:xfrm>
+          <a:off x="0" y="0"/>
+          <a:ext cx="0" cy="0"/>
+          <a:chOff x="0" y="0"/>
+          <a:chExt cx="0" cy="0"/>
+        </a:xfrm>
+      </p:grpSpPr>
+      <p:sp>
+        <p:nvSpPr>
+          <p:cNvPr id="2" name="Slide Image Placeholder 1"/>
+          <p:cNvSpPr>
+            <a:spLocks noGrp="1" noRot="1" noChangeAspect="1"/>
+          </p:cNvSpPr>
+          <p:nvPr>
+            <p:ph type="sldImg"/>
+          </p:nvPr>
+        </p:nvSpPr>
+        <p:spPr/>
+      </p:sp>
+      <p:sp>
+        <p:nvSpPr>
+          <p:cNvPr id="3" name="Notes Placeholder 2"/>
+          <p:cNvSpPr>
+            <a:spLocks noGrp="1"/>
+          </p:cNvSpPr>
+          <p:nvPr>
+            <p:ph type="body" idx="1"/>
+          </p:nvPr>
+        </p:nvSpPr>
+        <p:spPr/>
+        <p:txBody>
+          <a:bodyPr/>
+          <a:lstStyle/>
+          <a:p>
+            <a:r>
+              <a:rPr lang="en-US" b="1" dirty="0"/>
+              <a:t>Voice Track: </a:t>
+            </a:r>
+            <a:r>
+              <a:rPr lang="en-US" dirty="0"/>
+              <a:t>Each CVE ID submission needs to be in one of the approved formats</a:t>
+            </a:r>
+          </a:p>
+        </p:txBody>
+      </p:sp>
+      <p:sp>
+        <p:nvSpPr>
+          <p:cNvPr id="4" name="Slide Number Placeholder 3"/>
+          <p:cNvSpPr>
+            <a:spLocks noGrp="1"/>
+          </p:cNvSpPr>
+          <p:nvPr>
+            <p:ph type="sldNum" sz="quarter" idx="5"/>
+          </p:nvPr>
+        </p:nvSpPr>
+        <p:spPr/>
+        <p:txBody>
+          <a:bodyPr/>
+          <a:lstStyle/>
+          <a:p>
+            <a:fld id="{D58F3C89-9E49-4851-A18A-DAECD34FD650}" type="slidenum">
+              <a:rPr lang="en-US" smtClean="0"/>
+              <a:t>6</a:t>
+            </a:fld>
+            <a:endParaRPr lang="en-US"/>
+          </a:p>
+        </p:txBody>
+      </p:sp>
+    </p:spTree>
+    <p:extLst>
+      <p:ext uri="{BB962C8B-B14F-4D97-AF65-F5344CB8AC3E}">
+        <p14:creationId xmlns:p14="http://schemas.microsoft.com/office/powerpoint/2010/main" val="4275044116"/>
+      </p:ext>
+    </p:extLst>
+  </p:cSld>
+  <p:clrMapOvr>
+    <a:masterClrMapping/>
+  </p:clrMapOvr>
+</p:notes>
+</file>
+
+<file path=ppt/notesSlides/notesSlide7.xml><?xml version="1.0" encoding="utf-8"?>
+<p:notes xmlns:a="http://schemas.openxmlformats.org/drawingml/2006/main" xmlns:r="http://schemas.openxmlformats.org/officeDocument/2006/relationships" xmlns:p="http://schemas.openxmlformats.org/presentationml/2006/main">
+  <p:cSld>
+    <p:spTree>
+      <p:nvGrpSpPr>
+        <p:cNvPr id="1" name=""/>
+        <p:cNvGrpSpPr/>
+        <p:nvPr/>
+      </p:nvGrpSpPr>
+      <p:grpSpPr>
+        <a:xfrm>
+          <a:off x="0" y="0"/>
+          <a:ext cx="0" cy="0"/>
+          <a:chOff x="0" y="0"/>
+          <a:chExt cx="0" cy="0"/>
+        </a:xfrm>
+      </p:grpSpPr>
+      <p:sp>
+        <p:nvSpPr>
+          <p:cNvPr id="2" name="Slide Image Placeholder 1"/>
+          <p:cNvSpPr>
+            <a:spLocks noGrp="1" noRot="1" noChangeAspect="1"/>
+          </p:cNvSpPr>
+          <p:nvPr>
+            <p:ph type="sldImg"/>
+          </p:nvPr>
+        </p:nvSpPr>
+        <p:spPr/>
+      </p:sp>
+      <p:sp>
+        <p:nvSpPr>
+          <p:cNvPr id="3" name="Notes Placeholder 2"/>
+          <p:cNvSpPr>
+            <a:spLocks noGrp="1"/>
+          </p:cNvSpPr>
+          <p:nvPr>
+            <p:ph type="body" idx="1"/>
+          </p:nvPr>
+        </p:nvSpPr>
+        <p:spPr/>
+        <p:txBody>
+          <a:bodyPr/>
+          <a:lstStyle/>
+          <a:p>
+            <a:r>
+              <a:rPr lang="en-US" b="1" dirty="0"/>
+              <a:t>Voice Track: </a:t>
+            </a:r>
+            <a:r>
+              <a:rPr lang="en-US" b="0" dirty="0"/>
+              <a:t>The approved formats are the flat file format</a:t>
+            </a:r>
+            <a:r>
+              <a:rPr lang="en-US" dirty="0"/>
+              <a:t>, comma-separated values, and JSON.  The JSON format is the preferred format because it has a lot more flexibility than the other formats.</a:t>
+            </a:r>
+          </a:p>
+        </p:txBody>
+      </p:sp>
+      <p:sp>
+        <p:nvSpPr>
+          <p:cNvPr id="4" name="Slide Number Placeholder 3"/>
+          <p:cNvSpPr>
+            <a:spLocks noGrp="1"/>
+          </p:cNvSpPr>
+          <p:nvPr>
+            <p:ph type="sldNum" sz="quarter" idx="5"/>
+          </p:nvPr>
+        </p:nvSpPr>
+        <p:spPr/>
+        <p:txBody>
+          <a:bodyPr/>
+          <a:lstStyle/>
+          <a:p>
+            <a:fld id="{D58F3C89-9E49-4851-A18A-DAECD34FD650}" type="slidenum">
+              <a:rPr lang="en-US" smtClean="0"/>
+              <a:t>7</a:t>
+            </a:fld>
+            <a:endParaRPr lang="en-US"/>
+          </a:p>
+        </p:txBody>
+      </p:sp>
+    </p:spTree>
+    <p:extLst>
+      <p:ext uri="{BB962C8B-B14F-4D97-AF65-F5344CB8AC3E}">
+        <p14:creationId xmlns:p14="http://schemas.microsoft.com/office/powerpoint/2010/main" val="2362093"/>
+      </p:ext>
+    </p:extLst>
+  </p:cSld>
+  <p:clrMapOvr>
+    <a:masterClrMapping/>
+  </p:clrMapOvr>
+</p:notes>
+</file>
+
+<file path=ppt/notesSlides/notesSlide8.xml><?xml version="1.0" encoding="utf-8"?>
+<p:notes xmlns:a="http://schemas.openxmlformats.org/drawingml/2006/main" xmlns:r="http://schemas.openxmlformats.org/officeDocument/2006/relationships" xmlns:p="http://schemas.openxmlformats.org/presentationml/2006/main">
+  <p:cSld>
+    <p:spTree>
+      <p:nvGrpSpPr>
+        <p:cNvPr id="1" name=""/>
+        <p:cNvGrpSpPr/>
+        <p:nvPr/>
+      </p:nvGrpSpPr>
+      <p:grpSpPr>
+        <a:xfrm>
+          <a:off x="0" y="0"/>
+          <a:ext cx="0" cy="0"/>
+          <a:chOff x="0" y="0"/>
+          <a:chExt cx="0" cy="0"/>
+        </a:xfrm>
+      </p:grpSpPr>
+      <p:sp>
+        <p:nvSpPr>
+          <p:cNvPr id="2" name="Slide Image Placeholder 1"/>
+          <p:cNvSpPr>
+            <a:spLocks noGrp="1" noRot="1" noChangeAspect="1"/>
+          </p:cNvSpPr>
+          <p:nvPr>
+            <p:ph type="sldImg"/>
+          </p:nvPr>
+        </p:nvSpPr>
+        <p:spPr/>
+      </p:sp>
+      <p:sp>
+        <p:nvSpPr>
+          <p:cNvPr id="3" name="Notes Placeholder 2"/>
+          <p:cNvSpPr>
+            <a:spLocks noGrp="1"/>
+          </p:cNvSpPr>
+          <p:nvPr>
+            <p:ph type="body" idx="1"/>
+          </p:nvPr>
+        </p:nvSpPr>
+        <p:spPr/>
+        <p:txBody>
+          <a:bodyPr/>
+          <a:lstStyle/>
+          <a:p>
+            <a:r>
+              <a:rPr lang="en-US" b="1" dirty="0"/>
+              <a:t>Voice Track: </a:t>
+            </a:r>
+            <a:r>
+              <a:rPr lang="en-US" dirty="0"/>
+              <a:t>The flat file format looks like this.  Each field name is enclosed in brackets and the field name is separated from the value by a colon.  You can only have one CVE ID per set of fields.  The field order needs to be maintained.  And fields cannot span multiple lines.</a:t>
+            </a:r>
+          </a:p>
+        </p:txBody>
+      </p:sp>
+      <p:sp>
+        <p:nvSpPr>
+          <p:cNvPr id="4" name="Slide Number Placeholder 3"/>
+          <p:cNvSpPr>
+            <a:spLocks noGrp="1"/>
+          </p:cNvSpPr>
+          <p:nvPr>
+            <p:ph type="sldNum" sz="quarter" idx="5"/>
+          </p:nvPr>
+        </p:nvSpPr>
+        <p:spPr/>
+        <p:txBody>
+          <a:bodyPr/>
+          <a:lstStyle/>
+          <a:p>
+            <a:fld id="{D58F3C89-9E49-4851-A18A-DAECD34FD650}" type="slidenum">
+              <a:rPr lang="en-US" smtClean="0"/>
+              <a:t>8</a:t>
+            </a:fld>
+            <a:endParaRPr lang="en-US"/>
+          </a:p>
+        </p:txBody>
+      </p:sp>
+    </p:spTree>
+    <p:extLst>
+      <p:ext uri="{BB962C8B-B14F-4D97-AF65-F5344CB8AC3E}">
+        <p14:creationId xmlns:p14="http://schemas.microsoft.com/office/powerpoint/2010/main" val="1795352344"/>
+      </p:ext>
+    </p:extLst>
+  </p:cSld>
+  <p:clrMapOvr>
+    <a:masterClrMapping/>
+  </p:clrMapOvr>
+</p:notes>
+</file>
+
+<file path=ppt/notesSlides/notesSlide9.xml><?xml version="1.0" encoding="utf-8"?>
+<p:notes xmlns:a="http://schemas.openxmlformats.org/drawingml/2006/main" xmlns:r="http://schemas.openxmlformats.org/officeDocument/2006/relationships" xmlns:p="http://schemas.openxmlformats.org/presentationml/2006/main">
+  <p:cSld>
+    <p:spTree>
+      <p:nvGrpSpPr>
+        <p:cNvPr id="1" name=""/>
+        <p:cNvGrpSpPr/>
+        <p:nvPr/>
+      </p:nvGrpSpPr>
+      <p:grpSpPr>
+        <a:xfrm>
+          <a:off x="0" y="0"/>
+          <a:ext cx="0" cy="0"/>
+          <a:chOff x="0" y="0"/>
+          <a:chExt cx="0" cy="0"/>
+        </a:xfrm>
+      </p:grpSpPr>
+      <p:sp>
+        <p:nvSpPr>
+          <p:cNvPr id="2" name="Slide Image Placeholder 1"/>
+          <p:cNvSpPr>
+            <a:spLocks noGrp="1" noRot="1" noChangeAspect="1"/>
+          </p:cNvSpPr>
+          <p:nvPr>
+            <p:ph type="sldImg"/>
+          </p:nvPr>
+        </p:nvSpPr>
+        <p:spPr/>
+      </p:sp>
+      <p:sp>
+        <p:nvSpPr>
+          <p:cNvPr id="3" name="Notes Placeholder 2"/>
+          <p:cNvSpPr>
+            <a:spLocks noGrp="1"/>
+          </p:cNvSpPr>
+          <p:nvPr>
+            <p:ph type="body" idx="1"/>
+          </p:nvPr>
+        </p:nvSpPr>
+        <p:spPr/>
+        <p:txBody>
+          <a:bodyPr/>
+          <a:lstStyle/>
+          <a:p>
+            <a:r>
+              <a:rPr lang="en-US" b="1" dirty="0"/>
+              <a:t>Voice Track: </a:t>
+            </a:r>
+            <a:r>
+              <a:rPr lang="en-US" dirty="0"/>
+              <a:t>To submit multiple vulnerabilities at the same time, you can put them in the same file and separate them with a blank line.  If there are multiple affected products and versions of those products, then separate them with a semicolon.  In the example here, versions 12.2 and 15.0 through 15.6 of IOS are affected and versions 3.2 through 3.18 of IOS XE are affected.  If you want to provide multiple references, separate them via a space.</a:t>
+            </a:r>
+          </a:p>
+        </p:txBody>
+      </p:sp>
+      <p:sp>
+        <p:nvSpPr>
+          <p:cNvPr id="4" name="Slide Number Placeholder 3"/>
+          <p:cNvSpPr>
+            <a:spLocks noGrp="1"/>
+          </p:cNvSpPr>
+          <p:nvPr>
+            <p:ph type="sldNum" sz="quarter" idx="5"/>
+          </p:nvPr>
+        </p:nvSpPr>
+        <p:spPr/>
+        <p:txBody>
+          <a:bodyPr/>
+          <a:lstStyle/>
+          <a:p>
+            <a:fld id="{D58F3C89-9E49-4851-A18A-DAECD34FD650}" type="slidenum">
+              <a:rPr lang="en-US" smtClean="0"/>
+              <a:t>9</a:t>
+            </a:fld>
+            <a:endParaRPr lang="en-US"/>
+          </a:p>
+        </p:txBody>
+      </p:sp>
+    </p:spTree>
+    <p:extLst>
+      <p:ext uri="{BB962C8B-B14F-4D97-AF65-F5344CB8AC3E}">
+        <p14:creationId xmlns:p14="http://schemas.microsoft.com/office/powerpoint/2010/main" val="3508337088"/>
+      </p:ext>
+    </p:extLst>
+  </p:cSld>
+  <p:clrMapOvr>
+    <a:masterClrMapping/>
+  </p:clrMapOvr>
+</p:notes>
 </file>
 
 <file path=ppt/slideLayouts/slideLayout1.xml><?xml version="1.0" encoding="utf-8"?>
@@ -5558,7 +9881,11 @@
             </a:pPr>
             <a:r>
               <a:rPr lang="en-US" dirty="0"/>
-              <a:t>[CVEID]:CVE-2017-1194</a:t>
+              <a:t>[CVEID]:</a:t>
+            </a:r>
+            <a:r>
+              <a:rPr lang="en-US" b="0" dirty="0"/>
+              <a:t>CVE-2017-1194</a:t>
             </a:r>
           </a:p>
           <a:p>
@@ -5567,7 +9894,11 @@
             </a:pPr>
             <a:r>
               <a:rPr lang="en-US" dirty="0"/>
-              <a:t>[PRODUCT]:IBM WebSphere Application Server</a:t>
+              <a:t>[PRODUCT]:</a:t>
+            </a:r>
+            <a:r>
+              <a:rPr lang="en-US" b="0" dirty="0"/>
+              <a:t>IBM WebSphere Application Server</a:t>
             </a:r>
           </a:p>
           <a:p>
@@ -5576,7 +9907,11 @@
             </a:pPr>
             <a:r>
               <a:rPr lang="en-US" dirty="0"/>
-              <a:t>[VERSION]:7.0, 8.0, 8.5, 9.0</a:t>
+              <a:t>[VERSION]:</a:t>
+            </a:r>
+            <a:r>
+              <a:rPr lang="en-US" b="0" dirty="0"/>
+              <a:t>7.0, 8.0, 8.5, 9.0</a:t>
             </a:r>
           </a:p>
           <a:p>
@@ -5585,7 +9920,11 @@
             </a:pPr>
             <a:r>
               <a:rPr lang="en-US" dirty="0"/>
-              <a:t>[PROBLEMTYPE]:Cross-site request forgery</a:t>
+              <a:t>[PROBLEMTYPE]:</a:t>
+            </a:r>
+            <a:r>
+              <a:rPr lang="en-US" b="0" dirty="0"/>
+              <a:t>Cross-site request forgery</a:t>
             </a:r>
           </a:p>
           <a:p>
@@ -5594,7 +9933,11 @@
             </a:pPr>
             <a:r>
               <a:rPr lang="en-US" dirty="0"/>
-              <a:t>[REFERENCES]:http://www.ibm.com/support/docview.wss?uid=swg22001226</a:t>
+              <a:t>[REFERENCES]:</a:t>
+            </a:r>
+            <a:r>
+              <a:rPr lang="en-US" b="0" dirty="0"/>
+              <a:t>http://www.ibm.com/support/docview.wss?uid=swg22001226</a:t>
             </a:r>
           </a:p>
           <a:p>
@@ -5603,7 +9946,11 @@
             </a:pPr>
             <a:r>
               <a:rPr lang="en-US" dirty="0"/>
-              <a:t>[DESCRIPTION]:IBM WebSphere Application Server 7.0, 8.0, 8.5, and 9.0 is vulnerable to cross-site request forgery which could allow an attacker to execute malicious and unauthorized actions transmitted from a user that the website trusts.  IBM X-Force ID:  123669.</a:t>
+              <a:t>[DESCRIPTION]:</a:t>
+            </a:r>
+            <a:r>
+              <a:rPr lang="en-US" b="0" dirty="0"/>
+              <a:t>IBM WebSphere Application Server 7.0, 8.0, 8.5, and 9.0 is vulnerable to cross-site request forgery which could allow an attacker to execute malicious and unauthorized actions transmitted from a user that the website trusts.  IBM X-Force ID:  123669.</a:t>
             </a:r>
           </a:p>
           <a:p>
@@ -5612,7 +9959,11 @@
             </a:pPr>
             <a:r>
               <a:rPr lang="en-US" dirty="0"/>
-              <a:t>[ASSIGNINGCNA]:IBM</a:t>
+              <a:t>[ASSIGNINGCNA]:</a:t>
+            </a:r>
+            <a:r>
+              <a:rPr lang="en-US" b="0" dirty="0"/>
+              <a:t>IBM</a:t>
             </a:r>
           </a:p>
         </p:txBody>
@@ -5682,93 +10033,124 @@
         <p:spPr/>
         <p:txBody>
           <a:bodyPr>
-            <a:normAutofit fontScale="85000" lnSpcReduction="20000"/>
+            <a:normAutofit fontScale="92500" lnSpcReduction="20000"/>
           </a:bodyPr>
           <a:lstStyle/>
           <a:p>
-            <a:r>
-              <a:rPr lang="en-US" dirty="0"/>
-              <a:t>Fields :</a:t>
-            </a:r>
-          </a:p>
-          <a:p>
-            <a:pPr lvl="1"/>
+            <a:pPr>
+              <a:buFont typeface="Wingdings" panose="05000000000000000000" pitchFamily="2" charset="2"/>
+              <a:buChar char="§"/>
+            </a:pPr>
+            <a:r>
+              <a:rPr lang="en-US" dirty="0"/>
+              <a:t>Fields:</a:t>
+            </a:r>
+          </a:p>
+          <a:p>
+            <a:pPr lvl="1">
+              <a:buFont typeface="Arial" panose="020B0604020202020204" pitchFamily="34" charset="0"/>
+              <a:buChar char="–"/>
+            </a:pPr>
             <a:r>
               <a:rPr lang="en-US" dirty="0"/>
               <a:t>CVE ID</a:t>
             </a:r>
           </a:p>
           <a:p>
-            <a:pPr lvl="1"/>
+            <a:pPr lvl="1">
+              <a:buFont typeface="Arial" panose="020B0604020202020204" pitchFamily="34" charset="0"/>
+              <a:buChar char="–"/>
+            </a:pPr>
             <a:r>
               <a:rPr lang="en-US" dirty="0"/>
               <a:t>Product</a:t>
             </a:r>
           </a:p>
           <a:p>
-            <a:pPr lvl="1"/>
+            <a:pPr lvl="1">
+              <a:buFont typeface="Arial" panose="020B0604020202020204" pitchFamily="34" charset="0"/>
+              <a:buChar char="–"/>
+            </a:pPr>
             <a:r>
               <a:rPr lang="en-US" dirty="0"/>
               <a:t>Version</a:t>
             </a:r>
           </a:p>
           <a:p>
-            <a:pPr lvl="1"/>
+            <a:pPr lvl="1">
+              <a:buFont typeface="Arial" panose="020B0604020202020204" pitchFamily="34" charset="0"/>
+              <a:buChar char="–"/>
+            </a:pPr>
             <a:r>
               <a:rPr lang="en-US" dirty="0"/>
               <a:t>Problem type</a:t>
             </a:r>
           </a:p>
           <a:p>
-            <a:pPr lvl="1"/>
+            <a:pPr lvl="1">
+              <a:buFont typeface="Arial" panose="020B0604020202020204" pitchFamily="34" charset="0"/>
+              <a:buChar char="–"/>
+            </a:pPr>
             <a:r>
               <a:rPr lang="en-US" dirty="0"/>
               <a:t>Description</a:t>
             </a:r>
           </a:p>
           <a:p>
-            <a:pPr lvl="1"/>
+            <a:pPr lvl="1">
+              <a:buFont typeface="Arial" panose="020B0604020202020204" pitchFamily="34" charset="0"/>
+              <a:buChar char="–"/>
+            </a:pPr>
             <a:r>
               <a:rPr lang="en-US" dirty="0"/>
               <a:t>Assigning CNA</a:t>
             </a:r>
           </a:p>
           <a:p>
-            <a:pPr marL="287338" lvl="1" indent="0">
-              <a:buNone/>
-            </a:pPr>
-            <a:endParaRPr lang="en-US" dirty="0"/>
-          </a:p>
-          <a:p>
-            <a:pPr marL="346075" indent="-342900"/>
+            <a:pPr marL="346075" indent="-342900">
+              <a:buFont typeface="Wingdings" panose="05000000000000000000" pitchFamily="2" charset="2"/>
+              <a:buChar char="§"/>
+            </a:pPr>
             <a:r>
               <a:rPr lang="en-US" dirty="0"/>
               <a:t>Omit field headers</a:t>
             </a:r>
           </a:p>
           <a:p>
-            <a:pPr marL="346075" indent="-342900"/>
+            <a:pPr marL="346075" indent="-342900">
+              <a:buFont typeface="Wingdings" panose="05000000000000000000" pitchFamily="2" charset="2"/>
+              <a:buChar char="§"/>
+            </a:pPr>
             <a:r>
               <a:rPr lang="en-US" dirty="0"/>
               <a:t>Use double-quotes if fields contain commas or quote characters</a:t>
             </a:r>
           </a:p>
           <a:p>
-            <a:pPr marL="346075" indent="-342900"/>
+            <a:pPr marL="346075" indent="-342900">
+              <a:buFont typeface="Wingdings" panose="05000000000000000000" pitchFamily="2" charset="2"/>
+              <a:buChar char="§"/>
+            </a:pPr>
             <a:r>
               <a:rPr lang="en-US" dirty="0"/>
               <a:t>Do not use embedded line-breaks</a:t>
             </a:r>
           </a:p>
           <a:p>
-            <a:pPr marL="346075" indent="-342900"/>
+            <a:pPr marL="346075" indent="-342900">
+              <a:buFont typeface="Wingdings" panose="05000000000000000000" pitchFamily="2" charset="2"/>
+              <a:buChar char="§"/>
+            </a:pPr>
             <a:r>
               <a:rPr lang="en-US" dirty="0"/>
               <a:t>Write any double-quote characters in a field as two double-quote characters</a:t>
             </a:r>
           </a:p>
           <a:p>
-            <a:pPr marL="346075" indent="-342900"/>
+            <a:pPr marL="346075" indent="-342900">
+              <a:buFont typeface="Wingdings" panose="05000000000000000000" pitchFamily="2" charset="2"/>
+              <a:buChar char="§"/>
+            </a:pPr>
             <a:r>
               <a:rPr lang="en-US" dirty="0"/>
               <a:t>On CVE ID per line</a:t>
@@ -5845,13 +10227,20 @@
           </a:bodyPr>
           <a:lstStyle/>
           <a:p>
+            <a:pPr>
+              <a:buFont typeface="Wingdings" panose="05000000000000000000" pitchFamily="2" charset="2"/>
+              <a:buChar char="§"/>
+            </a:pPr>
             <a:r>
               <a:rPr lang="en-US" sz="2500" dirty="0"/>
               <a:t>Multiple CVE Entries</a:t>
             </a:r>
           </a:p>
           <a:p>
-            <a:pPr lvl="1"/>
+            <a:pPr lvl="1">
+              <a:buFont typeface="Arial" panose="020B0604020202020204" pitchFamily="34" charset="0"/>
+              <a:buChar char="–"/>
+            </a:pPr>
             <a:r>
               <a:rPr lang="en-US" sz="2500" dirty="0"/>
               <a:t>Multiple lines, one per entry</a:t>
@@ -5861,21 +10250,29 @@
             <a:endParaRPr lang="en-US" sz="2500" dirty="0"/>
           </a:p>
           <a:p>
+            <a:pPr>
+              <a:buFont typeface="Wingdings" panose="05000000000000000000" pitchFamily="2" charset="2"/>
+              <a:buChar char="§"/>
+            </a:pPr>
             <a:r>
               <a:rPr lang="en-US" sz="2500" dirty="0"/>
               <a:t>Multiple Products/Versions</a:t>
             </a:r>
           </a:p>
           <a:p>
-            <a:pPr lvl="1"/>
+            <a:pPr lvl="1">
+              <a:buFont typeface="Arial" panose="020B0604020202020204" pitchFamily="34" charset="0"/>
+              <a:buChar char="–"/>
+            </a:pPr>
             <a:r>
               <a:rPr lang="en-US" sz="2500" dirty="0"/>
               <a:t>Separate products, and correspondingly versions, by a semicolon followed by a space and, to separate multiple versions for a given product by a comma followed by a space; e.g., </a:t>
             </a:r>
           </a:p>
           <a:p>
-            <a:pPr marL="798513" lvl="3" indent="0">
-              <a:buNone/>
+            <a:pPr marL="1084263" lvl="3" indent="-285750">
+              <a:buFont typeface="Wingdings" panose="05000000000000000000" pitchFamily="2" charset="2"/>
+              <a:buChar char="§"/>
             </a:pPr>
             <a:r>
               <a:rPr lang="en-US" sz="1500" dirty="0">
@@ -5968,16 +10365,27 @@
             </a:r>
           </a:p>
           <a:p>
+            <a:pPr>
+              <a:buFont typeface="Wingdings" panose="05000000000000000000" pitchFamily="2" charset="2"/>
+              <a:buChar char="§"/>
+            </a:pPr>
             <a:endParaRPr lang="en-US" dirty="0"/>
           </a:p>
           <a:p>
+            <a:pPr>
+              <a:buFont typeface="Wingdings" panose="05000000000000000000" pitchFamily="2" charset="2"/>
+              <a:buChar char="§"/>
+            </a:pPr>
             <a:r>
               <a:rPr lang="en-US" sz="2500" dirty="0"/>
               <a:t>Multiple References</a:t>
             </a:r>
           </a:p>
           <a:p>
-            <a:pPr lvl="1"/>
+            <a:pPr lvl="1">
+              <a:buFont typeface="Arial" panose="020B0604020202020204" pitchFamily="34" charset="0"/>
+              <a:buChar char="–"/>
+            </a:pPr>
             <a:r>
               <a:rPr lang="en-US" sz="2500" dirty="0"/>
               <a:t>Separate references by a space; e.g.,</a:t>
@@ -5988,8 +10396,9 @@
             </a:endParaRPr>
           </a:p>
           <a:p>
-            <a:pPr marL="798513" lvl="3" indent="0">
-              <a:buNone/>
+            <a:pPr marL="1084263" lvl="3" indent="-285750">
+              <a:buFont typeface="Wingdings" panose="05000000000000000000" pitchFamily="2" charset="2"/>
+              <a:buChar char="§"/>
             </a:pPr>
             <a:r>
               <a:rPr lang="en-US" sz="1600" dirty="0">
@@ -6159,139 +10568,198 @@
             <p:ph idx="1"/>
           </p:nvPr>
         </p:nvSpPr>
-        <p:spPr/>
+        <p:spPr>
+          <a:xfrm>
+            <a:off x="812801" y="1253068"/>
+            <a:ext cx="9025466" cy="5054599"/>
+          </a:xfrm>
+        </p:spPr>
         <p:txBody>
           <a:bodyPr>
-            <a:normAutofit fontScale="55000" lnSpcReduction="20000"/>
+            <a:noAutofit/>
           </a:bodyPr>
           <a:lstStyle/>
           <a:p>
-            <a:r>
-              <a:rPr lang="en-US" dirty="0"/>
+            <a:pPr>
+              <a:buFont typeface="Wingdings" panose="05000000000000000000" pitchFamily="2" charset="2"/>
+              <a:buChar char="§"/>
+            </a:pPr>
+            <a:r>
+              <a:rPr lang="en-US" sz="1100" dirty="0"/>
               <a:t>Required Data Strings</a:t>
             </a:r>
           </a:p>
           <a:p>
-            <a:pPr lvl="1"/>
-            <a:r>
-              <a:rPr lang="en-US" dirty="0" err="1"/>
+            <a:pPr lvl="1">
+              <a:buFont typeface="Arial" panose="020B0604020202020204" pitchFamily="34" charset="0"/>
+              <a:buChar char="–"/>
+            </a:pPr>
+            <a:r>
+              <a:rPr lang="en-US" sz="1100" dirty="0" err="1"/>
               <a:t>Data_type</a:t>
             </a:r>
             <a:r>
-              <a:rPr lang="en-US" dirty="0"/>
+              <a:rPr lang="en-US" sz="1100" dirty="0"/>
               <a:t> - CVE</a:t>
             </a:r>
           </a:p>
           <a:p>
-            <a:pPr lvl="1"/>
-            <a:r>
-              <a:rPr lang="en-US" dirty="0" err="1"/>
+            <a:pPr lvl="1">
+              <a:buFont typeface="Arial" panose="020B0604020202020204" pitchFamily="34" charset="0"/>
+              <a:buChar char="–"/>
+            </a:pPr>
+            <a:r>
+              <a:rPr lang="en-US" sz="1100" dirty="0" err="1"/>
               <a:t>Data_format</a:t>
             </a:r>
             <a:r>
-              <a:rPr lang="en-US" dirty="0"/>
+              <a:rPr lang="en-US" sz="1100" dirty="0"/>
               <a:t> - MITRE</a:t>
             </a:r>
           </a:p>
           <a:p>
-            <a:pPr lvl="1"/>
-            <a:r>
-              <a:rPr lang="en-US" dirty="0" err="1"/>
+            <a:pPr lvl="1">
+              <a:buFont typeface="Arial" panose="020B0604020202020204" pitchFamily="34" charset="0"/>
+              <a:buChar char="–"/>
+            </a:pPr>
+            <a:r>
+              <a:rPr lang="en-US" sz="1100" dirty="0" err="1"/>
               <a:t>Data_version</a:t>
             </a:r>
             <a:r>
-              <a:rPr lang="en-US" dirty="0"/>
+              <a:rPr lang="en-US" sz="1100" dirty="0"/>
               <a:t> – 4.0</a:t>
             </a:r>
           </a:p>
           <a:p>
-            <a:r>
-              <a:rPr lang="en-US" dirty="0"/>
+            <a:pPr>
+              <a:buFont typeface="Wingdings" panose="05000000000000000000" pitchFamily="2" charset="2"/>
+              <a:buChar char="§"/>
+            </a:pPr>
+            <a:r>
+              <a:rPr lang="en-US" sz="1100" dirty="0"/>
               <a:t>Required Data Objects</a:t>
             </a:r>
           </a:p>
           <a:p>
-            <a:pPr lvl="1"/>
-            <a:r>
-              <a:rPr lang="en-US" dirty="0" err="1"/>
+            <a:pPr lvl="1">
+              <a:buFont typeface="Arial" panose="020B0604020202020204" pitchFamily="34" charset="0"/>
+              <a:buChar char="–"/>
+            </a:pPr>
+            <a:r>
+              <a:rPr lang="en-US" sz="1100" dirty="0" err="1"/>
               <a:t>CVE_data_meta</a:t>
             </a:r>
-            <a:endParaRPr lang="en-US" dirty="0"/>
-          </a:p>
-          <a:p>
-            <a:pPr lvl="2"/>
-            <a:r>
-              <a:rPr lang="en-US" dirty="0"/>
+            <a:endParaRPr lang="en-US" sz="1100" dirty="0"/>
+          </a:p>
+          <a:p>
+            <a:pPr lvl="2">
+              <a:buFont typeface="Wingdings" panose="05000000000000000000" pitchFamily="2" charset="2"/>
+              <a:buChar char="§"/>
+            </a:pPr>
+            <a:r>
+              <a:rPr lang="en-US" sz="1100" dirty="0"/>
               <a:t>CVE ID</a:t>
             </a:r>
           </a:p>
           <a:p>
-            <a:pPr lvl="2"/>
-            <a:r>
-              <a:rPr lang="en-US" dirty="0"/>
+            <a:pPr lvl="2">
+              <a:buFont typeface="Wingdings" panose="05000000000000000000" pitchFamily="2" charset="2"/>
+              <a:buChar char="§"/>
+            </a:pPr>
+            <a:r>
+              <a:rPr lang="en-US" sz="1100" dirty="0"/>
               <a:t>ASSIGNER</a:t>
             </a:r>
           </a:p>
           <a:p>
-            <a:pPr lvl="1"/>
-            <a:r>
-              <a:rPr lang="en-US" dirty="0"/>
+            <a:pPr lvl="1">
+              <a:buFont typeface="Arial" panose="020B0604020202020204" pitchFamily="34" charset="0"/>
+              <a:buChar char="–"/>
+            </a:pPr>
+            <a:r>
+              <a:rPr lang="en-US" sz="1100" dirty="0"/>
               <a:t>Affects</a:t>
             </a:r>
           </a:p>
           <a:p>
-            <a:pPr lvl="2"/>
-            <a:r>
-              <a:rPr lang="en-US" dirty="0"/>
+            <a:pPr lvl="2">
+              <a:buFont typeface="Wingdings" panose="05000000000000000000" pitchFamily="2" charset="2"/>
+              <a:buChar char="§"/>
+            </a:pPr>
+            <a:r>
+              <a:rPr lang="en-US" sz="1100" dirty="0"/>
               <a:t>Vendor</a:t>
             </a:r>
           </a:p>
           <a:p>
-            <a:pPr lvl="3"/>
-            <a:r>
-              <a:rPr lang="en-US" dirty="0"/>
+            <a:pPr lvl="3">
+              <a:buFont typeface="Arial" panose="020B0604020202020204" pitchFamily="34" charset="0"/>
+              <a:buChar char="–"/>
+            </a:pPr>
+            <a:r>
+              <a:rPr lang="en-US" sz="1100" dirty="0"/>
               <a:t>Product</a:t>
             </a:r>
           </a:p>
           <a:p>
-            <a:pPr lvl="4"/>
-            <a:r>
-              <a:rPr lang="en-US" dirty="0"/>
+            <a:pPr lvl="4">
+              <a:buFont typeface="Wingdings" panose="05000000000000000000" pitchFamily="2" charset="2"/>
+              <a:buChar char="§"/>
+            </a:pPr>
+            <a:r>
+              <a:rPr lang="en-US" sz="1100" dirty="0"/>
               <a:t>Version</a:t>
             </a:r>
           </a:p>
           <a:p>
-            <a:pPr lvl="1"/>
-            <a:r>
-              <a:rPr lang="en-US" dirty="0"/>
+            <a:pPr lvl="1">
+              <a:buFont typeface="Arial" panose="020B0604020202020204" pitchFamily="34" charset="0"/>
+              <a:buChar char="–"/>
+            </a:pPr>
+            <a:r>
+              <a:rPr lang="en-US" sz="1100" dirty="0"/>
               <a:t>Description</a:t>
             </a:r>
           </a:p>
           <a:p>
-            <a:pPr lvl="1"/>
-            <a:r>
-              <a:rPr lang="en-US" dirty="0"/>
+            <a:pPr lvl="1">
+              <a:buFont typeface="Arial" panose="020B0604020202020204" pitchFamily="34" charset="0"/>
+              <a:buChar char="–"/>
+            </a:pPr>
+            <a:r>
+              <a:rPr lang="en-US" sz="1100" dirty="0"/>
               <a:t>References</a:t>
             </a:r>
           </a:p>
           <a:p>
-            <a:pPr lvl="1"/>
-            <a:r>
-              <a:rPr lang="en-US" dirty="0" err="1"/>
+            <a:pPr lvl="1">
+              <a:buFont typeface="Arial" panose="020B0604020202020204" pitchFamily="34" charset="0"/>
+              <a:buChar char="–"/>
+            </a:pPr>
+            <a:r>
+              <a:rPr lang="en-US" sz="1100" dirty="0" err="1"/>
               <a:t>Problemtype</a:t>
             </a:r>
-            <a:endParaRPr lang="en-US" dirty="0"/>
-          </a:p>
-          <a:p>
-            <a:r>
-              <a:rPr lang="en-US" dirty="0"/>
+            <a:endParaRPr lang="en-US" sz="1100" dirty="0"/>
+          </a:p>
+          <a:p>
+            <a:pPr>
+              <a:buFont typeface="Wingdings" panose="05000000000000000000" pitchFamily="2" charset="2"/>
+              <a:buChar char="§"/>
+            </a:pPr>
+            <a:r>
+              <a:rPr lang="en-US" sz="1100" dirty="0"/>
               <a:t>Additional optional objects can be included.  For a full list see:</a:t>
             </a:r>
           </a:p>
           <a:p>
-            <a:pPr lvl="1"/>
-            <a:r>
-              <a:rPr lang="en-US" dirty="0"/>
+            <a:pPr lvl="1">
+              <a:buFont typeface="Arial" panose="020B0604020202020204" pitchFamily="34" charset="0"/>
+              <a:buChar char="–"/>
+            </a:pPr>
+            <a:r>
+              <a:rPr lang="en-US" sz="1100" dirty="0"/>
               <a:t>https://github.com/CVEProject/automation-working-group/blob/master/cve_json_schema/DRAFT-JSON-file-format-v4.md</a:t>
             </a:r>
           </a:p>
@@ -6611,6 +11079,10 @@
             <a:endParaRPr lang="en-US" dirty="0"/>
           </a:p>
           <a:p>
+            <a:pPr>
+              <a:buFont typeface="Wingdings" panose="05000000000000000000" pitchFamily="2" charset="2"/>
+              <a:buChar char="§"/>
+            </a:pPr>
             <a:r>
               <a:rPr lang="en-US" sz="2700" b="0" dirty="0"/>
               <a:t>Note that whitespace, including line breaks, can be included to improve readability</a:t>
@@ -6806,54 +11278,80 @@
           </a:bodyPr>
           <a:lstStyle/>
           <a:p>
+            <a:pPr>
+              <a:buFont typeface="Wingdings" panose="05000000000000000000" pitchFamily="2" charset="2"/>
+              <a:buChar char="§"/>
+            </a:pPr>
             <a:r>
               <a:rPr lang="en-US" sz="2200" dirty="0"/>
               <a:t>Web Form</a:t>
             </a:r>
           </a:p>
           <a:p>
-            <a:pPr lvl="1"/>
+            <a:pPr lvl="1">
+              <a:buFont typeface="Arial" panose="020B0604020202020204" pitchFamily="34" charset="0"/>
+              <a:buChar char="–"/>
+            </a:pPr>
             <a:r>
               <a:rPr lang="en-US" sz="2200" dirty="0"/>
               <a:t>Supports all three file types</a:t>
             </a:r>
           </a:p>
           <a:p>
-            <a:pPr lvl="1"/>
+            <a:pPr lvl="1">
+              <a:buFont typeface="Arial" panose="020B0604020202020204" pitchFamily="34" charset="0"/>
+              <a:buChar char="–"/>
+            </a:pPr>
             <a:r>
               <a:rPr lang="en-US" sz="2200" dirty="0"/>
               <a:t>Suited to new submissions only</a:t>
             </a:r>
           </a:p>
           <a:p>
-            <a:pPr lvl="1"/>
+            <a:pPr lvl="1">
+              <a:buFont typeface="Arial" panose="020B0604020202020204" pitchFamily="34" charset="0"/>
+              <a:buChar char="–"/>
+            </a:pPr>
             <a:r>
               <a:rPr lang="en-US" sz="2200" dirty="0"/>
               <a:t>Has limits on form field sizes!</a:t>
             </a:r>
           </a:p>
           <a:p>
+            <a:pPr>
+              <a:buFont typeface="Wingdings" panose="05000000000000000000" pitchFamily="2" charset="2"/>
+              <a:buChar char="§"/>
+            </a:pPr>
             <a:r>
               <a:rPr lang="en-US" sz="2200" dirty="0"/>
               <a:t>GitHub</a:t>
             </a:r>
           </a:p>
           <a:p>
-            <a:pPr lvl="1"/>
+            <a:pPr lvl="1">
+              <a:buFont typeface="Arial" panose="020B0604020202020204" pitchFamily="34" charset="0"/>
+              <a:buChar char="–"/>
+            </a:pPr>
             <a:r>
               <a:rPr lang="en-US" sz="2200" dirty="0"/>
               <a:t>Supports CVE JSON only!</a:t>
             </a:r>
           </a:p>
           <a:p>
-            <a:pPr lvl="1"/>
+            <a:pPr lvl="1">
+              <a:buFont typeface="Arial" panose="020B0604020202020204" pitchFamily="34" charset="0"/>
+              <a:buChar char="–"/>
+            </a:pPr>
             <a:r>
               <a:rPr lang="en-US" sz="2200" dirty="0"/>
               <a:t>Avoid files with MS-DOS style line endings (CR/LF)</a:t>
             </a:r>
           </a:p>
           <a:p>
-            <a:pPr lvl="1"/>
+            <a:pPr lvl="1">
+              <a:buFont typeface="Arial" panose="020B0604020202020204" pitchFamily="34" charset="0"/>
+              <a:buChar char="–"/>
+            </a:pPr>
             <a:r>
               <a:rPr lang="en-US" sz="2200" dirty="0"/>
               <a:t>Suited to both new and updated submissions</a:t>
@@ -7044,7 +11542,7 @@
           </p:nvPr>
         </p:nvPicPr>
         <p:blipFill rotWithShape="1">
-          <a:blip r:embed="rId2"/>
+          <a:blip r:embed="rId3"/>
           <a:srcRect r="9144" b="19836"/>
           <a:stretch/>
         </p:blipFill>
@@ -7184,12 +11682,20 @@
           <a:bodyPr/>
           <a:lstStyle/>
           <a:p>
+            <a:pPr>
+              <a:buFont typeface="Wingdings" panose="05000000000000000000" pitchFamily="2" charset="2"/>
+              <a:buChar char="§"/>
+            </a:pPr>
             <a:r>
               <a:rPr lang="en-US" dirty="0"/>
               <a:t>These slides assume that the information needed for the CVE Entry is already generated.</a:t>
             </a:r>
           </a:p>
           <a:p>
+            <a:pPr>
+              <a:buFont typeface="Wingdings" panose="05000000000000000000" pitchFamily="2" charset="2"/>
+              <a:buChar char="§"/>
+            </a:pPr>
             <a:r>
               <a:rPr lang="en-US" dirty="0"/>
               <a:t>These processes are specific to the CVE Program Root CNA (currently MITRE).  Other Root CNAs may have other processes that CNAs need to follow.</a:t>
@@ -7279,7 +11785,7 @@
           </p:nvPr>
         </p:nvPicPr>
         <p:blipFill rotWithShape="1">
-          <a:blip r:embed="rId2"/>
+          <a:blip r:embed="rId3"/>
           <a:srcRect l="8384" t="20563" r="8691" b="31586"/>
           <a:stretch/>
         </p:blipFill>
@@ -7498,7 +12004,7 @@
           </p:nvPr>
         </p:nvPicPr>
         <p:blipFill rotWithShape="1">
-          <a:blip r:embed="rId2"/>
+          <a:blip r:embed="rId3"/>
           <a:srcRect l="8794" t="20563" r="8384" b="31756"/>
           <a:stretch/>
         </p:blipFill>
@@ -7652,7 +12158,7 @@
           </p:nvPr>
         </p:nvPicPr>
         <p:blipFill rotWithShape="1">
-          <a:blip r:embed="rId2"/>
+          <a:blip r:embed="rId3"/>
           <a:srcRect l="3377" t="18008" r="3540" b="36354"/>
           <a:stretch/>
         </p:blipFill>
@@ -7794,7 +12300,7 @@
           </p:nvPr>
         </p:nvPicPr>
         <p:blipFill rotWithShape="1">
-          <a:blip r:embed="rId2"/>
+          <a:blip r:embed="rId3"/>
           <a:srcRect l="23024" t="58196" r="23638" b="8937"/>
           <a:stretch/>
         </p:blipFill>
@@ -7955,7 +12461,7 @@
           </p:nvPr>
         </p:nvPicPr>
         <p:blipFill rotWithShape="1">
-          <a:blip r:embed="rId2"/>
+          <a:blip r:embed="rId3"/>
           <a:srcRect l="729" t="6259" r="1307" b="21709"/>
           <a:stretch/>
         </p:blipFill>
@@ -8176,7 +12682,7 @@
           </p:nvPr>
         </p:nvPicPr>
         <p:blipFill rotWithShape="1">
-          <a:blip r:embed="rId2"/>
+          <a:blip r:embed="rId3"/>
           <a:srcRect l="5438" t="66031" r="5438" b="16430"/>
           <a:stretch/>
         </p:blipFill>
@@ -8330,7 +12836,7 @@
           <p:nvPr/>
         </p:nvPicPr>
         <p:blipFill rotWithShape="1">
-          <a:blip r:embed="rId2"/>
+          <a:blip r:embed="rId3"/>
           <a:srcRect l="3575" t="34986" r="4329" b="13504"/>
           <a:stretch/>
         </p:blipFill>
@@ -8486,7 +12992,7 @@
           </p:nvPr>
         </p:nvPicPr>
         <p:blipFill rotWithShape="1">
-          <a:blip r:embed="rId2"/>
+          <a:blip r:embed="rId3"/>
           <a:srcRect t="10516" b="7235"/>
           <a:stretch/>
         </p:blipFill>
@@ -8695,56 +13201,49 @@
           </a:bodyPr>
           <a:lstStyle/>
           <a:p>
+            <a:pPr>
+              <a:buFont typeface="Wingdings" panose="05000000000000000000" pitchFamily="2" charset="2"/>
+              <a:buChar char="§"/>
+            </a:pPr>
             <a:r>
               <a:rPr lang="en-US" dirty="0"/>
               <a:t>Create a GitHub.com account</a:t>
             </a:r>
           </a:p>
           <a:p>
+            <a:pPr>
+              <a:buFont typeface="Wingdings" panose="05000000000000000000" pitchFamily="2" charset="2"/>
+              <a:buChar char="§"/>
+            </a:pPr>
             <a:r>
               <a:rPr lang="en-US" dirty="0"/>
               <a:t>Inform your parent CNA of the account you will be using</a:t>
             </a:r>
           </a:p>
           <a:p>
+            <a:pPr>
+              <a:buFont typeface="Wingdings" panose="05000000000000000000" pitchFamily="2" charset="2"/>
+              <a:buChar char="§"/>
+            </a:pPr>
             <a:r>
               <a:rPr lang="en-US" dirty="0"/>
               <a:t>Fork your parent’s repository</a:t>
             </a:r>
           </a:p>
           <a:p>
-            <a:pPr lvl="1"/>
+            <a:pPr lvl="1">
+              <a:buFont typeface="Wingdings" panose="05000000000000000000" pitchFamily="2" charset="2"/>
+              <a:buChar char="§"/>
+            </a:pPr>
             <a:r>
               <a:rPr lang="en-US" dirty="0"/>
               <a:t>E.g., child CNAs of Program Root CNA’s fork </a:t>
-            </a:r>
-            <a:r>
-              <a:rPr lang="en-US" dirty="0" err="1">
-                <a:hlinkClick r:id="rId2"/>
-              </a:rPr>
-              <a:t>CVEProject</a:t>
-            </a:r>
-            <a:r>
-              <a:rPr lang="en-US" dirty="0">
-                <a:hlinkClick r:id="rId2"/>
-              </a:rPr>
-              <a:t>/</a:t>
-            </a:r>
-            <a:r>
-              <a:rPr lang="en-US" dirty="0" err="1">
-                <a:hlinkClick r:id="rId2"/>
-              </a:rPr>
-              <a:t>cvelist</a:t>
-            </a:r>
-            <a:r>
-              <a:rPr lang="en-US" dirty="0"/>
-              <a:t>, but child CNAs of DWF for </a:t>
             </a:r>
             <a:r>
               <a:rPr lang="en-US" dirty="0" err="1">
                 <a:hlinkClick r:id="rId3"/>
               </a:rPr>
-              <a:t>distributedweaknessfiling</a:t>
+              <a:t>CVEProject</a:t>
             </a:r>
             <a:r>
               <a:rPr lang="en-US" dirty="0">
@@ -8758,36 +13257,75 @@
               </a:rPr>
               <a:t>cvelist</a:t>
             </a:r>
+            <a:r>
+              <a:rPr lang="en-US" dirty="0"/>
+              <a:t>, but child CNAs of DWF for </a:t>
+            </a:r>
+            <a:r>
+              <a:rPr lang="en-US" dirty="0" err="1">
+                <a:hlinkClick r:id="rId4"/>
+              </a:rPr>
+              <a:t>distributedweaknessfiling</a:t>
+            </a:r>
+            <a:r>
+              <a:rPr lang="en-US" dirty="0">
+                <a:hlinkClick r:id="rId4"/>
+              </a:rPr>
+              <a:t>/</a:t>
+            </a:r>
+            <a:r>
+              <a:rPr lang="en-US" dirty="0" err="1">
+                <a:hlinkClick r:id="rId4"/>
+              </a:rPr>
+              <a:t>cvelist</a:t>
+            </a:r>
             <a:endParaRPr lang="en-US" dirty="0"/>
           </a:p>
           <a:p>
-            <a:pPr lvl="1"/>
+            <a:pPr lvl="1">
+              <a:buFont typeface="Wingdings" panose="05000000000000000000" pitchFamily="2" charset="2"/>
+              <a:buChar char="§"/>
+            </a:pPr>
             <a:r>
               <a:rPr lang="en-US" dirty="0"/>
               <a:t>You can use your personal account or an organization account for the fork</a:t>
             </a:r>
           </a:p>
           <a:p>
-            <a:pPr lvl="1"/>
+            <a:pPr lvl="1">
+              <a:buFont typeface="Wingdings" panose="05000000000000000000" pitchFamily="2" charset="2"/>
+              <a:buChar char="§"/>
+            </a:pPr>
             <a:r>
               <a:rPr lang="en-US" dirty="0"/>
               <a:t>GitHub provides a web interface for organization forks</a:t>
             </a:r>
           </a:p>
           <a:p>
+            <a:pPr>
+              <a:buFont typeface="Wingdings" panose="05000000000000000000" pitchFamily="2" charset="2"/>
+              <a:buChar char="§"/>
+            </a:pPr>
             <a:r>
               <a:rPr lang="en-US" dirty="0"/>
               <a:t>Clone the your fork to a local repository</a:t>
             </a:r>
           </a:p>
           <a:p>
+            <a:pPr>
+              <a:buFont typeface="Wingdings" panose="05000000000000000000" pitchFamily="2" charset="2"/>
+              <a:buChar char="§"/>
+            </a:pPr>
             <a:r>
               <a:rPr lang="en-US" dirty="0"/>
               <a:t>Set the upstream git repo</a:t>
             </a:r>
           </a:p>
           <a:p>
-            <a:pPr lvl="1"/>
+            <a:pPr lvl="1">
+              <a:buFont typeface="Wingdings" panose="05000000000000000000" pitchFamily="2" charset="2"/>
+              <a:buChar char="§"/>
+            </a:pPr>
             <a:r>
               <a:rPr lang="en-US" dirty="0"/>
               <a:t>git remote add upstream git@github.com:</a:t>
@@ -8802,7 +13340,10 @@
             </a:r>
           </a:p>
           <a:p>
-            <a:pPr lvl="1"/>
+            <a:pPr lvl="1">
+              <a:buFont typeface="Wingdings" panose="05000000000000000000" pitchFamily="2" charset="2"/>
+              <a:buChar char="§"/>
+            </a:pPr>
             <a:r>
               <a:rPr lang="en-US" dirty="0">
                 <a:solidFill>
@@ -8817,19 +13358,19 @@
             </a:r>
             <a:r>
               <a:rPr lang="en-US" dirty="0" err="1">
-                <a:hlinkClick r:id="rId2"/>
+                <a:hlinkClick r:id="rId3"/>
               </a:rPr>
               <a:t>CVEProject</a:t>
             </a:r>
             <a:r>
               <a:rPr lang="en-US" dirty="0">
-                <a:hlinkClick r:id="rId2"/>
+                <a:hlinkClick r:id="rId3"/>
               </a:rPr>
               <a:t>/</a:t>
             </a:r>
             <a:r>
               <a:rPr lang="en-US" dirty="0" err="1">
-                <a:hlinkClick r:id="rId2"/>
+                <a:hlinkClick r:id="rId3"/>
               </a:rPr>
               <a:t>cvelist</a:t>
             </a:r>
@@ -8985,65 +13526,100 @@
           <a:bodyPr/>
           <a:lstStyle/>
           <a:p>
+            <a:pPr>
+              <a:buFont typeface="Wingdings" panose="05000000000000000000" pitchFamily="2" charset="2"/>
+              <a:buChar char="§"/>
+            </a:pPr>
             <a:r>
               <a:rPr lang="en-US" dirty="0"/>
               <a:t>Information Requirements</a:t>
             </a:r>
           </a:p>
           <a:p>
+            <a:pPr>
+              <a:buFont typeface="Wingdings" panose="05000000000000000000" pitchFamily="2" charset="2"/>
+              <a:buChar char="§"/>
+            </a:pPr>
             <a:r>
               <a:rPr lang="en-US" dirty="0"/>
               <a:t>Approved Formats</a:t>
             </a:r>
           </a:p>
           <a:p>
-            <a:pPr lvl="1"/>
+            <a:pPr lvl="1">
+              <a:buFont typeface="Wingdings" panose="05000000000000000000" pitchFamily="2" charset="2"/>
+              <a:buChar char="§"/>
+            </a:pPr>
             <a:r>
               <a:rPr lang="en-US" dirty="0"/>
               <a:t>Flat File</a:t>
             </a:r>
           </a:p>
           <a:p>
-            <a:pPr lvl="1"/>
+            <a:pPr lvl="1">
+              <a:buFont typeface="Wingdings" panose="05000000000000000000" pitchFamily="2" charset="2"/>
+              <a:buChar char="§"/>
+            </a:pPr>
             <a:r>
               <a:rPr lang="en-US" dirty="0"/>
               <a:t>CSV</a:t>
             </a:r>
           </a:p>
           <a:p>
-            <a:pPr lvl="1"/>
+            <a:pPr lvl="1">
+              <a:buFont typeface="Wingdings" panose="05000000000000000000" pitchFamily="2" charset="2"/>
+              <a:buChar char="§"/>
+            </a:pPr>
             <a:r>
               <a:rPr lang="en-US" dirty="0"/>
               <a:t>JSON (preferred)</a:t>
             </a:r>
           </a:p>
           <a:p>
+            <a:pPr>
+              <a:buFont typeface="Wingdings" panose="05000000000000000000" pitchFamily="2" charset="2"/>
+              <a:buChar char="§"/>
+            </a:pPr>
             <a:r>
               <a:rPr lang="en-US" dirty="0"/>
               <a:t>Approved Submission Channels</a:t>
             </a:r>
           </a:p>
           <a:p>
-            <a:pPr lvl="1"/>
+            <a:pPr lvl="1">
+              <a:buFont typeface="Wingdings" panose="05000000000000000000" pitchFamily="2" charset="2"/>
+              <a:buChar char="§"/>
+            </a:pPr>
             <a:r>
               <a:rPr lang="en-US" dirty="0"/>
               <a:t>GitHub (preferred)</a:t>
             </a:r>
           </a:p>
           <a:p>
-            <a:pPr lvl="1"/>
+            <a:pPr lvl="1">
+              <a:buFont typeface="Wingdings" panose="05000000000000000000" pitchFamily="2" charset="2"/>
+              <a:buChar char="§"/>
+            </a:pPr>
             <a:r>
               <a:rPr lang="en-US" dirty="0"/>
               <a:t>Web Form</a:t>
             </a:r>
           </a:p>
           <a:p>
+            <a:pPr>
+              <a:buFont typeface="Wingdings" panose="05000000000000000000" pitchFamily="2" charset="2"/>
+              <a:buChar char="§"/>
+            </a:pPr>
             <a:r>
               <a:rPr lang="en-US" dirty="0"/>
               <a:t>Submission Process</a:t>
             </a:r>
           </a:p>
           <a:p>
+            <a:pPr>
+              <a:buFont typeface="Wingdings" panose="05000000000000000000" pitchFamily="2" charset="2"/>
+              <a:buChar char="§"/>
+            </a:pPr>
             <a:r>
               <a:rPr lang="en-US" dirty="0"/>
               <a:t>Tools</a:t>
@@ -9197,41 +13773,57 @@
           </a:bodyPr>
           <a:lstStyle/>
           <a:p>
+            <a:pPr>
+              <a:buFont typeface="Wingdings" panose="05000000000000000000" pitchFamily="2" charset="2"/>
+              <a:buChar char="§"/>
+            </a:pPr>
             <a:r>
               <a:rPr lang="en-US" dirty="0"/>
               <a:t>Ensure your </a:t>
             </a:r>
             <a:r>
               <a:rPr lang="en-US" dirty="0">
-                <a:hlinkClick r:id="rId2"/>
+                <a:hlinkClick r:id="rId3"/>
               </a:rPr>
               <a:t>fork is up to date</a:t>
             </a:r>
             <a:endParaRPr lang="en-US" dirty="0"/>
           </a:p>
           <a:p>
-            <a:pPr lvl="1"/>
+            <a:pPr lvl="1">
+              <a:buFont typeface="Wingdings" panose="05000000000000000000" pitchFamily="2" charset="2"/>
+              <a:buChar char="§"/>
+            </a:pPr>
             <a:r>
               <a:rPr lang="en-US" dirty="0"/>
               <a:t>git fetch upstream</a:t>
             </a:r>
           </a:p>
           <a:p>
-            <a:pPr lvl="1"/>
+            <a:pPr lvl="1">
+              <a:buFont typeface="Wingdings" panose="05000000000000000000" pitchFamily="2" charset="2"/>
+              <a:buChar char="§"/>
+            </a:pPr>
             <a:r>
               <a:rPr lang="en-US" dirty="0"/>
               <a:t>git checkout master</a:t>
             </a:r>
           </a:p>
           <a:p>
-            <a:pPr lvl="1"/>
+            <a:pPr lvl="1">
+              <a:buFont typeface="Wingdings" panose="05000000000000000000" pitchFamily="2" charset="2"/>
+              <a:buChar char="§"/>
+            </a:pPr>
             <a:r>
               <a:rPr lang="en-US" dirty="0"/>
               <a:t>git merge upstream/master</a:t>
             </a:r>
           </a:p>
           <a:p>
-            <a:pPr lvl="1"/>
+            <a:pPr lvl="1">
+              <a:buFont typeface="Wingdings" panose="05000000000000000000" pitchFamily="2" charset="2"/>
+              <a:buChar char="§"/>
+            </a:pPr>
             <a:r>
               <a:rPr lang="en-US" dirty="0"/>
               <a:t>Optionally push any updates from the upstream </a:t>
@@ -9254,34 +13846,50 @@
             </a:r>
           </a:p>
           <a:p>
-            <a:pPr lvl="2"/>
+            <a:pPr lvl="2">
+              <a:buFont typeface="Wingdings" panose="05000000000000000000" pitchFamily="2" charset="2"/>
+              <a:buChar char="§"/>
+            </a:pPr>
             <a:r>
               <a:rPr lang="en-US" dirty="0"/>
               <a:t>git push</a:t>
             </a:r>
           </a:p>
           <a:p>
+            <a:pPr>
+              <a:buFont typeface="Wingdings" panose="05000000000000000000" pitchFamily="2" charset="2"/>
+              <a:buChar char="§"/>
+            </a:pPr>
             <a:r>
               <a:rPr lang="en-US" dirty="0"/>
               <a:t>Create a new branch, separate from master, for each submission</a:t>
             </a:r>
           </a:p>
           <a:p>
-            <a:pPr lvl="1"/>
+            <a:pPr lvl="1">
+              <a:buFont typeface="Wingdings" panose="05000000000000000000" pitchFamily="2" charset="2"/>
+              <a:buChar char="§"/>
+            </a:pPr>
             <a:r>
               <a:rPr lang="en-US" dirty="0"/>
               <a:t>git branch $YOUR_BRANCH master</a:t>
             </a:r>
           </a:p>
           <a:p>
-            <a:pPr lvl="1"/>
+            <a:pPr lvl="1">
+              <a:buFont typeface="Wingdings" panose="05000000000000000000" pitchFamily="2" charset="2"/>
+              <a:buChar char="§"/>
+            </a:pPr>
             <a:r>
               <a:rPr lang="en-US" dirty="0"/>
               <a:t>Include multiple, related updates when possible</a:t>
             </a:r>
           </a:p>
           <a:p>
-            <a:pPr lvl="1"/>
+            <a:pPr lvl="1">
+              <a:buFont typeface="Wingdings" panose="05000000000000000000" pitchFamily="2" charset="2"/>
+              <a:buChar char="§"/>
+            </a:pPr>
             <a:r>
               <a:rPr lang="en-US" dirty="0"/>
               <a:t>If you are working on multiple branches make sure you explicitly branch against master otherwise future branches may include work from other local branches</a:t>
@@ -9433,40 +14041,60 @@
           <a:bodyPr/>
           <a:lstStyle/>
           <a:p>
+            <a:pPr>
+              <a:buFont typeface="Wingdings" panose="05000000000000000000" pitchFamily="2" charset="2"/>
+              <a:buChar char="§"/>
+            </a:pPr>
             <a:r>
               <a:rPr lang="en-US" dirty="0"/>
               <a:t>Make changes to your branch</a:t>
             </a:r>
           </a:p>
           <a:p>
-            <a:pPr lvl="1"/>
+            <a:pPr lvl="1">
+              <a:buFont typeface="Wingdings" panose="05000000000000000000" pitchFamily="2" charset="2"/>
+              <a:buChar char="§"/>
+            </a:pPr>
             <a:r>
               <a:rPr lang="en-US" dirty="0"/>
               <a:t>git checkout $YOUR_BRANCH</a:t>
             </a:r>
           </a:p>
           <a:p>
-            <a:pPr lvl="1"/>
+            <a:pPr lvl="1">
+              <a:buFont typeface="Wingdings" panose="05000000000000000000" pitchFamily="2" charset="2"/>
+              <a:buChar char="§"/>
+            </a:pPr>
             <a:r>
               <a:rPr lang="en-US" dirty="0"/>
               <a:t>Edit the files you want to change in your branch</a:t>
             </a:r>
           </a:p>
           <a:p>
-            <a:pPr lvl="1"/>
+            <a:pPr lvl="1">
+              <a:buFont typeface="Wingdings" panose="05000000000000000000" pitchFamily="2" charset="2"/>
+              <a:buChar char="§"/>
+            </a:pPr>
             <a:r>
               <a:rPr lang="en-US" dirty="0"/>
               <a:t>Limit your changes to only the portions of the JSON that needs updating.  Otherwise, you may accidentally overwrite information</a:t>
             </a:r>
           </a:p>
           <a:p>
+            <a:pPr>
+              <a:buFont typeface="Wingdings" panose="05000000000000000000" pitchFamily="2" charset="2"/>
+              <a:buChar char="§"/>
+            </a:pPr>
             <a:r>
               <a:rPr lang="en-US" dirty="0"/>
               <a:t>Validate the changes against the JSON schema</a:t>
             </a:r>
           </a:p>
           <a:p>
-            <a:pPr lvl="1"/>
+            <a:pPr lvl="1">
+              <a:buFont typeface="Wingdings" panose="05000000000000000000" pitchFamily="2" charset="2"/>
+              <a:buChar char="§"/>
+            </a:pPr>
             <a:r>
               <a:rPr lang="en-US" dirty="0"/>
               <a:t>python -m </a:t>
@@ -9486,7 +14114,10 @@
             <a:endParaRPr lang="en-US" dirty="0"/>
           </a:p>
           <a:p>
-            <a:pPr lvl="1"/>
+            <a:pPr lvl="1">
+              <a:buFont typeface="Wingdings" panose="05000000000000000000" pitchFamily="2" charset="2"/>
+              <a:buChar char="§"/>
+            </a:pPr>
             <a:r>
               <a:rPr lang="en-US" dirty="0" err="1"/>
               <a:t>jsonschema</a:t>
@@ -9513,24 +14144,27 @@
             </a:r>
           </a:p>
           <a:p>
-            <a:pPr lvl="1"/>
+            <a:pPr lvl="1">
+              <a:buFont typeface="Wingdings" panose="05000000000000000000" pitchFamily="2" charset="2"/>
+              <a:buChar char="§"/>
+            </a:pPr>
             <a:r>
               <a:rPr lang="en-US" dirty="0"/>
               <a:t>The schema file is available in the </a:t>
-            </a:r>
-            <a:r>
-              <a:rPr lang="en-US" dirty="0">
-                <a:hlinkClick r:id="rId2"/>
-              </a:rPr>
-              <a:t>CVE Automation Working Group</a:t>
-            </a:r>
-            <a:r>
-              <a:rPr lang="en-US" dirty="0"/>
-              <a:t> and </a:t>
             </a:r>
             <a:r>
               <a:rPr lang="en-US" dirty="0">
                 <a:hlinkClick r:id="rId3"/>
+              </a:rPr>
+              <a:t>CVE Automation Working Group</a:t>
+            </a:r>
+            <a:r>
+              <a:rPr lang="en-US" dirty="0"/>
+              <a:t> and </a:t>
+            </a:r>
+            <a:r>
+              <a:rPr lang="en-US" dirty="0">
+                <a:hlinkClick r:id="rId4"/>
               </a:rPr>
               <a:t>version 4</a:t>
             </a:r>
@@ -9685,40 +14319,60 @@
           <a:bodyPr/>
           <a:lstStyle/>
           <a:p>
+            <a:pPr>
+              <a:buFont typeface="Wingdings" panose="05000000000000000000" pitchFamily="2" charset="2"/>
+              <a:buChar char="§"/>
+            </a:pPr>
             <a:r>
               <a:rPr lang="en-US" dirty="0"/>
               <a:t>Review the updates</a:t>
             </a:r>
           </a:p>
           <a:p>
-            <a:pPr lvl="1"/>
+            <a:pPr lvl="1">
+              <a:buFont typeface="Wingdings" panose="05000000000000000000" pitchFamily="2" charset="2"/>
+              <a:buChar char="§"/>
+            </a:pPr>
             <a:r>
               <a:rPr lang="en-US" dirty="0"/>
               <a:t>Make sure that only information intend to make public is included</a:t>
             </a:r>
           </a:p>
           <a:p>
-            <a:pPr lvl="1"/>
+            <a:pPr lvl="1">
+              <a:buFont typeface="Wingdings" panose="05000000000000000000" pitchFamily="2" charset="2"/>
+              <a:buChar char="§"/>
+            </a:pPr>
             <a:r>
               <a:rPr lang="en-US" dirty="0"/>
               <a:t>For example, check that every CVE ID is mentioned in one of the references associated with it to avoid making public information about a vulnerability ahead of schedule</a:t>
             </a:r>
           </a:p>
           <a:p>
-            <a:pPr lvl="1"/>
+            <a:pPr lvl="1">
+              <a:buFont typeface="Wingdings" panose="05000000000000000000" pitchFamily="2" charset="2"/>
+              <a:buChar char="§"/>
+            </a:pPr>
             <a:r>
               <a:rPr lang="en-US" dirty="0"/>
               <a:t>Also, review the details in the Description. Do they agree with information in the associated References?</a:t>
             </a:r>
           </a:p>
           <a:p>
+            <a:pPr>
+              <a:buFont typeface="Wingdings" panose="05000000000000000000" pitchFamily="2" charset="2"/>
+              <a:buChar char="§"/>
+            </a:pPr>
             <a:r>
               <a:rPr lang="en-US" dirty="0"/>
               <a:t>Commit the changes</a:t>
             </a:r>
           </a:p>
           <a:p>
-            <a:pPr lvl="1"/>
+            <a:pPr lvl="1">
+              <a:buFont typeface="Wingdings" panose="05000000000000000000" pitchFamily="2" charset="2"/>
+              <a:buChar char="§"/>
+            </a:pPr>
             <a:r>
               <a:rPr lang="en-US" dirty="0"/>
               <a:t>git commit –</a:t>
@@ -9730,14 +14384,20 @@
             <a:endParaRPr lang="en-US" dirty="0"/>
           </a:p>
           <a:p>
-            <a:pPr lvl="1"/>
+            <a:pPr lvl="1">
+              <a:buFont typeface="Wingdings" panose="05000000000000000000" pitchFamily="2" charset="2"/>
+              <a:buChar char="§"/>
+            </a:pPr>
             <a:r>
               <a:rPr lang="en-US" dirty="0"/>
               <a:t>If necessary, push your branch to GitHub.com</a:t>
             </a:r>
           </a:p>
           <a:p>
-            <a:pPr lvl="2"/>
+            <a:pPr lvl="2">
+              <a:buFont typeface="Wingdings" panose="05000000000000000000" pitchFamily="2" charset="2"/>
+              <a:buChar char="§"/>
+            </a:pPr>
             <a:r>
               <a:rPr lang="en-US" dirty="0"/>
               <a:t>Git push origin $YOUR_BRANCH</a:t>
@@ -9890,79 +14550,104 @@
         <p:spPr/>
         <p:txBody>
           <a:bodyPr>
-            <a:normAutofit fontScale="92500" lnSpcReduction="20000"/>
+            <a:normAutofit fontScale="85000" lnSpcReduction="20000"/>
           </a:bodyPr>
           <a:lstStyle/>
           <a:p>
-            <a:r>
-              <a:rPr lang="en-US" dirty="0"/>
+            <a:pPr>
+              <a:buFont typeface="Wingdings" panose="05000000000000000000" pitchFamily="2" charset="2"/>
+              <a:buChar char="§"/>
+            </a:pPr>
+            <a:r>
+              <a:rPr lang="en-US" sz="2600" dirty="0"/>
               <a:t>Create a pull request</a:t>
             </a:r>
           </a:p>
           <a:p>
-            <a:pPr lvl="1"/>
-            <a:r>
-              <a:rPr lang="en-US" dirty="0"/>
+            <a:pPr lvl="1">
+              <a:buFont typeface="Wingdings" panose="05000000000000000000" pitchFamily="2" charset="2"/>
+              <a:buChar char="§"/>
+            </a:pPr>
+            <a:r>
+              <a:rPr lang="en-US" sz="2600" dirty="0"/>
               <a:t>Browse to https://github.com/$YOUR_FORK/cvelist/pull/new/master</a:t>
             </a:r>
           </a:p>
           <a:p>
-            <a:pPr lvl="1"/>
-            <a:r>
-              <a:rPr lang="en-US" dirty="0"/>
+            <a:pPr lvl="1">
+              <a:buFont typeface="Wingdings" panose="05000000000000000000" pitchFamily="2" charset="2"/>
+              <a:buChar char="§"/>
+            </a:pPr>
+            <a:r>
+              <a:rPr lang="en-US" sz="2600" dirty="0"/>
               <a:t>Fill in the form</a:t>
             </a:r>
           </a:p>
           <a:p>
-            <a:pPr lvl="2"/>
-            <a:r>
-              <a:rPr lang="en-US" dirty="0"/>
+            <a:pPr lvl="2">
+              <a:buFont typeface="Wingdings" panose="05000000000000000000" pitchFamily="2" charset="2"/>
+              <a:buChar char="§"/>
+            </a:pPr>
+            <a:r>
+              <a:rPr lang="en-US" sz="2600" dirty="0"/>
               <a:t>Important fields:</a:t>
             </a:r>
           </a:p>
           <a:p>
-            <a:pPr lvl="3"/>
-            <a:r>
-              <a:rPr lang="en-US" dirty="0"/>
+            <a:pPr lvl="3">
+              <a:buFont typeface="Wingdings" panose="05000000000000000000" pitchFamily="2" charset="2"/>
+              <a:buChar char="§"/>
+            </a:pPr>
+            <a:r>
+              <a:rPr lang="en-US" sz="2600" dirty="0"/>
               <a:t>base fork is the upstream repo in which you want your updates merged - </a:t>
             </a:r>
             <a:r>
-              <a:rPr lang="en-US" dirty="0" err="1"/>
+              <a:rPr lang="en-US" sz="2600" dirty="0" err="1"/>
               <a:t>CVEProject</a:t>
             </a:r>
             <a:r>
-              <a:rPr lang="en-US" dirty="0"/>
+              <a:rPr lang="en-US" sz="2600" dirty="0"/>
               <a:t>/</a:t>
             </a:r>
             <a:r>
-              <a:rPr lang="en-US" dirty="0" err="1"/>
+              <a:rPr lang="en-US" sz="2600" dirty="0" err="1"/>
               <a:t>cvelist</a:t>
             </a:r>
-            <a:endParaRPr lang="en-US" dirty="0"/>
-          </a:p>
-          <a:p>
-            <a:pPr lvl="3"/>
-            <a:r>
-              <a:rPr lang="en-US" dirty="0"/>
+            <a:endParaRPr lang="en-US" sz="2600" dirty="0"/>
+          </a:p>
+          <a:p>
+            <a:pPr lvl="3">
+              <a:buFont typeface="Wingdings" panose="05000000000000000000" pitchFamily="2" charset="2"/>
+              <a:buChar char="§"/>
+            </a:pPr>
+            <a:r>
+              <a:rPr lang="en-US" sz="2600" dirty="0"/>
               <a:t>base is the branch in the upstream repo in which the changes should be placed – master</a:t>
             </a:r>
           </a:p>
           <a:p>
-            <a:pPr lvl="3"/>
-            <a:r>
-              <a:rPr lang="en-US" dirty="0"/>
+            <a:pPr lvl="3">
+              <a:buFont typeface="Wingdings" panose="05000000000000000000" pitchFamily="2" charset="2"/>
+              <a:buChar char="§"/>
+            </a:pPr>
+            <a:r>
+              <a:rPr lang="en-US" sz="2600" dirty="0"/>
               <a:t>head fork is your repo from which the updates should be taken; e.g., /$YOUR_FORK /</a:t>
             </a:r>
             <a:r>
-              <a:rPr lang="en-US" dirty="0" err="1"/>
+              <a:rPr lang="en-US" sz="2600" dirty="0" err="1"/>
               <a:t>cvelist</a:t>
             </a:r>
-            <a:endParaRPr lang="en-US" dirty="0"/>
-          </a:p>
-          <a:p>
-            <a:pPr lvl="3"/>
-            <a:r>
-              <a:rPr lang="en-US" dirty="0"/>
+            <a:endParaRPr lang="en-US" sz="2600" dirty="0"/>
+          </a:p>
+          <a:p>
+            <a:pPr lvl="3">
+              <a:buFont typeface="Wingdings" panose="05000000000000000000" pitchFamily="2" charset="2"/>
+              <a:buChar char="§"/>
+            </a:pPr>
+            <a:r>
+              <a:rPr lang="en-US" sz="2600" dirty="0"/>
               <a:t>compare is the branch in your repo where the changes are; e.g., $YOUR_BRANCH</a:t>
             </a:r>
           </a:p>
@@ -9971,16 +14656,21 @@
               <a:spcBef>
                 <a:spcPts val="600"/>
               </a:spcBef>
-            </a:pPr>
-            <a:r>
-              <a:rPr lang="en-US" dirty="0"/>
+              <a:buFont typeface="Wingdings" panose="05000000000000000000" pitchFamily="2" charset="2"/>
+              <a:buChar char="§"/>
+            </a:pPr>
+            <a:r>
+              <a:rPr lang="en-US" sz="2600" dirty="0"/>
               <a:t>Make sure that GitHub reports that the branches can be merged</a:t>
             </a:r>
           </a:p>
           <a:p>
-            <a:pPr lvl="2"/>
-            <a:r>
-              <a:rPr lang="en-US" dirty="0"/>
+            <a:pPr lvl="2">
+              <a:buFont typeface="Wingdings" panose="05000000000000000000" pitchFamily="2" charset="2"/>
+              <a:buChar char="§"/>
+            </a:pPr>
+            <a:r>
+              <a:rPr lang="en-US" sz="2600" dirty="0"/>
               <a:t>Resolve any conflicts before you merge</a:t>
             </a:r>
           </a:p>
@@ -10136,6 +14826,10 @@
           </a:bodyPr>
           <a:lstStyle/>
           <a:p>
+            <a:pPr>
+              <a:buFont typeface="Wingdings" panose="05000000000000000000" pitchFamily="2" charset="2"/>
+              <a:buChar char="§"/>
+            </a:pPr>
             <a:r>
               <a:rPr lang="en-US" dirty="0"/>
               <a:t>Only submit information to the Program Root CNA </a:t>
@@ -10150,18 +14844,30 @@
             </a:r>
           </a:p>
           <a:p>
+            <a:pPr>
+              <a:buFont typeface="Wingdings" panose="05000000000000000000" pitchFamily="2" charset="2"/>
+              <a:buChar char="§"/>
+            </a:pPr>
             <a:r>
               <a:rPr lang="en-US" dirty="0"/>
               <a:t>Understand that this is only a pilot - it could be changed significantly or even halted</a:t>
             </a:r>
           </a:p>
           <a:p>
+            <a:pPr>
+              <a:buFont typeface="Wingdings" panose="05000000000000000000" pitchFamily="2" charset="2"/>
+              <a:buChar char="§"/>
+            </a:pPr>
             <a:r>
               <a:rPr lang="en-US" dirty="0"/>
               <a:t>Submissions should be made subject to the CVE Submissions License Terms of Use</a:t>
             </a:r>
           </a:p>
           <a:p>
+            <a:pPr>
+              <a:buFont typeface="Wingdings" panose="05000000000000000000" pitchFamily="2" charset="2"/>
+              <a:buChar char="§"/>
+            </a:pPr>
             <a:r>
               <a:rPr lang="en-US" dirty="0"/>
               <a:t>It is strongly recommended that submissions use signed commits. Please note that some hierarchies may require all submissions to be signed</a:t>
@@ -10318,34 +15024,50 @@
           </a:bodyPr>
           <a:lstStyle/>
           <a:p>
+            <a:pPr>
+              <a:buFont typeface="Wingdings" panose="05000000000000000000" pitchFamily="2" charset="2"/>
+              <a:buChar char="§"/>
+            </a:pPr>
             <a:r>
               <a:rPr lang="en-US" sz="2400" dirty="0"/>
               <a:t>Review</a:t>
             </a:r>
           </a:p>
           <a:p>
-            <a:pPr lvl="1"/>
+            <a:pPr lvl="1">
+              <a:buFont typeface="Wingdings" panose="05000000000000000000" pitchFamily="2" charset="2"/>
+              <a:buChar char="§"/>
+            </a:pPr>
             <a:r>
               <a:rPr lang="en-US" sz="2400" dirty="0"/>
               <a:t>Is the assignment data for IDs assigned to the CNA?</a:t>
             </a:r>
           </a:p>
           <a:p>
-            <a:pPr lvl="1"/>
+            <a:pPr lvl="1">
+              <a:buFont typeface="Wingdings" panose="05000000000000000000" pitchFamily="2" charset="2"/>
+              <a:buChar char="§"/>
+            </a:pPr>
             <a:r>
               <a:rPr lang="en-US" sz="2400" dirty="0"/>
               <a:t>Do the IDs exist in the CVE List as “RESERVED”?</a:t>
             </a:r>
           </a:p>
           <a:p>
-            <a:pPr lvl="1"/>
+            <a:pPr lvl="1">
+              <a:buFont typeface="Wingdings" panose="05000000000000000000" pitchFamily="2" charset="2"/>
+              <a:buChar char="§"/>
+            </a:pPr>
             <a:r>
               <a:rPr lang="en-US" sz="2400" dirty="0"/>
               <a:t>Do the references exist and are they public?</a:t>
             </a:r>
           </a:p>
           <a:p>
-            <a:pPr lvl="1"/>
+            <a:pPr lvl="1">
+              <a:buFont typeface="Wingdings" panose="05000000000000000000" pitchFamily="2" charset="2"/>
+              <a:buChar char="§"/>
+            </a:pPr>
             <a:r>
               <a:rPr lang="en-US" sz="2400" dirty="0"/>
               <a:t>Does the assignment data agree with the associated references?</a:t>
@@ -10356,6 +15078,8 @@
               <a:spcBef>
                 <a:spcPts val="1200"/>
               </a:spcBef>
+              <a:buFont typeface="Wingdings" panose="05000000000000000000" pitchFamily="2" charset="2"/>
+              <a:buChar char="§"/>
             </a:pPr>
             <a:r>
               <a:rPr lang="en-US" sz="2400" dirty="0"/>
@@ -10363,14 +15087,20 @@
             </a:r>
           </a:p>
           <a:p>
-            <a:pPr lvl="1"/>
+            <a:pPr lvl="1">
+              <a:buFont typeface="Wingdings" panose="05000000000000000000" pitchFamily="2" charset="2"/>
+              <a:buChar char="§"/>
+            </a:pPr>
             <a:r>
               <a:rPr lang="en-US" sz="2400" dirty="0"/>
               <a:t>Resolve with CNA any issues uncovered during review</a:t>
             </a:r>
           </a:p>
           <a:p>
-            <a:pPr lvl="1"/>
+            <a:pPr lvl="1">
+              <a:buFont typeface="Wingdings" panose="05000000000000000000" pitchFamily="2" charset="2"/>
+              <a:buChar char="§"/>
+            </a:pPr>
             <a:r>
               <a:rPr lang="en-US" sz="2400" dirty="0"/>
               <a:t>Incorporate assignment data into the </a:t>
@@ -10385,7 +15115,10 @@
             </a:r>
           </a:p>
           <a:p>
-            <a:pPr lvl="1"/>
+            <a:pPr lvl="1">
+              <a:buFont typeface="Wingdings" panose="05000000000000000000" pitchFamily="2" charset="2"/>
+              <a:buChar char="§"/>
+            </a:pPr>
             <a:r>
               <a:rPr lang="en-US" sz="2400" dirty="0"/>
               <a:t>Populate associated entries in the master CVE List</a:t>
@@ -10396,6 +15129,8 @@
               <a:spcBef>
                 <a:spcPts val="1200"/>
               </a:spcBef>
+              <a:buFont typeface="Wingdings" panose="05000000000000000000" pitchFamily="2" charset="2"/>
+              <a:buChar char="§"/>
             </a:pPr>
             <a:r>
               <a:rPr lang="en-US" sz="2400" dirty="0"/>
@@ -10403,24 +15138,33 @@
             </a:r>
           </a:p>
           <a:p>
-            <a:pPr lvl="1"/>
+            <a:pPr lvl="1">
+              <a:buFont typeface="Wingdings" panose="05000000000000000000" pitchFamily="2" charset="2"/>
+              <a:buChar char="§"/>
+            </a:pPr>
             <a:r>
               <a:rPr lang="en-US" sz="2400" dirty="0"/>
               <a:t>Announce “new” CVE Entries</a:t>
             </a:r>
           </a:p>
           <a:p>
-            <a:pPr lvl="1"/>
+            <a:pPr lvl="1">
+              <a:buFont typeface="Wingdings" panose="05000000000000000000" pitchFamily="2" charset="2"/>
+              <a:buChar char="§"/>
+            </a:pPr>
             <a:r>
               <a:rPr lang="en-US" sz="2400" dirty="0"/>
               <a:t>Publish master CVE List on cve.mitre.org</a:t>
             </a:r>
           </a:p>
           <a:p>
-            <a:pPr lvl="2"/>
+            <a:pPr lvl="2">
+              <a:buFont typeface="Wingdings" panose="05000000000000000000" pitchFamily="2" charset="2"/>
+              <a:buChar char="§"/>
+            </a:pPr>
             <a:r>
               <a:rPr lang="en-US" sz="2400" dirty="0">
-                <a:hlinkClick r:id="rId2"/>
+                <a:hlinkClick r:id="rId3"/>
               </a:rPr>
               <a:t>https://cve.mitre.org/data/downloads/index.html</a:t>
             </a:r>
@@ -10504,6 +15248,10 @@
           </a:bodyPr>
           <a:lstStyle/>
           <a:p>
+            <a:pPr>
+              <a:buFont typeface="Wingdings" panose="05000000000000000000" pitchFamily="2" charset="2"/>
+              <a:buChar char="§"/>
+            </a:pPr>
             <a:r>
               <a:rPr lang="en-US" dirty="0" err="1"/>
               <a:t>CVEProject</a:t>
@@ -10514,7 +15262,7 @@
             </a:r>
             <a:r>
               <a:rPr lang="en-US" dirty="0">
-                <a:hlinkClick r:id="rId2"/>
+                <a:hlinkClick r:id="rId3"/>
               </a:rPr>
               <a:t>https://github.com/CVEProject</a:t>
             </a:r>
@@ -10524,8 +15272,9 @@
             </a:r>
           </a:p>
           <a:p>
-            <a:pPr marL="284163" lvl="1" indent="0">
-              <a:buNone/>
+            <a:pPr marL="627063" lvl="1" indent="-342900">
+              <a:buFont typeface="Wingdings" panose="05000000000000000000" pitchFamily="2" charset="2"/>
+              <a:buChar char="§"/>
             </a:pPr>
             <a:r>
               <a:rPr lang="en-US" dirty="0"/>
@@ -10534,12 +15283,12 @@
           </a:p>
           <a:p>
             <a:pPr lvl="2">
-              <a:buFont typeface="Arial" panose="020B0604020202020204" pitchFamily="34" charset="0"/>
-              <a:buChar char="•"/>
+              <a:buFont typeface="Wingdings" panose="05000000000000000000" pitchFamily="2" charset="2"/>
+              <a:buChar char="§"/>
             </a:pPr>
             <a:r>
               <a:rPr lang="en-US" dirty="0">
-                <a:hlinkClick r:id="rId3" tooltip="cmdlinejsonvalidator.py"/>
+                <a:hlinkClick r:id="rId4" tooltip="cmdlinejsonvalidator.py"/>
               </a:rPr>
               <a:t>cmdlinejsonvalidator.py</a:t>
             </a:r>
@@ -10549,7 +15298,10 @@
             </a:r>
           </a:p>
           <a:p>
-            <a:pPr lvl="1"/>
+            <a:pPr lvl="1">
+              <a:buFont typeface="Wingdings" panose="05000000000000000000" pitchFamily="2" charset="2"/>
+              <a:buChar char="§"/>
+            </a:pPr>
             <a:r>
               <a:rPr lang="en-US" dirty="0"/>
               <a:t>automation-working-group/tree/master/</a:t>
@@ -10564,10 +15316,13 @@
             </a:r>
           </a:p>
           <a:p>
-            <a:pPr lvl="2"/>
+            <a:pPr lvl="2">
+              <a:buFont typeface="Wingdings" panose="05000000000000000000" pitchFamily="2" charset="2"/>
+              <a:buChar char="§"/>
+            </a:pPr>
             <a:r>
               <a:rPr lang="en-US" dirty="0">
-                <a:hlinkClick r:id="rId4" tooltip="CVE_JSON_4.0_min.schema"/>
+                <a:hlinkClick r:id="rId5" tooltip="CVE_JSON_4.0_min.schema"/>
               </a:rPr>
               <a:t>CVE_JSON_4.0_min.schema</a:t>
             </a:r>
@@ -10577,10 +15332,13 @@
             </a:r>
           </a:p>
           <a:p>
-            <a:pPr lvl="2"/>
+            <a:pPr lvl="2">
+              <a:buFont typeface="Wingdings" panose="05000000000000000000" pitchFamily="2" charset="2"/>
+              <a:buChar char="§"/>
+            </a:pPr>
             <a:r>
               <a:rPr lang="en-US" dirty="0">
-                <a:hlinkClick r:id="rId5" tooltip="DRAFT-JSON-file-format-v4.md"/>
+                <a:hlinkClick r:id="rId6" tooltip="DRAFT-JSON-file-format-v4.md"/>
               </a:rPr>
               <a:t>DRAFT-JSON-file-format-v4.md</a:t>
             </a:r>
@@ -10590,6 +15348,10 @@
             </a:r>
           </a:p>
           <a:p>
+            <a:pPr>
+              <a:buFont typeface="Wingdings" panose="05000000000000000000" pitchFamily="2" charset="2"/>
+              <a:buChar char="§"/>
+            </a:pPr>
             <a:r>
               <a:rPr lang="en-US" dirty="0" err="1"/>
               <a:t>Vulnogram</a:t>
@@ -10600,43 +15362,56 @@
             </a:r>
           </a:p>
           <a:p>
-            <a:pPr lvl="1"/>
-            <a:r>
-              <a:rPr lang="en-US" dirty="0">
-                <a:hlinkClick r:id="rId6"/>
-              </a:rPr>
-              <a:t>https://github.com/Vulnogram/Vulnogram</a:t>
-            </a:r>
-            <a:endParaRPr lang="en-US" dirty="0"/>
-          </a:p>
-          <a:p>
-            <a:pPr lvl="1"/>
+            <a:pPr lvl="1">
+              <a:buFont typeface="Wingdings" panose="05000000000000000000" pitchFamily="2" charset="2"/>
+              <a:buChar char="§"/>
+            </a:pPr>
             <a:r>
               <a:rPr lang="en-US" dirty="0">
                 <a:hlinkClick r:id="rId7"/>
               </a:rPr>
-              <a:t>https://vulnogram.github.io/</a:t>
-            </a:r>
-            <a:r>
-              <a:rPr lang="en-US" dirty="0"/>
-              <a:t> </a:t>
-            </a:r>
-          </a:p>
-          <a:p>
-            <a:pPr lvl="1"/>
-            <a:r>
-              <a:rPr lang="en-US" dirty="0"/>
-              <a:t>Created by Chandan Nandakumaraiah</a:t>
-            </a:r>
-          </a:p>
-          <a:p>
-            <a:r>
-              <a:rPr lang="en-US" dirty="0"/>
-              <a:t>CVE Request Form (</a:t>
-            </a:r>
+              <a:t>https://github.com/Vulnogram/Vulnogram</a:t>
+            </a:r>
+            <a:endParaRPr lang="en-US" dirty="0"/>
+          </a:p>
+          <a:p>
+            <a:pPr lvl="1">
+              <a:buFont typeface="Wingdings" panose="05000000000000000000" pitchFamily="2" charset="2"/>
+              <a:buChar char="§"/>
+            </a:pPr>
             <a:r>
               <a:rPr lang="en-US" dirty="0">
                 <a:hlinkClick r:id="rId8"/>
+              </a:rPr>
+              <a:t>https://vulnogram.github.io/</a:t>
+            </a:r>
+            <a:r>
+              <a:rPr lang="en-US" dirty="0"/>
+              <a:t> </a:t>
+            </a:r>
+          </a:p>
+          <a:p>
+            <a:pPr lvl="1">
+              <a:buFont typeface="Wingdings" panose="05000000000000000000" pitchFamily="2" charset="2"/>
+              <a:buChar char="§"/>
+            </a:pPr>
+            <a:r>
+              <a:rPr lang="en-US" dirty="0"/>
+              <a:t>Created by Chandan Nandakumaraiah</a:t>
+            </a:r>
+          </a:p>
+          <a:p>
+            <a:pPr>
+              <a:buFont typeface="Wingdings" panose="05000000000000000000" pitchFamily="2" charset="2"/>
+              <a:buChar char="§"/>
+            </a:pPr>
+            <a:r>
+              <a:rPr lang="en-US" dirty="0"/>
+              <a:t>CVE Request Form (</a:t>
+            </a:r>
+            <a:r>
+              <a:rPr lang="en-US" dirty="0">
+                <a:hlinkClick r:id="rId9"/>
               </a:rPr>
               <a:t>https://cveform.mitre.org/</a:t>
             </a:r>
@@ -10841,7 +15616,7 @@
           </p:nvPr>
         </p:nvPicPr>
         <p:blipFill rotWithShape="1">
-          <a:blip r:embed="rId2"/>
+          <a:blip r:embed="rId3"/>
           <a:srcRect t="9739"/>
           <a:stretch/>
         </p:blipFill>
@@ -10999,7 +15774,7 @@
           </p:nvPr>
         </p:nvPicPr>
         <p:blipFill rotWithShape="1">
-          <a:blip r:embed="rId2"/>
+          <a:blip r:embed="rId3"/>
           <a:srcRect t="9534" r="56936" b="45689"/>
           <a:stretch/>
         </p:blipFill>
@@ -11310,12 +16085,20 @@
           <a:bodyPr/>
           <a:lstStyle/>
           <a:p>
+            <a:pPr>
+              <a:buFont typeface="Wingdings" panose="05000000000000000000" pitchFamily="2" charset="2"/>
+              <a:buChar char="§"/>
+            </a:pPr>
             <a:r>
               <a:rPr lang="en-US" dirty="0"/>
               <a:t>Root CNA</a:t>
             </a:r>
           </a:p>
           <a:p>
+            <a:pPr>
+              <a:buFont typeface="Wingdings" panose="05000000000000000000" pitchFamily="2" charset="2"/>
+              <a:buChar char="§"/>
+            </a:pPr>
             <a:r>
               <a:rPr lang="en-US" dirty="0"/>
               <a:t>CVE Program Root CNA</a:t>
@@ -11409,7 +16192,7 @@
           </p:nvPr>
         </p:nvPicPr>
         <p:blipFill rotWithShape="1">
-          <a:blip r:embed="rId2"/>
+          <a:blip r:embed="rId3"/>
           <a:srcRect t="11588"/>
           <a:stretch/>
         </p:blipFill>
@@ -11637,7 +16420,7 @@
           </p:nvPr>
         </p:nvPicPr>
         <p:blipFill rotWithShape="1">
-          <a:blip r:embed="rId2"/>
+          <a:blip r:embed="rId3"/>
           <a:srcRect l="2067" t="31512" r="34338" b="16316"/>
           <a:stretch/>
         </p:blipFill>
@@ -11902,7 +16685,7 @@
           </p:nvPr>
         </p:nvPicPr>
         <p:blipFill rotWithShape="1">
-          <a:blip r:embed="rId2"/>
+          <a:blip r:embed="rId3"/>
           <a:srcRect l="2932" t="15080" r="2593" b="7484"/>
           <a:stretch/>
         </p:blipFill>
@@ -12246,7 +17029,7 @@
           </p:nvPr>
         </p:nvPicPr>
         <p:blipFill rotWithShape="1">
-          <a:blip r:embed="rId2"/>
+          <a:blip r:embed="rId3"/>
           <a:srcRect l="1573" t="30074" r="53972" b="31927"/>
           <a:stretch/>
         </p:blipFill>
@@ -12474,7 +17257,7 @@
           </p:nvPr>
         </p:nvPicPr>
         <p:blipFill>
-          <a:blip r:embed="rId2"/>
+          <a:blip r:embed="rId3"/>
           <a:stretch>
             <a:fillRect/>
           </a:stretch>
@@ -13035,7 +17818,7 @@
           </p:nvPr>
         </p:nvPicPr>
         <p:blipFill rotWithShape="1">
-          <a:blip r:embed="rId2"/>
+          <a:blip r:embed="rId3"/>
           <a:srcRect l="4089" t="46302" r="911" b="1937"/>
           <a:stretch/>
         </p:blipFill>
@@ -13429,7 +18212,7 @@
           </p:nvPr>
         </p:nvPicPr>
         <p:blipFill rotWithShape="1">
-          <a:blip r:embed="rId2"/>
+          <a:blip r:embed="rId3"/>
           <a:srcRect l="4089" t="24940" r="2170" b="38910"/>
           <a:stretch/>
         </p:blipFill>
@@ -13694,7 +18477,7 @@
           </p:nvPr>
         </p:nvPicPr>
         <p:blipFill rotWithShape="1">
-          <a:blip r:embed="rId2"/>
+          <a:blip r:embed="rId3"/>
           <a:srcRect l="2075" t="10561" r="1777" b="2965"/>
           <a:stretch/>
         </p:blipFill>
@@ -13824,89 +18607,139 @@
             <p:ph idx="1"/>
           </p:nvPr>
         </p:nvSpPr>
-        <p:spPr/>
+        <p:spPr>
+          <a:xfrm>
+            <a:off x="812800" y="1312333"/>
+            <a:ext cx="10972800" cy="4725213"/>
+          </a:xfrm>
+        </p:spPr>
         <p:txBody>
           <a:bodyPr>
-            <a:normAutofit fontScale="70000" lnSpcReduction="20000"/>
+            <a:normAutofit fontScale="77500" lnSpcReduction="20000"/>
           </a:bodyPr>
           <a:lstStyle/>
           <a:p>
+            <a:pPr>
+              <a:buFont typeface="Wingdings" panose="05000000000000000000" pitchFamily="2" charset="2"/>
+              <a:buChar char="§"/>
+            </a:pPr>
             <a:r>
               <a:rPr lang="en-US" dirty="0"/>
               <a:t>CVE ID</a:t>
             </a:r>
           </a:p>
           <a:p>
+            <a:pPr>
+              <a:buFont typeface="Wingdings" panose="05000000000000000000" pitchFamily="2" charset="2"/>
+              <a:buChar char="§"/>
+            </a:pPr>
             <a:r>
               <a:rPr lang="en-US" dirty="0"/>
               <a:t>Products</a:t>
             </a:r>
           </a:p>
           <a:p>
+            <a:pPr>
+              <a:buFont typeface="Wingdings" panose="05000000000000000000" pitchFamily="2" charset="2"/>
+              <a:buChar char="§"/>
+            </a:pPr>
             <a:r>
               <a:rPr lang="en-US" dirty="0"/>
               <a:t>Versions</a:t>
             </a:r>
           </a:p>
           <a:p>
+            <a:pPr>
+              <a:buFont typeface="Wingdings" panose="05000000000000000000" pitchFamily="2" charset="2"/>
+              <a:buChar char="§"/>
+            </a:pPr>
             <a:r>
               <a:rPr lang="en-US" dirty="0"/>
               <a:t>Problem Type (Vulnerability Type or Impact)</a:t>
             </a:r>
           </a:p>
           <a:p>
+            <a:pPr>
+              <a:buFont typeface="Wingdings" panose="05000000000000000000" pitchFamily="2" charset="2"/>
+              <a:buChar char="§"/>
+            </a:pPr>
             <a:r>
               <a:rPr lang="en-US" dirty="0"/>
               <a:t>References</a:t>
             </a:r>
           </a:p>
           <a:p>
+            <a:pPr>
+              <a:buFont typeface="Wingdings" panose="05000000000000000000" pitchFamily="2" charset="2"/>
+              <a:buChar char="§"/>
+            </a:pPr>
             <a:r>
               <a:rPr lang="en-US" dirty="0"/>
               <a:t>Description</a:t>
             </a:r>
           </a:p>
           <a:p>
-            <a:pPr lvl="1"/>
+            <a:pPr lvl="1">
+              <a:buFont typeface="Wingdings" panose="05000000000000000000" pitchFamily="2" charset="2"/>
+              <a:buChar char="§"/>
+            </a:pPr>
             <a:r>
               <a:rPr lang="en-US" dirty="0"/>
               <a:t>This should include product/version information as well as the problem type as it will be used to populate the entry in the CVE List</a:t>
             </a:r>
           </a:p>
           <a:p>
+            <a:pPr>
+              <a:buFont typeface="Wingdings" panose="05000000000000000000" pitchFamily="2" charset="2"/>
+              <a:buChar char="§"/>
+            </a:pPr>
             <a:r>
               <a:rPr lang="en-US" dirty="0"/>
               <a:t>Assigning CNA</a:t>
             </a:r>
           </a:p>
           <a:p>
-            <a:pPr marL="287338" lvl="1" indent="0">
-              <a:buNone/>
+            <a:pPr marL="630238" lvl="1" indent="-342900">
+              <a:buFont typeface="Wingdings" panose="05000000000000000000" pitchFamily="2" charset="2"/>
+              <a:buChar char="§"/>
             </a:pPr>
             <a:endParaRPr lang="en-US" dirty="0"/>
           </a:p>
           <a:p>
+            <a:pPr>
+              <a:buFont typeface="Wingdings" panose="05000000000000000000" pitchFamily="2" charset="2"/>
+              <a:buChar char="§"/>
+            </a:pPr>
             <a:r>
               <a:rPr lang="en-US" dirty="0"/>
               <a:t>Cautions</a:t>
             </a:r>
           </a:p>
           <a:p>
-            <a:pPr lvl="1"/>
+            <a:pPr lvl="1">
+              <a:buFont typeface="Wingdings" panose="05000000000000000000" pitchFamily="2" charset="2"/>
+              <a:buChar char="§"/>
+            </a:pPr>
             <a:r>
               <a:rPr lang="en-US" dirty="0"/>
               <a:t>ASCII Only – no UTF or Unicode</a:t>
             </a:r>
           </a:p>
           <a:p>
-            <a:pPr lvl="1"/>
+            <a:pPr lvl="1">
+              <a:buFont typeface="Wingdings" panose="05000000000000000000" pitchFamily="2" charset="2"/>
+              <a:buChar char="§"/>
+            </a:pPr>
             <a:r>
               <a:rPr lang="en-US" dirty="0"/>
               <a:t>Plain text only – no HTML or proprietary document formats</a:t>
             </a:r>
           </a:p>
           <a:p>
-            <a:pPr lvl="1"/>
+            <a:pPr lvl="1">
+              <a:buFont typeface="Wingdings" panose="05000000000000000000" pitchFamily="2" charset="2"/>
+              <a:buChar char="§"/>
+            </a:pPr>
             <a:r>
               <a:rPr lang="en-US" dirty="0"/>
               <a:t>Avoid MS-DOS style line endings (CR/LF)</a:t>
@@ -14101,18 +18934,30 @@
           <a:bodyPr/>
           <a:lstStyle/>
           <a:p>
+            <a:pPr>
+              <a:buFont typeface="Wingdings" panose="05000000000000000000" pitchFamily="2" charset="2"/>
+              <a:buChar char="§"/>
+            </a:pPr>
             <a:r>
               <a:rPr lang="en-US" dirty="0"/>
               <a:t>Flat File</a:t>
             </a:r>
           </a:p>
           <a:p>
+            <a:pPr>
+              <a:buFont typeface="Wingdings" panose="05000000000000000000" pitchFamily="2" charset="2"/>
+              <a:buChar char="§"/>
+            </a:pPr>
             <a:r>
               <a:rPr lang="en-US" dirty="0"/>
               <a:t>Comma-Separated Values (CSV)</a:t>
             </a:r>
           </a:p>
           <a:p>
+            <a:pPr>
+              <a:buFont typeface="Wingdings" panose="05000000000000000000" pitchFamily="2" charset="2"/>
+              <a:buChar char="§"/>
+            </a:pPr>
             <a:r>
               <a:rPr lang="en-US" dirty="0"/>
               <a:t>CVE JSON</a:t>
@@ -14238,10 +19083,9 @@
               <a:buNone/>
             </a:pPr>
             <a:r>
-              <a:rPr lang="en-US"/>
+              <a:rPr lang="en-US" dirty="0"/>
               <a:t>[DESCRIPTION]:</a:t>
             </a:r>
-            <a:endParaRPr lang="en-US" dirty="0"/>
           </a:p>
           <a:p>
             <a:pPr marL="0" indent="0">
@@ -14259,27 +19103,43 @@
             <a:endParaRPr lang="en-US" dirty="0"/>
           </a:p>
           <a:p>
+            <a:pPr>
+              <a:buFont typeface="Wingdings" panose="05000000000000000000" pitchFamily="2" charset="2"/>
+              <a:buChar char="§"/>
+            </a:pPr>
             <a:r>
               <a:rPr lang="en-US" dirty="0"/>
               <a:t>On CVE ID per [CVEID] field</a:t>
             </a:r>
           </a:p>
           <a:p>
+            <a:pPr>
+              <a:buFont typeface="Wingdings" panose="05000000000000000000" pitchFamily="2" charset="2"/>
+              <a:buChar char="§"/>
+            </a:pPr>
             <a:r>
               <a:rPr lang="en-US" dirty="0"/>
               <a:t>Field order should be maintained</a:t>
             </a:r>
           </a:p>
           <a:p>
+            <a:pPr>
+              <a:buFont typeface="Wingdings" panose="05000000000000000000" pitchFamily="2" charset="2"/>
+              <a:buChar char="§"/>
+            </a:pPr>
             <a:r>
               <a:rPr lang="en-US" dirty="0"/>
               <a:t>A single field should not span multiple lines</a:t>
             </a:r>
           </a:p>
           <a:p>
+            <a:pPr>
+              <a:buFont typeface="Wingdings" panose="05000000000000000000" pitchFamily="2" charset="2"/>
+              <a:buChar char="§"/>
+            </a:pPr>
             <a:r>
               <a:rPr lang="en-US" dirty="0">
-                <a:hlinkClick r:id="rId2"/>
+                <a:hlinkClick r:id="rId3"/>
               </a:rPr>
               <a:t>https://cve.mitre.org/cve/list_rules_and_guidance/cve_assignment_information_format.html#format</a:t>
             </a:r>
@@ -14359,38 +19219,56 @@
           </a:bodyPr>
           <a:lstStyle/>
           <a:p>
+            <a:pPr>
+              <a:buFont typeface="Wingdings" panose="05000000000000000000" pitchFamily="2" charset="2"/>
+              <a:buChar char="§"/>
+            </a:pPr>
             <a:r>
               <a:rPr lang="en-US" dirty="0"/>
               <a:t>Multiple CVE Entries</a:t>
             </a:r>
           </a:p>
           <a:p>
-            <a:pPr lvl="1"/>
+            <a:pPr lvl="1">
+              <a:buFont typeface="Arial" panose="020B0604020202020204" pitchFamily="34" charset="0"/>
+              <a:buChar char="–"/>
+            </a:pPr>
             <a:r>
               <a:rPr lang="en-US" dirty="0"/>
               <a:t>Concatenate entries, optionally separated by a blank line</a:t>
             </a:r>
           </a:p>
           <a:p>
-            <a:pPr lvl="1"/>
+            <a:pPr lvl="1">
+              <a:buFont typeface="Wingdings" panose="05000000000000000000" pitchFamily="2" charset="2"/>
+              <a:buChar char="§"/>
+            </a:pPr>
             <a:endParaRPr lang="en-US" dirty="0"/>
           </a:p>
           <a:p>
+            <a:pPr>
+              <a:buFont typeface="Wingdings" panose="05000000000000000000" pitchFamily="2" charset="2"/>
+              <a:buChar char="§"/>
+            </a:pPr>
             <a:r>
               <a:rPr lang="en-US" dirty="0"/>
               <a:t>Multiple Products/Versions</a:t>
             </a:r>
           </a:p>
           <a:p>
-            <a:pPr lvl="1"/>
+            <a:pPr lvl="1">
+              <a:buFont typeface="Arial" panose="020B0604020202020204" pitchFamily="34" charset="0"/>
+              <a:buChar char="–"/>
+            </a:pPr>
             <a:r>
               <a:rPr lang="en-US" dirty="0"/>
               <a:t>Separate products, and correspondingly versions, by a semicolon followed by a space and, to separate multiple versions for a given product by a comma followed by a space; e.g., </a:t>
             </a:r>
           </a:p>
           <a:p>
-            <a:pPr marL="798513" lvl="3" indent="0">
-              <a:buNone/>
+            <a:pPr marL="1084263" lvl="3" indent="-285750">
+              <a:buFont typeface="Wingdings" panose="05000000000000000000" pitchFamily="2" charset="2"/>
+              <a:buChar char="§"/>
             </a:pPr>
             <a:r>
               <a:rPr lang="en-US" sz="1600" dirty="0">
@@ -14435,8 +19313,9 @@
             </a:r>
           </a:p>
           <a:p>
-            <a:pPr marL="798513" lvl="3" indent="0">
-              <a:buNone/>
+            <a:pPr marL="1084263" lvl="3" indent="-285750">
+              <a:buFont typeface="Wingdings" panose="05000000000000000000" pitchFamily="2" charset="2"/>
+              <a:buChar char="§"/>
             </a:pPr>
             <a:r>
               <a:rPr lang="en-US" sz="1600" dirty="0">
@@ -14481,8 +19360,9 @@
             </a:r>
           </a:p>
           <a:p>
-            <a:pPr marL="798513" lvl="3" indent="0">
-              <a:buNone/>
+            <a:pPr marL="1084263" lvl="3" indent="-285750">
+              <a:buFont typeface="Wingdings" panose="05000000000000000000" pitchFamily="2" charset="2"/>
+              <a:buChar char="§"/>
             </a:pPr>
             <a:r>
               <a:rPr lang="en-US" sz="1600" dirty="0">
@@ -14527,19 +19407,27 @@
             </a:r>
           </a:p>
           <a:p>
-            <a:pPr marL="287338" lvl="1" indent="0">
-              <a:buNone/>
+            <a:pPr marL="630238" lvl="1" indent="-342900">
+              <a:buFont typeface="Wingdings" panose="05000000000000000000" pitchFamily="2" charset="2"/>
+              <a:buChar char="§"/>
             </a:pPr>
             <a:endParaRPr lang="en-US" dirty="0"/>
           </a:p>
           <a:p>
+            <a:pPr>
+              <a:buFont typeface="Wingdings" panose="05000000000000000000" pitchFamily="2" charset="2"/>
+              <a:buChar char="§"/>
+            </a:pPr>
             <a:r>
               <a:rPr lang="en-US" dirty="0"/>
               <a:t>Multiple References</a:t>
             </a:r>
           </a:p>
           <a:p>
-            <a:pPr lvl="1"/>
+            <a:pPr lvl="1">
+              <a:buFont typeface="Arial" panose="020B0604020202020204" pitchFamily="34" charset="0"/>
+              <a:buChar char="–"/>
+            </a:pPr>
             <a:r>
               <a:rPr lang="en-US" dirty="0"/>
               <a:t>Separate references by a space; e.g.,</a:t>
@@ -14550,8 +19438,9 @@
             </a:endParaRPr>
           </a:p>
           <a:p>
-            <a:pPr marL="798513" lvl="3" indent="0">
-              <a:buNone/>
+            <a:pPr marL="1084263" lvl="3" indent="-285750">
+              <a:buFont typeface="Wingdings" panose="05000000000000000000" pitchFamily="2" charset="2"/>
+              <a:buChar char="§"/>
             </a:pPr>
             <a:r>
               <a:rPr lang="en-US" sz="1600" dirty="0">
@@ -15466,18 +20355,18 @@
 </file>
 
 <file path=customXml/item1.xml><?xml version="1.0" encoding="utf-8"?>
-<p:properties xmlns:p="http://schemas.microsoft.com/office/2006/metadata/properties" xmlns:xsi="http://www.w3.org/2001/XMLSchema-instance" xmlns:pc="http://schemas.microsoft.com/office/infopath/2007/PartnerControls">
-  <documentManagement/>
-</p:properties>
-</file>
-
-<file path=customXml/item2.xml><?xml version="1.0" encoding="utf-8"?>
 <?mso-contentType ?>
 <FormTemplates xmlns="http://schemas.microsoft.com/sharepoint/v3/contenttype/forms">
   <Display>DocumentLibraryForm</Display>
   <Edit>DocumentLibraryForm</Edit>
   <New>DocumentLibraryForm</New>
 </FormTemplates>
+</file>
+
+<file path=customXml/item2.xml><?xml version="1.0" encoding="utf-8"?>
+<p:properties xmlns:p="http://schemas.microsoft.com/office/2006/metadata/properties" xmlns:xsi="http://www.w3.org/2001/XMLSchema-instance" xmlns:pc="http://schemas.microsoft.com/office/infopath/2007/PartnerControls">
+  <documentManagement/>
+</p:properties>
 </file>
 
 <file path=customXml/item3.xml><?xml version="1.0" encoding="utf-8"?>
@@ -15595,24 +20484,24 @@
 </file>
 
 <file path=customXml/itemProps1.xml><?xml version="1.0" encoding="utf-8"?>
-<ds:datastoreItem xmlns:ds="http://schemas.openxmlformats.org/officeDocument/2006/customXml" ds:itemID="{5450FCDD-08B1-48D8-BB50-7A17E590A5EE}">
+<ds:datastoreItem xmlns:ds="http://schemas.openxmlformats.org/officeDocument/2006/customXml" ds:itemID="{416BA5C9-2D71-4B86-AE8A-8C0D9BC5FB22}">
   <ds:schemaRefs>
-    <ds:schemaRef ds:uri="http://purl.org/dc/terms/"/>
-    <ds:schemaRef ds:uri="http://schemas.microsoft.com/office/infopath/2007/PartnerControls"/>
-    <ds:schemaRef ds:uri="http://purl.org/dc/elements/1.1/"/>
-    <ds:schemaRef ds:uri="http://purl.org/dc/dcmitype/"/>
-    <ds:schemaRef ds:uri="http://www.w3.org/XML/1998/namespace"/>
-    <ds:schemaRef ds:uri="http://schemas.microsoft.com/office/2006/documentManagement/types"/>
-    <ds:schemaRef ds:uri="http://schemas.openxmlformats.org/package/2006/metadata/core-properties"/>
-    <ds:schemaRef ds:uri="http://schemas.microsoft.com/office/2006/metadata/properties"/>
+    <ds:schemaRef ds:uri="http://schemas.microsoft.com/sharepoint/v3/contenttype/forms"/>
   </ds:schemaRefs>
 </ds:datastoreItem>
 </file>
 
 <file path=customXml/itemProps2.xml><?xml version="1.0" encoding="utf-8"?>
-<ds:datastoreItem xmlns:ds="http://schemas.openxmlformats.org/officeDocument/2006/customXml" ds:itemID="{416BA5C9-2D71-4B86-AE8A-8C0D9BC5FB22}">
+<ds:datastoreItem xmlns:ds="http://schemas.openxmlformats.org/officeDocument/2006/customXml" ds:itemID="{5450FCDD-08B1-48D8-BB50-7A17E590A5EE}">
   <ds:schemaRefs>
-    <ds:schemaRef ds:uri="http://schemas.microsoft.com/sharepoint/v3/contenttype/forms"/>
+    <ds:schemaRef ds:uri="http://schemas.microsoft.com/office/2006/documentManagement/types"/>
+    <ds:schemaRef ds:uri="http://schemas.microsoft.com/office/infopath/2007/PartnerControls"/>
+    <ds:schemaRef ds:uri="http://purl.org/dc/elements/1.1/"/>
+    <ds:schemaRef ds:uri="http://schemas.microsoft.com/office/2006/metadata/properties"/>
+    <ds:schemaRef ds:uri="http://purl.org/dc/terms/"/>
+    <ds:schemaRef ds:uri="http://schemas.openxmlformats.org/package/2006/metadata/core-properties"/>
+    <ds:schemaRef ds:uri="http://www.w3.org/XML/1998/namespace"/>
+    <ds:schemaRef ds:uri="http://purl.org/dc/dcmitype/"/>
   </ds:schemaRefs>
 </ds:datastoreItem>
 </file>

--- a/docs/cna/CVE_Entry_Submission_Process.pptx
+++ b/docs/cna/CVE_Entry_Submission_Process.pptx
@@ -324,7 +324,7 @@
           <a:p>
             <a:fld id="{FD8C879B-2DAC-426D-B5B4-08F42B952A26}" type="datetimeFigureOut">
               <a:rPr lang="en-US" smtClean="0"/>
-              <a:t>10/9/2019</a:t>
+              <a:t>10/10/2019</a:t>
             </a:fld>
             <a:endParaRPr lang="en-US"/>
           </a:p>
@@ -501,7 +501,7 @@
           <a:p>
             <a:fld id="{92E54576-A3BB-48F9-891E-992E86D01A7B}" type="datetimeFigureOut">
               <a:rPr lang="en-US" smtClean="0"/>
-              <a:t>10/9/2019</a:t>
+              <a:t>10/10/2019</a:t>
             </a:fld>
             <a:endParaRPr lang="en-US"/>
           </a:p>
@@ -9379,7 +9379,7 @@
     <p:sldLayoutId id="2147483664" r:id="rId8"/>
     <p:sldLayoutId id="2147483669" r:id="rId9"/>
   </p:sldLayoutIdLst>
-  <p:hf hdr="0" dt="0"/>
+  <p:hf hdr="0" ftr="0" dt="0"/>
   <p:txStyles>
     <p:titleStyle>
       <a:lvl1pPr algn="l" defTabSz="914400" rtl="0" eaLnBrk="1" latinLnBrk="0" hangingPunct="1">
@@ -9968,6 +9968,71 @@
           </a:p>
         </p:txBody>
       </p:sp>
+      <p:sp>
+        <p:nvSpPr>
+          <p:cNvPr id="4" name="Slide Number Placeholder 3">
+            <a:extLst>
+              <a:ext uri="{FF2B5EF4-FFF2-40B4-BE49-F238E27FC236}">
+                <a16:creationId xmlns:a16="http://schemas.microsoft.com/office/drawing/2014/main" id="{7093E5C2-45FF-4D2A-B637-D8A06D4DD900}"/>
+              </a:ext>
+            </a:extLst>
+          </p:cNvPr>
+          <p:cNvSpPr>
+            <a:spLocks noGrp="1"/>
+          </p:cNvSpPr>
+          <p:nvPr>
+            <p:ph type="sldNum" sz="quarter" idx="4"/>
+          </p:nvPr>
+        </p:nvSpPr>
+        <p:spPr/>
+        <p:txBody>
+          <a:bodyPr/>
+          <a:lstStyle/>
+          <a:p>
+            <a:r>
+              <a:rPr lang="en-US">
+                <a:solidFill>
+                  <a:srgbClr val="C1CD23"/>
+                </a:solidFill>
+              </a:rPr>
+              <a:t>|</a:t>
+            </a:r>
+            <a:r>
+              <a:rPr lang="en-US"/>
+              <a:t> </a:t>
+            </a:r>
+            <a:fld id="{295008BC-DA31-4D19-837B-EFA4386B05F5}" type="slidenum">
+              <a:rPr lang="en-US" smtClean="0">
+                <a:solidFill>
+                  <a:schemeClr val="tx1">
+                    <a:lumMod val="50000"/>
+                    <a:lumOff val="50000"/>
+                  </a:schemeClr>
+                </a:solidFill>
+              </a:rPr>
+              <a:pPr/>
+              <a:t>10</a:t>
+            </a:fld>
+            <a:r>
+              <a:rPr lang="en-US"/>
+              <a:t> </a:t>
+            </a:r>
+            <a:r>
+              <a:rPr lang="en-US">
+                <a:solidFill>
+                  <a:srgbClr val="C1CD23"/>
+                </a:solidFill>
+              </a:rPr>
+              <a:t>|</a:t>
+            </a:r>
+            <a:endParaRPr lang="en-US" dirty="0">
+              <a:solidFill>
+                <a:srgbClr val="C1CD23"/>
+              </a:solidFill>
+            </a:endParaRPr>
+          </a:p>
+        </p:txBody>
+      </p:sp>
     </p:spTree>
     <p:extLst>
       <p:ext uri="{BB962C8B-B14F-4D97-AF65-F5344CB8AC3E}">
@@ -10158,6 +10223,71 @@
           </a:p>
         </p:txBody>
       </p:sp>
+      <p:sp>
+        <p:nvSpPr>
+          <p:cNvPr id="4" name="Slide Number Placeholder 3">
+            <a:extLst>
+              <a:ext uri="{FF2B5EF4-FFF2-40B4-BE49-F238E27FC236}">
+                <a16:creationId xmlns:a16="http://schemas.microsoft.com/office/drawing/2014/main" id="{D3AD51D6-7BCF-4114-931D-5787F205E19F}"/>
+              </a:ext>
+            </a:extLst>
+          </p:cNvPr>
+          <p:cNvSpPr>
+            <a:spLocks noGrp="1"/>
+          </p:cNvSpPr>
+          <p:nvPr>
+            <p:ph type="sldNum" sz="quarter" idx="4"/>
+          </p:nvPr>
+        </p:nvSpPr>
+        <p:spPr/>
+        <p:txBody>
+          <a:bodyPr/>
+          <a:lstStyle/>
+          <a:p>
+            <a:r>
+              <a:rPr lang="en-US">
+                <a:solidFill>
+                  <a:srgbClr val="C1CD23"/>
+                </a:solidFill>
+              </a:rPr>
+              <a:t>|</a:t>
+            </a:r>
+            <a:r>
+              <a:rPr lang="en-US"/>
+              <a:t> </a:t>
+            </a:r>
+            <a:fld id="{295008BC-DA31-4D19-837B-EFA4386B05F5}" type="slidenum">
+              <a:rPr lang="en-US" smtClean="0">
+                <a:solidFill>
+                  <a:schemeClr val="tx1">
+                    <a:lumMod val="50000"/>
+                    <a:lumOff val="50000"/>
+                  </a:schemeClr>
+                </a:solidFill>
+              </a:rPr>
+              <a:pPr/>
+              <a:t>11</a:t>
+            </a:fld>
+            <a:r>
+              <a:rPr lang="en-US"/>
+              <a:t> </a:t>
+            </a:r>
+            <a:r>
+              <a:rPr lang="en-US">
+                <a:solidFill>
+                  <a:srgbClr val="C1CD23"/>
+                </a:solidFill>
+              </a:rPr>
+              <a:t>|</a:t>
+            </a:r>
+            <a:endParaRPr lang="en-US" dirty="0">
+              <a:solidFill>
+                <a:srgbClr val="C1CD23"/>
+              </a:solidFill>
+            </a:endParaRPr>
+          </a:p>
+        </p:txBody>
+      </p:sp>
     </p:spTree>
     <p:extLst>
       <p:ext uri="{BB962C8B-B14F-4D97-AF65-F5344CB8AC3E}">
@@ -10416,6 +10546,71 @@
           </a:p>
         </p:txBody>
       </p:sp>
+      <p:sp>
+        <p:nvSpPr>
+          <p:cNvPr id="4" name="Slide Number Placeholder 3">
+            <a:extLst>
+              <a:ext uri="{FF2B5EF4-FFF2-40B4-BE49-F238E27FC236}">
+                <a16:creationId xmlns:a16="http://schemas.microsoft.com/office/drawing/2014/main" id="{F0CAA523-8DCC-476E-876C-6CA49AD32250}"/>
+              </a:ext>
+            </a:extLst>
+          </p:cNvPr>
+          <p:cNvSpPr>
+            <a:spLocks noGrp="1"/>
+          </p:cNvSpPr>
+          <p:nvPr>
+            <p:ph type="sldNum" sz="quarter" idx="4"/>
+          </p:nvPr>
+        </p:nvSpPr>
+        <p:spPr/>
+        <p:txBody>
+          <a:bodyPr/>
+          <a:lstStyle/>
+          <a:p>
+            <a:r>
+              <a:rPr lang="en-US">
+                <a:solidFill>
+                  <a:srgbClr val="C1CD23"/>
+                </a:solidFill>
+              </a:rPr>
+              <a:t>|</a:t>
+            </a:r>
+            <a:r>
+              <a:rPr lang="en-US"/>
+              <a:t> </a:t>
+            </a:r>
+            <a:fld id="{295008BC-DA31-4D19-837B-EFA4386B05F5}" type="slidenum">
+              <a:rPr lang="en-US" smtClean="0">
+                <a:solidFill>
+                  <a:schemeClr val="tx1">
+                    <a:lumMod val="50000"/>
+                    <a:lumOff val="50000"/>
+                  </a:schemeClr>
+                </a:solidFill>
+              </a:rPr>
+              <a:pPr/>
+              <a:t>12</a:t>
+            </a:fld>
+            <a:r>
+              <a:rPr lang="en-US"/>
+              <a:t> </a:t>
+            </a:r>
+            <a:r>
+              <a:rPr lang="en-US">
+                <a:solidFill>
+                  <a:srgbClr val="C1CD23"/>
+                </a:solidFill>
+              </a:rPr>
+              <a:t>|</a:t>
+            </a:r>
+            <a:endParaRPr lang="en-US" dirty="0">
+              <a:solidFill>
+                <a:srgbClr val="C1CD23"/>
+              </a:solidFill>
+            </a:endParaRPr>
+          </a:p>
+        </p:txBody>
+      </p:sp>
     </p:spTree>
     <p:extLst>
       <p:ext uri="{BB962C8B-B14F-4D97-AF65-F5344CB8AC3E}">
@@ -10506,6 +10701,71 @@
           </a:p>
         </p:txBody>
       </p:sp>
+      <p:sp>
+        <p:nvSpPr>
+          <p:cNvPr id="4" name="Slide Number Placeholder 3">
+            <a:extLst>
+              <a:ext uri="{FF2B5EF4-FFF2-40B4-BE49-F238E27FC236}">
+                <a16:creationId xmlns:a16="http://schemas.microsoft.com/office/drawing/2014/main" id="{D08ACD5B-916F-42CD-BC66-4A166E2BDFF2}"/>
+              </a:ext>
+            </a:extLst>
+          </p:cNvPr>
+          <p:cNvSpPr>
+            <a:spLocks noGrp="1"/>
+          </p:cNvSpPr>
+          <p:nvPr>
+            <p:ph type="sldNum" sz="quarter" idx="4"/>
+          </p:nvPr>
+        </p:nvSpPr>
+        <p:spPr/>
+        <p:txBody>
+          <a:bodyPr/>
+          <a:lstStyle/>
+          <a:p>
+            <a:r>
+              <a:rPr lang="en-US">
+                <a:solidFill>
+                  <a:srgbClr val="C1CD23"/>
+                </a:solidFill>
+              </a:rPr>
+              <a:t>|</a:t>
+            </a:r>
+            <a:r>
+              <a:rPr lang="en-US"/>
+              <a:t> </a:t>
+            </a:r>
+            <a:fld id="{295008BC-DA31-4D19-837B-EFA4386B05F5}" type="slidenum">
+              <a:rPr lang="en-US" smtClean="0">
+                <a:solidFill>
+                  <a:schemeClr val="tx1">
+                    <a:lumMod val="50000"/>
+                    <a:lumOff val="50000"/>
+                  </a:schemeClr>
+                </a:solidFill>
+              </a:rPr>
+              <a:pPr/>
+              <a:t>13</a:t>
+            </a:fld>
+            <a:r>
+              <a:rPr lang="en-US"/>
+              <a:t> </a:t>
+            </a:r>
+            <a:r>
+              <a:rPr lang="en-US">
+                <a:solidFill>
+                  <a:srgbClr val="C1CD23"/>
+                </a:solidFill>
+              </a:rPr>
+              <a:t>|</a:t>
+            </a:r>
+            <a:endParaRPr lang="en-US" dirty="0">
+              <a:solidFill>
+                <a:srgbClr val="C1CD23"/>
+              </a:solidFill>
+            </a:endParaRPr>
+          </a:p>
+        </p:txBody>
+      </p:sp>
     </p:spTree>
     <p:extLst>
       <p:ext uri="{BB962C8B-B14F-4D97-AF65-F5344CB8AC3E}">
@@ -10765,6 +11025,71 @@
           </a:p>
         </p:txBody>
       </p:sp>
+      <p:sp>
+        <p:nvSpPr>
+          <p:cNvPr id="4" name="Slide Number Placeholder 3">
+            <a:extLst>
+              <a:ext uri="{FF2B5EF4-FFF2-40B4-BE49-F238E27FC236}">
+                <a16:creationId xmlns:a16="http://schemas.microsoft.com/office/drawing/2014/main" id="{4388E32E-86FF-485D-8DC0-5AD1E9DA4DB1}"/>
+              </a:ext>
+            </a:extLst>
+          </p:cNvPr>
+          <p:cNvSpPr>
+            <a:spLocks noGrp="1"/>
+          </p:cNvSpPr>
+          <p:nvPr>
+            <p:ph type="sldNum" sz="quarter" idx="4"/>
+          </p:nvPr>
+        </p:nvSpPr>
+        <p:spPr/>
+        <p:txBody>
+          <a:bodyPr/>
+          <a:lstStyle/>
+          <a:p>
+            <a:r>
+              <a:rPr lang="en-US">
+                <a:solidFill>
+                  <a:srgbClr val="C1CD23"/>
+                </a:solidFill>
+              </a:rPr>
+              <a:t>|</a:t>
+            </a:r>
+            <a:r>
+              <a:rPr lang="en-US"/>
+              <a:t> </a:t>
+            </a:r>
+            <a:fld id="{295008BC-DA31-4D19-837B-EFA4386B05F5}" type="slidenum">
+              <a:rPr lang="en-US" smtClean="0">
+                <a:solidFill>
+                  <a:schemeClr val="tx1">
+                    <a:lumMod val="50000"/>
+                    <a:lumOff val="50000"/>
+                  </a:schemeClr>
+                </a:solidFill>
+              </a:rPr>
+              <a:pPr/>
+              <a:t>14</a:t>
+            </a:fld>
+            <a:r>
+              <a:rPr lang="en-US"/>
+              <a:t> </a:t>
+            </a:r>
+            <a:r>
+              <a:rPr lang="en-US">
+                <a:solidFill>
+                  <a:srgbClr val="C1CD23"/>
+                </a:solidFill>
+              </a:rPr>
+              <a:t>|</a:t>
+            </a:r>
+            <a:endParaRPr lang="en-US" dirty="0">
+              <a:solidFill>
+                <a:srgbClr val="C1CD23"/>
+              </a:solidFill>
+            </a:endParaRPr>
+          </a:p>
+        </p:txBody>
+      </p:sp>
     </p:spTree>
     <p:extLst>
       <p:ext uri="{BB962C8B-B14F-4D97-AF65-F5344CB8AC3E}">
@@ -11090,6 +11415,71 @@
           </a:p>
         </p:txBody>
       </p:sp>
+      <p:sp>
+        <p:nvSpPr>
+          <p:cNvPr id="4" name="Slide Number Placeholder 3">
+            <a:extLst>
+              <a:ext uri="{FF2B5EF4-FFF2-40B4-BE49-F238E27FC236}">
+                <a16:creationId xmlns:a16="http://schemas.microsoft.com/office/drawing/2014/main" id="{92DC4B41-815A-4B85-88BF-BD19894B4EE9}"/>
+              </a:ext>
+            </a:extLst>
+          </p:cNvPr>
+          <p:cNvSpPr>
+            <a:spLocks noGrp="1"/>
+          </p:cNvSpPr>
+          <p:nvPr>
+            <p:ph type="sldNum" sz="quarter" idx="4"/>
+          </p:nvPr>
+        </p:nvSpPr>
+        <p:spPr/>
+        <p:txBody>
+          <a:bodyPr/>
+          <a:lstStyle/>
+          <a:p>
+            <a:r>
+              <a:rPr lang="en-US">
+                <a:solidFill>
+                  <a:srgbClr val="C1CD23"/>
+                </a:solidFill>
+              </a:rPr>
+              <a:t>|</a:t>
+            </a:r>
+            <a:r>
+              <a:rPr lang="en-US"/>
+              <a:t> </a:t>
+            </a:r>
+            <a:fld id="{295008BC-DA31-4D19-837B-EFA4386B05F5}" type="slidenum">
+              <a:rPr lang="en-US" smtClean="0">
+                <a:solidFill>
+                  <a:schemeClr val="tx1">
+                    <a:lumMod val="50000"/>
+                    <a:lumOff val="50000"/>
+                  </a:schemeClr>
+                </a:solidFill>
+              </a:rPr>
+              <a:pPr/>
+              <a:t>15</a:t>
+            </a:fld>
+            <a:r>
+              <a:rPr lang="en-US"/>
+              <a:t> </a:t>
+            </a:r>
+            <a:r>
+              <a:rPr lang="en-US">
+                <a:solidFill>
+                  <a:srgbClr val="C1CD23"/>
+                </a:solidFill>
+              </a:rPr>
+              <a:t>|</a:t>
+            </a:r>
+            <a:endParaRPr lang="en-US" dirty="0">
+              <a:solidFill>
+                <a:srgbClr val="C1CD23"/>
+              </a:solidFill>
+            </a:endParaRPr>
+          </a:p>
+        </p:txBody>
+      </p:sp>
     </p:spTree>
     <p:extLst>
       <p:ext uri="{BB962C8B-B14F-4D97-AF65-F5344CB8AC3E}">
@@ -11359,6 +11749,71 @@
           </a:p>
         </p:txBody>
       </p:sp>
+      <p:sp>
+        <p:nvSpPr>
+          <p:cNvPr id="4" name="Slide Number Placeholder 3">
+            <a:extLst>
+              <a:ext uri="{FF2B5EF4-FFF2-40B4-BE49-F238E27FC236}">
+                <a16:creationId xmlns:a16="http://schemas.microsoft.com/office/drawing/2014/main" id="{4FDF4583-7F1D-45EF-965D-7B5223F7A29C}"/>
+              </a:ext>
+            </a:extLst>
+          </p:cNvPr>
+          <p:cNvSpPr>
+            <a:spLocks noGrp="1"/>
+          </p:cNvSpPr>
+          <p:nvPr>
+            <p:ph type="sldNum" sz="quarter" idx="4"/>
+          </p:nvPr>
+        </p:nvSpPr>
+        <p:spPr/>
+        <p:txBody>
+          <a:bodyPr/>
+          <a:lstStyle/>
+          <a:p>
+            <a:r>
+              <a:rPr lang="en-US">
+                <a:solidFill>
+                  <a:srgbClr val="C1CD23"/>
+                </a:solidFill>
+              </a:rPr>
+              <a:t>|</a:t>
+            </a:r>
+            <a:r>
+              <a:rPr lang="en-US"/>
+              <a:t> </a:t>
+            </a:r>
+            <a:fld id="{295008BC-DA31-4D19-837B-EFA4386B05F5}" type="slidenum">
+              <a:rPr lang="en-US" smtClean="0">
+                <a:solidFill>
+                  <a:schemeClr val="tx1">
+                    <a:lumMod val="50000"/>
+                    <a:lumOff val="50000"/>
+                  </a:schemeClr>
+                </a:solidFill>
+              </a:rPr>
+              <a:pPr/>
+              <a:t>17</a:t>
+            </a:fld>
+            <a:r>
+              <a:rPr lang="en-US"/>
+              <a:t> </a:t>
+            </a:r>
+            <a:r>
+              <a:rPr lang="en-US">
+                <a:solidFill>
+                  <a:srgbClr val="C1CD23"/>
+                </a:solidFill>
+              </a:rPr>
+              <a:t>|</a:t>
+            </a:r>
+            <a:endParaRPr lang="en-US" dirty="0">
+              <a:solidFill>
+                <a:srgbClr val="C1CD23"/>
+              </a:solidFill>
+            </a:endParaRPr>
+          </a:p>
+        </p:txBody>
+      </p:sp>
     </p:spTree>
     <p:extLst>
       <p:ext uri="{BB962C8B-B14F-4D97-AF65-F5344CB8AC3E}">
@@ -11700,6 +12155,71 @@
               <a:rPr lang="en-US" dirty="0"/>
               <a:t>These processes are specific to the CVE Program Root CNA (currently MITRE).  Other Root CNAs may have other processes that CNAs need to follow.</a:t>
             </a:r>
+          </a:p>
+        </p:txBody>
+      </p:sp>
+      <p:sp>
+        <p:nvSpPr>
+          <p:cNvPr id="4" name="Slide Number Placeholder 3">
+            <a:extLst>
+              <a:ext uri="{FF2B5EF4-FFF2-40B4-BE49-F238E27FC236}">
+                <a16:creationId xmlns:a16="http://schemas.microsoft.com/office/drawing/2014/main" id="{1962DE07-DC1B-41CC-804C-C055FAB1D1AB}"/>
+              </a:ext>
+            </a:extLst>
+          </p:cNvPr>
+          <p:cNvSpPr>
+            <a:spLocks noGrp="1"/>
+          </p:cNvSpPr>
+          <p:nvPr>
+            <p:ph type="sldNum" sz="quarter" idx="4"/>
+          </p:nvPr>
+        </p:nvSpPr>
+        <p:spPr/>
+        <p:txBody>
+          <a:bodyPr/>
+          <a:lstStyle/>
+          <a:p>
+            <a:r>
+              <a:rPr lang="en-US">
+                <a:solidFill>
+                  <a:srgbClr val="C1CD23"/>
+                </a:solidFill>
+              </a:rPr>
+              <a:t>|</a:t>
+            </a:r>
+            <a:r>
+              <a:rPr lang="en-US"/>
+              <a:t> </a:t>
+            </a:r>
+            <a:fld id="{295008BC-DA31-4D19-837B-EFA4386B05F5}" type="slidenum">
+              <a:rPr lang="en-US" smtClean="0">
+                <a:solidFill>
+                  <a:schemeClr val="tx1">
+                    <a:lumMod val="50000"/>
+                    <a:lumOff val="50000"/>
+                  </a:schemeClr>
+                </a:solidFill>
+              </a:rPr>
+              <a:pPr/>
+              <a:t>2</a:t>
+            </a:fld>
+            <a:r>
+              <a:rPr lang="en-US"/>
+              <a:t> </a:t>
+            </a:r>
+            <a:r>
+              <a:rPr lang="en-US">
+                <a:solidFill>
+                  <a:srgbClr val="C1CD23"/>
+                </a:solidFill>
+              </a:rPr>
+              <a:t>|</a:t>
+            </a:r>
+            <a:endParaRPr lang="en-US" dirty="0">
+              <a:solidFill>
+                <a:srgbClr val="C1CD23"/>
+              </a:solidFill>
+            </a:endParaRPr>
           </a:p>
         </p:txBody>
       </p:sp>
@@ -15179,6 +15699,71 @@
           </a:p>
         </p:txBody>
       </p:sp>
+      <p:sp>
+        <p:nvSpPr>
+          <p:cNvPr id="4" name="Slide Number Placeholder 3">
+            <a:extLst>
+              <a:ext uri="{FF2B5EF4-FFF2-40B4-BE49-F238E27FC236}">
+                <a16:creationId xmlns:a16="http://schemas.microsoft.com/office/drawing/2014/main" id="{737966FC-4135-4EB6-8330-B4B864B57683}"/>
+              </a:ext>
+            </a:extLst>
+          </p:cNvPr>
+          <p:cNvSpPr>
+            <a:spLocks noGrp="1"/>
+          </p:cNvSpPr>
+          <p:nvPr>
+            <p:ph type="sldNum" sz="quarter" idx="4"/>
+          </p:nvPr>
+        </p:nvSpPr>
+        <p:spPr/>
+        <p:txBody>
+          <a:bodyPr/>
+          <a:lstStyle/>
+          <a:p>
+            <a:r>
+              <a:rPr lang="en-US">
+                <a:solidFill>
+                  <a:srgbClr val="C1CD23"/>
+                </a:solidFill>
+              </a:rPr>
+              <a:t>|</a:t>
+            </a:r>
+            <a:r>
+              <a:rPr lang="en-US"/>
+              <a:t> </a:t>
+            </a:r>
+            <a:fld id="{295008BC-DA31-4D19-837B-EFA4386B05F5}" type="slidenum">
+              <a:rPr lang="en-US" smtClean="0">
+                <a:solidFill>
+                  <a:schemeClr val="tx1">
+                    <a:lumMod val="50000"/>
+                    <a:lumOff val="50000"/>
+                  </a:schemeClr>
+                </a:solidFill>
+              </a:rPr>
+              <a:pPr/>
+              <a:t>35</a:t>
+            </a:fld>
+            <a:r>
+              <a:rPr lang="en-US"/>
+              <a:t> </a:t>
+            </a:r>
+            <a:r>
+              <a:rPr lang="en-US">
+                <a:solidFill>
+                  <a:srgbClr val="C1CD23"/>
+                </a:solidFill>
+              </a:rPr>
+              <a:t>|</a:t>
+            </a:r>
+            <a:endParaRPr lang="en-US" dirty="0">
+              <a:solidFill>
+                <a:srgbClr val="C1CD23"/>
+              </a:solidFill>
+            </a:endParaRPr>
+          </a:p>
+        </p:txBody>
+      </p:sp>
     </p:spTree>
     <p:extLst>
       <p:ext uri="{BB962C8B-B14F-4D97-AF65-F5344CB8AC3E}">
@@ -15423,6 +16008,71 @@
           <a:p>
             <a:pPr lvl="3"/>
             <a:endParaRPr lang="en-US" dirty="0"/>
+          </a:p>
+        </p:txBody>
+      </p:sp>
+      <p:sp>
+        <p:nvSpPr>
+          <p:cNvPr id="4" name="Slide Number Placeholder 3">
+            <a:extLst>
+              <a:ext uri="{FF2B5EF4-FFF2-40B4-BE49-F238E27FC236}">
+                <a16:creationId xmlns:a16="http://schemas.microsoft.com/office/drawing/2014/main" id="{8249EE85-8C42-46B2-AFA7-EA19A07B32A9}"/>
+              </a:ext>
+            </a:extLst>
+          </p:cNvPr>
+          <p:cNvSpPr>
+            <a:spLocks noGrp="1"/>
+          </p:cNvSpPr>
+          <p:nvPr>
+            <p:ph type="sldNum" sz="quarter" idx="4"/>
+          </p:nvPr>
+        </p:nvSpPr>
+        <p:spPr/>
+        <p:txBody>
+          <a:bodyPr/>
+          <a:lstStyle/>
+          <a:p>
+            <a:r>
+              <a:rPr lang="en-US">
+                <a:solidFill>
+                  <a:srgbClr val="C1CD23"/>
+                </a:solidFill>
+              </a:rPr>
+              <a:t>|</a:t>
+            </a:r>
+            <a:r>
+              <a:rPr lang="en-US"/>
+              <a:t> </a:t>
+            </a:r>
+            <a:fld id="{295008BC-DA31-4D19-837B-EFA4386B05F5}" type="slidenum">
+              <a:rPr lang="en-US" smtClean="0">
+                <a:solidFill>
+                  <a:schemeClr val="tx1">
+                    <a:lumMod val="50000"/>
+                    <a:lumOff val="50000"/>
+                  </a:schemeClr>
+                </a:solidFill>
+              </a:rPr>
+              <a:pPr/>
+              <a:t>36</a:t>
+            </a:fld>
+            <a:r>
+              <a:rPr lang="en-US"/>
+              <a:t> </a:t>
+            </a:r>
+            <a:r>
+              <a:rPr lang="en-US">
+                <a:solidFill>
+                  <a:srgbClr val="C1CD23"/>
+                </a:solidFill>
+              </a:rPr>
+              <a:t>|</a:t>
+            </a:r>
+            <a:endParaRPr lang="en-US" dirty="0">
+              <a:solidFill>
+                <a:srgbClr val="C1CD23"/>
+              </a:solidFill>
+            </a:endParaRPr>
           </a:p>
         </p:txBody>
       </p:sp>
@@ -16106,6 +16756,71 @@
           </a:p>
         </p:txBody>
       </p:sp>
+      <p:sp>
+        <p:nvSpPr>
+          <p:cNvPr id="4" name="Slide Number Placeholder 3">
+            <a:extLst>
+              <a:ext uri="{FF2B5EF4-FFF2-40B4-BE49-F238E27FC236}">
+                <a16:creationId xmlns:a16="http://schemas.microsoft.com/office/drawing/2014/main" id="{964FED86-D760-47E2-8552-17DA5D0909A0}"/>
+              </a:ext>
+            </a:extLst>
+          </p:cNvPr>
+          <p:cNvSpPr>
+            <a:spLocks noGrp="1"/>
+          </p:cNvSpPr>
+          <p:nvPr>
+            <p:ph type="sldNum" sz="quarter" idx="4"/>
+          </p:nvPr>
+        </p:nvSpPr>
+        <p:spPr/>
+        <p:txBody>
+          <a:bodyPr/>
+          <a:lstStyle/>
+          <a:p>
+            <a:r>
+              <a:rPr lang="en-US">
+                <a:solidFill>
+                  <a:srgbClr val="C1CD23"/>
+                </a:solidFill>
+              </a:rPr>
+              <a:t>|</a:t>
+            </a:r>
+            <a:r>
+              <a:rPr lang="en-US"/>
+              <a:t> </a:t>
+            </a:r>
+            <a:fld id="{295008BC-DA31-4D19-837B-EFA4386B05F5}" type="slidenum">
+              <a:rPr lang="en-US" smtClean="0">
+                <a:solidFill>
+                  <a:schemeClr val="tx1">
+                    <a:lumMod val="50000"/>
+                    <a:lumOff val="50000"/>
+                  </a:schemeClr>
+                </a:solidFill>
+              </a:rPr>
+              <a:pPr/>
+              <a:t>4</a:t>
+            </a:fld>
+            <a:r>
+              <a:rPr lang="en-US"/>
+              <a:t> </a:t>
+            </a:r>
+            <a:r>
+              <a:rPr lang="en-US">
+                <a:solidFill>
+                  <a:srgbClr val="C1CD23"/>
+                </a:solidFill>
+              </a:rPr>
+              <a:t>|</a:t>
+            </a:r>
+            <a:endParaRPr lang="en-US" dirty="0">
+              <a:solidFill>
+                <a:srgbClr val="C1CD23"/>
+              </a:solidFill>
+            </a:endParaRPr>
+          </a:p>
+        </p:txBody>
+      </p:sp>
     </p:spTree>
     <p:extLst>
       <p:ext uri="{BB962C8B-B14F-4D97-AF65-F5344CB8AC3E}">
@@ -18753,6 +19468,71 @@
           </a:p>
         </p:txBody>
       </p:sp>
+      <p:sp>
+        <p:nvSpPr>
+          <p:cNvPr id="4" name="Slide Number Placeholder 3">
+            <a:extLst>
+              <a:ext uri="{FF2B5EF4-FFF2-40B4-BE49-F238E27FC236}">
+                <a16:creationId xmlns:a16="http://schemas.microsoft.com/office/drawing/2014/main" id="{D615D236-342D-4494-AFD5-C44AEF853315}"/>
+              </a:ext>
+            </a:extLst>
+          </p:cNvPr>
+          <p:cNvSpPr>
+            <a:spLocks noGrp="1"/>
+          </p:cNvSpPr>
+          <p:nvPr>
+            <p:ph type="sldNum" sz="quarter" idx="4"/>
+          </p:nvPr>
+        </p:nvSpPr>
+        <p:spPr/>
+        <p:txBody>
+          <a:bodyPr/>
+          <a:lstStyle/>
+          <a:p>
+            <a:r>
+              <a:rPr lang="en-US">
+                <a:solidFill>
+                  <a:srgbClr val="C1CD23"/>
+                </a:solidFill>
+              </a:rPr>
+              <a:t>|</a:t>
+            </a:r>
+            <a:r>
+              <a:rPr lang="en-US"/>
+              <a:t> </a:t>
+            </a:r>
+            <a:fld id="{295008BC-DA31-4D19-837B-EFA4386B05F5}" type="slidenum">
+              <a:rPr lang="en-US" smtClean="0">
+                <a:solidFill>
+                  <a:schemeClr val="tx1">
+                    <a:lumMod val="50000"/>
+                    <a:lumOff val="50000"/>
+                  </a:schemeClr>
+                </a:solidFill>
+              </a:rPr>
+              <a:pPr/>
+              <a:t>5</a:t>
+            </a:fld>
+            <a:r>
+              <a:rPr lang="en-US"/>
+              <a:t> </a:t>
+            </a:r>
+            <a:r>
+              <a:rPr lang="en-US">
+                <a:solidFill>
+                  <a:srgbClr val="C1CD23"/>
+                </a:solidFill>
+              </a:rPr>
+              <a:t>|</a:t>
+            </a:r>
+            <a:endParaRPr lang="en-US" dirty="0">
+              <a:solidFill>
+                <a:srgbClr val="C1CD23"/>
+              </a:solidFill>
+            </a:endParaRPr>
+          </a:p>
+        </p:txBody>
+      </p:sp>
     </p:spTree>
     <p:extLst>
       <p:ext uri="{BB962C8B-B14F-4D97-AF65-F5344CB8AC3E}">
@@ -18965,6 +19745,71 @@
           </a:p>
         </p:txBody>
       </p:sp>
+      <p:sp>
+        <p:nvSpPr>
+          <p:cNvPr id="4" name="Slide Number Placeholder 3">
+            <a:extLst>
+              <a:ext uri="{FF2B5EF4-FFF2-40B4-BE49-F238E27FC236}">
+                <a16:creationId xmlns:a16="http://schemas.microsoft.com/office/drawing/2014/main" id="{AA60A569-CC97-4A3E-8ABF-2486F6225F92}"/>
+              </a:ext>
+            </a:extLst>
+          </p:cNvPr>
+          <p:cNvSpPr>
+            <a:spLocks noGrp="1"/>
+          </p:cNvSpPr>
+          <p:nvPr>
+            <p:ph type="sldNum" sz="quarter" idx="4"/>
+          </p:nvPr>
+        </p:nvSpPr>
+        <p:spPr/>
+        <p:txBody>
+          <a:bodyPr/>
+          <a:lstStyle/>
+          <a:p>
+            <a:r>
+              <a:rPr lang="en-US">
+                <a:solidFill>
+                  <a:srgbClr val="C1CD23"/>
+                </a:solidFill>
+              </a:rPr>
+              <a:t>|</a:t>
+            </a:r>
+            <a:r>
+              <a:rPr lang="en-US"/>
+              <a:t> </a:t>
+            </a:r>
+            <a:fld id="{295008BC-DA31-4D19-837B-EFA4386B05F5}" type="slidenum">
+              <a:rPr lang="en-US" smtClean="0">
+                <a:solidFill>
+                  <a:schemeClr val="tx1">
+                    <a:lumMod val="50000"/>
+                    <a:lumOff val="50000"/>
+                  </a:schemeClr>
+                </a:solidFill>
+              </a:rPr>
+              <a:pPr/>
+              <a:t>7</a:t>
+            </a:fld>
+            <a:r>
+              <a:rPr lang="en-US"/>
+              <a:t> </a:t>
+            </a:r>
+            <a:r>
+              <a:rPr lang="en-US">
+                <a:solidFill>
+                  <a:srgbClr val="C1CD23"/>
+                </a:solidFill>
+              </a:rPr>
+              <a:t>|</a:t>
+            </a:r>
+            <a:endParaRPr lang="en-US" dirty="0">
+              <a:solidFill>
+                <a:srgbClr val="C1CD23"/>
+              </a:solidFill>
+            </a:endParaRPr>
+          </a:p>
+        </p:txBody>
+      </p:sp>
     </p:spTree>
     <p:extLst>
       <p:ext uri="{BB962C8B-B14F-4D97-AF65-F5344CB8AC3E}">
@@ -19150,6 +19995,71 @@
           </a:p>
         </p:txBody>
       </p:sp>
+      <p:sp>
+        <p:nvSpPr>
+          <p:cNvPr id="4" name="Slide Number Placeholder 3">
+            <a:extLst>
+              <a:ext uri="{FF2B5EF4-FFF2-40B4-BE49-F238E27FC236}">
+                <a16:creationId xmlns:a16="http://schemas.microsoft.com/office/drawing/2014/main" id="{2076ADED-D78B-4A15-B2A0-4C05479AA44A}"/>
+              </a:ext>
+            </a:extLst>
+          </p:cNvPr>
+          <p:cNvSpPr>
+            <a:spLocks noGrp="1"/>
+          </p:cNvSpPr>
+          <p:nvPr>
+            <p:ph type="sldNum" sz="quarter" idx="4"/>
+          </p:nvPr>
+        </p:nvSpPr>
+        <p:spPr/>
+        <p:txBody>
+          <a:bodyPr/>
+          <a:lstStyle/>
+          <a:p>
+            <a:r>
+              <a:rPr lang="en-US">
+                <a:solidFill>
+                  <a:srgbClr val="C1CD23"/>
+                </a:solidFill>
+              </a:rPr>
+              <a:t>|</a:t>
+            </a:r>
+            <a:r>
+              <a:rPr lang="en-US"/>
+              <a:t> </a:t>
+            </a:r>
+            <a:fld id="{295008BC-DA31-4D19-837B-EFA4386B05F5}" type="slidenum">
+              <a:rPr lang="en-US" smtClean="0">
+                <a:solidFill>
+                  <a:schemeClr val="tx1">
+                    <a:lumMod val="50000"/>
+                    <a:lumOff val="50000"/>
+                  </a:schemeClr>
+                </a:solidFill>
+              </a:rPr>
+              <a:pPr/>
+              <a:t>8</a:t>
+            </a:fld>
+            <a:r>
+              <a:rPr lang="en-US"/>
+              <a:t> </a:t>
+            </a:r>
+            <a:r>
+              <a:rPr lang="en-US">
+                <a:solidFill>
+                  <a:srgbClr val="C1CD23"/>
+                </a:solidFill>
+              </a:rPr>
+              <a:t>|</a:t>
+            </a:r>
+            <a:endParaRPr lang="en-US" dirty="0">
+              <a:solidFill>
+                <a:srgbClr val="C1CD23"/>
+              </a:solidFill>
+            </a:endParaRPr>
+          </a:p>
+        </p:txBody>
+      </p:sp>
     </p:spTree>
     <p:extLst>
       <p:ext uri="{BB962C8B-B14F-4D97-AF65-F5344CB8AC3E}">
@@ -19453,6 +20363,71 @@
           <a:p>
             <a:pPr lvl="1"/>
             <a:endParaRPr lang="en-US" dirty="0"/>
+          </a:p>
+        </p:txBody>
+      </p:sp>
+      <p:sp>
+        <p:nvSpPr>
+          <p:cNvPr id="4" name="Slide Number Placeholder 3">
+            <a:extLst>
+              <a:ext uri="{FF2B5EF4-FFF2-40B4-BE49-F238E27FC236}">
+                <a16:creationId xmlns:a16="http://schemas.microsoft.com/office/drawing/2014/main" id="{EE389E87-D68C-4AF7-AD59-09D9D4236F03}"/>
+              </a:ext>
+            </a:extLst>
+          </p:cNvPr>
+          <p:cNvSpPr>
+            <a:spLocks noGrp="1"/>
+          </p:cNvSpPr>
+          <p:nvPr>
+            <p:ph type="sldNum" sz="quarter" idx="4"/>
+          </p:nvPr>
+        </p:nvSpPr>
+        <p:spPr/>
+        <p:txBody>
+          <a:bodyPr/>
+          <a:lstStyle/>
+          <a:p>
+            <a:r>
+              <a:rPr lang="en-US">
+                <a:solidFill>
+                  <a:srgbClr val="C1CD23"/>
+                </a:solidFill>
+              </a:rPr>
+              <a:t>|</a:t>
+            </a:r>
+            <a:r>
+              <a:rPr lang="en-US"/>
+              <a:t> </a:t>
+            </a:r>
+            <a:fld id="{295008BC-DA31-4D19-837B-EFA4386B05F5}" type="slidenum">
+              <a:rPr lang="en-US" smtClean="0">
+                <a:solidFill>
+                  <a:schemeClr val="tx1">
+                    <a:lumMod val="50000"/>
+                    <a:lumOff val="50000"/>
+                  </a:schemeClr>
+                </a:solidFill>
+              </a:rPr>
+              <a:pPr/>
+              <a:t>9</a:t>
+            </a:fld>
+            <a:r>
+              <a:rPr lang="en-US"/>
+              <a:t> </a:t>
+            </a:r>
+            <a:r>
+              <a:rPr lang="en-US">
+                <a:solidFill>
+                  <a:srgbClr val="C1CD23"/>
+                </a:solidFill>
+              </a:rPr>
+              <a:t>|</a:t>
+            </a:r>
+            <a:endParaRPr lang="en-US" dirty="0">
+              <a:solidFill>
+                <a:srgbClr val="C1CD23"/>
+              </a:solidFill>
+            </a:endParaRPr>
           </a:p>
         </p:txBody>
       </p:sp>
@@ -20355,18 +21330,18 @@
 </file>
 
 <file path=customXml/item1.xml><?xml version="1.0" encoding="utf-8"?>
+<p:properties xmlns:p="http://schemas.microsoft.com/office/2006/metadata/properties" xmlns:xsi="http://www.w3.org/2001/XMLSchema-instance" xmlns:pc="http://schemas.microsoft.com/office/infopath/2007/PartnerControls">
+  <documentManagement/>
+</p:properties>
+</file>
+
+<file path=customXml/item2.xml><?xml version="1.0" encoding="utf-8"?>
 <?mso-contentType ?>
 <FormTemplates xmlns="http://schemas.microsoft.com/sharepoint/v3/contenttype/forms">
   <Display>DocumentLibraryForm</Display>
   <Edit>DocumentLibraryForm</Edit>
   <New>DocumentLibraryForm</New>
 </FormTemplates>
-</file>
-
-<file path=customXml/item2.xml><?xml version="1.0" encoding="utf-8"?>
-<p:properties xmlns:p="http://schemas.microsoft.com/office/2006/metadata/properties" xmlns:xsi="http://www.w3.org/2001/XMLSchema-instance" xmlns:pc="http://schemas.microsoft.com/office/infopath/2007/PartnerControls">
-  <documentManagement/>
-</p:properties>
 </file>
 
 <file path=customXml/item3.xml><?xml version="1.0" encoding="utf-8"?>
@@ -20484,24 +21459,24 @@
 </file>
 
 <file path=customXml/itemProps1.xml><?xml version="1.0" encoding="utf-8"?>
-<ds:datastoreItem xmlns:ds="http://schemas.openxmlformats.org/officeDocument/2006/customXml" ds:itemID="{416BA5C9-2D71-4B86-AE8A-8C0D9BC5FB22}">
+<ds:datastoreItem xmlns:ds="http://schemas.openxmlformats.org/officeDocument/2006/customXml" ds:itemID="{5450FCDD-08B1-48D8-BB50-7A17E590A5EE}">
   <ds:schemaRefs>
-    <ds:schemaRef ds:uri="http://schemas.microsoft.com/sharepoint/v3/contenttype/forms"/>
+    <ds:schemaRef ds:uri="http://schemas.microsoft.com/office/2006/documentManagement/types"/>
+    <ds:schemaRef ds:uri="http://purl.org/dc/elements/1.1/"/>
+    <ds:schemaRef ds:uri="http://schemas.microsoft.com/office/2006/metadata/properties"/>
+    <ds:schemaRef ds:uri="http://purl.org/dc/terms/"/>
+    <ds:schemaRef ds:uri="http://schemas.openxmlformats.org/package/2006/metadata/core-properties"/>
+    <ds:schemaRef ds:uri="http://purl.org/dc/dcmitype/"/>
+    <ds:schemaRef ds:uri="http://schemas.microsoft.com/office/infopath/2007/PartnerControls"/>
+    <ds:schemaRef ds:uri="http://www.w3.org/XML/1998/namespace"/>
   </ds:schemaRefs>
 </ds:datastoreItem>
 </file>
 
 <file path=customXml/itemProps2.xml><?xml version="1.0" encoding="utf-8"?>
-<ds:datastoreItem xmlns:ds="http://schemas.openxmlformats.org/officeDocument/2006/customXml" ds:itemID="{5450FCDD-08B1-48D8-BB50-7A17E590A5EE}">
+<ds:datastoreItem xmlns:ds="http://schemas.openxmlformats.org/officeDocument/2006/customXml" ds:itemID="{416BA5C9-2D71-4B86-AE8A-8C0D9BC5FB22}">
   <ds:schemaRefs>
-    <ds:schemaRef ds:uri="http://schemas.microsoft.com/office/2006/documentManagement/types"/>
-    <ds:schemaRef ds:uri="http://schemas.microsoft.com/office/infopath/2007/PartnerControls"/>
-    <ds:schemaRef ds:uri="http://purl.org/dc/elements/1.1/"/>
-    <ds:schemaRef ds:uri="http://schemas.microsoft.com/office/2006/metadata/properties"/>
-    <ds:schemaRef ds:uri="http://purl.org/dc/terms/"/>
-    <ds:schemaRef ds:uri="http://schemas.openxmlformats.org/package/2006/metadata/core-properties"/>
-    <ds:schemaRef ds:uri="http://www.w3.org/XML/1998/namespace"/>
-    <ds:schemaRef ds:uri="http://purl.org/dc/dcmitype/"/>
+    <ds:schemaRef ds:uri="http://schemas.microsoft.com/sharepoint/v3/contenttype/forms"/>
   </ds:schemaRefs>
 </ds:datastoreItem>
 </file>

--- a/docs/cna/CVE_Entry_Submission_Process.pptx
+++ b/docs/cna/CVE_Entry_Submission_Process.pptx
@@ -1,6 +1,6 @@
 
 <file path=ppt/presentation.xml><?xml version="1.0" encoding="utf-8"?>
-<p:presentation xmlns:a="http://schemas.openxmlformats.org/drawingml/2006/main" xmlns:r="http://schemas.openxmlformats.org/officeDocument/2006/relationships" xmlns:p="http://schemas.openxmlformats.org/presentationml/2006/main" saveSubsetFonts="1" autoCompressPictures="0">
+<p:presentation xmlns:a="http://schemas.openxmlformats.org/drawingml/2006/main" xmlns:r="http://schemas.openxmlformats.org/officeDocument/2006/relationships" xmlns:p="http://schemas.openxmlformats.org/presentationml/2006/main" showSpecialPlsOnTitleSld="0" saveSubsetFonts="1" autoCompressPictures="0">
   <p:sldMasterIdLst>
     <p:sldMasterId id="2147483656" r:id="rId4"/>
   </p:sldMasterIdLst>
@@ -9750,62 +9750,6 @@
               <a:rPr lang="en-US" dirty="0"/>
               <a:t>CVE Team</a:t>
             </a:r>
-          </a:p>
-        </p:txBody>
-      </p:sp>
-      <p:sp>
-        <p:nvSpPr>
-          <p:cNvPr id="2" name="Slide Number Placeholder 1">
-            <a:extLst>
-              <a:ext uri="{FF2B5EF4-FFF2-40B4-BE49-F238E27FC236}">
-                <a16:creationId xmlns:a16="http://schemas.microsoft.com/office/drawing/2014/main" id="{DF0E2809-7AAC-4377-881A-13E670C8C710}"/>
-              </a:ext>
-            </a:extLst>
-          </p:cNvPr>
-          <p:cNvSpPr>
-            <a:spLocks noGrp="1"/>
-          </p:cNvSpPr>
-          <p:nvPr>
-            <p:ph type="sldNum" sz="quarter" idx="12"/>
-          </p:nvPr>
-        </p:nvSpPr>
-        <p:spPr/>
-        <p:txBody>
-          <a:bodyPr/>
-          <a:lstStyle/>
-          <a:p>
-            <a:r>
-              <a:rPr lang="en-US">
-                <a:latin typeface="Arial" pitchFamily="34" charset="0"/>
-              </a:rPr>
-              <a:t>| </a:t>
-            </a:r>
-            <a:fld id="{295008BC-DA31-4D19-837B-EFA4386B05F5}" type="slidenum">
-              <a:rPr lang="en-US" smtClean="0">
-                <a:latin typeface="Arial" pitchFamily="34" charset="0"/>
-              </a:rPr>
-              <a:pPr/>
-              <a:t>1</a:t>
-            </a:fld>
-            <a:r>
-              <a:rPr lang="en-US">
-                <a:latin typeface="Arial" pitchFamily="34" charset="0"/>
-              </a:rPr>
-              <a:t> |</a:t>
-            </a:r>
-            <a:r>
-              <a:rPr lang="en-US">
-                <a:latin typeface="Arial" pitchFamily="34" charset="0"/>
-                <a:ea typeface="Verdana" pitchFamily="34" charset="0"/>
-                <a:cs typeface="Verdana" pitchFamily="34" charset="0"/>
-              </a:rPr>
-              <a:t> </a:t>
-            </a:r>
-            <a:endParaRPr lang="en-US" dirty="0">
-              <a:latin typeface="Arial" pitchFamily="34" charset="0"/>
-              <a:ea typeface="Verdana" pitchFamily="34" charset="0"/>
-              <a:cs typeface="Verdana" pitchFamily="34" charset="0"/>
-            </a:endParaRPr>
           </a:p>
         </p:txBody>
       </p:sp>

--- a/docs/cna/CVE_Entry_Submission_Process.pptx
+++ b/docs/cna/CVE_Entry_Submission_Process.pptx
@@ -11,56 +11,56 @@
     <p:handoutMasterId r:id="rId53"/>
   </p:handoutMasterIdLst>
   <p:sldIdLst>
-    <p:sldId id="256" r:id="rId5"/>
-    <p:sldId id="260" r:id="rId6"/>
-    <p:sldId id="281" r:id="rId7"/>
-    <p:sldId id="282" r:id="rId8"/>
-    <p:sldId id="283" r:id="rId9"/>
-    <p:sldId id="314" r:id="rId10"/>
-    <p:sldId id="299" r:id="rId11"/>
-    <p:sldId id="261" r:id="rId12"/>
+    <p:sldId id="260" r:id="rId5"/>
+    <p:sldId id="261" r:id="rId6"/>
+    <p:sldId id="262" r:id="rId7"/>
+    <p:sldId id="263" r:id="rId8"/>
+    <p:sldId id="265" r:id="rId9"/>
+    <p:sldId id="266" r:id="rId10"/>
+    <p:sldId id="267" r:id="rId11"/>
+    <p:sldId id="268" r:id="rId12"/>
     <p:sldId id="269" r:id="rId13"/>
-    <p:sldId id="271" r:id="rId14"/>
-    <p:sldId id="262" r:id="rId15"/>
-    <p:sldId id="270" r:id="rId16"/>
-    <p:sldId id="272" r:id="rId17"/>
-    <p:sldId id="275" r:id="rId18"/>
-    <p:sldId id="273" r:id="rId19"/>
-    <p:sldId id="315" r:id="rId20"/>
-    <p:sldId id="264" r:id="rId21"/>
-    <p:sldId id="316" r:id="rId22"/>
-    <p:sldId id="288" r:id="rId23"/>
-    <p:sldId id="289" r:id="rId24"/>
-    <p:sldId id="290" r:id="rId25"/>
-    <p:sldId id="291" r:id="rId26"/>
-    <p:sldId id="292" r:id="rId27"/>
-    <p:sldId id="293" r:id="rId28"/>
-    <p:sldId id="294" r:id="rId29"/>
-    <p:sldId id="295" r:id="rId30"/>
-    <p:sldId id="296" r:id="rId31"/>
-    <p:sldId id="317" r:id="rId32"/>
-    <p:sldId id="301" r:id="rId33"/>
-    <p:sldId id="302" r:id="rId34"/>
-    <p:sldId id="284" r:id="rId35"/>
-    <p:sldId id="285" r:id="rId36"/>
-    <p:sldId id="286" r:id="rId37"/>
-    <p:sldId id="287" r:id="rId38"/>
-    <p:sldId id="265" r:id="rId39"/>
-    <p:sldId id="268" r:id="rId40"/>
-    <p:sldId id="318" r:id="rId41"/>
-    <p:sldId id="304" r:id="rId42"/>
-    <p:sldId id="305" r:id="rId43"/>
-    <p:sldId id="306" r:id="rId44"/>
-    <p:sldId id="307" r:id="rId45"/>
-    <p:sldId id="308" r:id="rId46"/>
-    <p:sldId id="309" r:id="rId47"/>
-    <p:sldId id="310" r:id="rId48"/>
-    <p:sldId id="311" r:id="rId49"/>
-    <p:sldId id="312" r:id="rId50"/>
-    <p:sldId id="313" r:id="rId51"/>
+    <p:sldId id="270" r:id="rId14"/>
+    <p:sldId id="271" r:id="rId15"/>
+    <p:sldId id="272" r:id="rId16"/>
+    <p:sldId id="273" r:id="rId17"/>
+    <p:sldId id="274" r:id="rId18"/>
+    <p:sldId id="275" r:id="rId19"/>
+    <p:sldId id="276" r:id="rId20"/>
+    <p:sldId id="277" r:id="rId21"/>
+    <p:sldId id="278" r:id="rId22"/>
+    <p:sldId id="279" r:id="rId23"/>
+    <p:sldId id="280" r:id="rId24"/>
+    <p:sldId id="281" r:id="rId25"/>
+    <p:sldId id="282" r:id="rId26"/>
+    <p:sldId id="283" r:id="rId27"/>
+    <p:sldId id="284" r:id="rId28"/>
+    <p:sldId id="285" r:id="rId29"/>
+    <p:sldId id="286" r:id="rId30"/>
+    <p:sldId id="287" r:id="rId31"/>
+    <p:sldId id="288" r:id="rId32"/>
+    <p:sldId id="289" r:id="rId33"/>
+    <p:sldId id="290" r:id="rId34"/>
+    <p:sldId id="291" r:id="rId35"/>
+    <p:sldId id="292" r:id="rId36"/>
+    <p:sldId id="293" r:id="rId37"/>
+    <p:sldId id="294" r:id="rId38"/>
+    <p:sldId id="295" r:id="rId39"/>
+    <p:sldId id="296" r:id="rId40"/>
+    <p:sldId id="297" r:id="rId41"/>
+    <p:sldId id="298" r:id="rId42"/>
+    <p:sldId id="299" r:id="rId43"/>
+    <p:sldId id="300" r:id="rId44"/>
+    <p:sldId id="301" r:id="rId45"/>
+    <p:sldId id="302" r:id="rId46"/>
+    <p:sldId id="303" r:id="rId47"/>
+    <p:sldId id="304" r:id="rId48"/>
+    <p:sldId id="305" r:id="rId49"/>
+    <p:sldId id="306" r:id="rId50"/>
+    <p:sldId id="307" r:id="rId51"/>
   </p:sldIdLst>
   <p:sldSz cx="12192000" cy="6858000"/>
-  <p:notesSz cx="7026275" cy="9312275"/>
+  <p:notesSz cx="6858000" cy="9144000"/>
   <p:defaultTextStyle>
     <a:defPPr>
       <a:defRPr lang="en-US"/>
@@ -157,69 +157,6 @@
     </a:lvl9pPr>
   </p:defaultTextStyle>
   <p:extLst>
-    <p:ext uri="{521415D9-36F7-43E2-AB2F-B90AF26B5E84}">
-      <p14:sectionLst xmlns:p14="http://schemas.microsoft.com/office/powerpoint/2010/main">
-        <p14:section name="Default Section" id="{E24B0CD3-FC9E-4ACB-A694-13D40C651DE3}">
-          <p14:sldIdLst>
-            <p14:sldId id="256"/>
-            <p14:sldId id="260"/>
-            <p14:sldId id="281"/>
-            <p14:sldId id="282"/>
-            <p14:sldId id="283"/>
-            <p14:sldId id="314"/>
-            <p14:sldId id="299"/>
-            <p14:sldId id="261"/>
-            <p14:sldId id="269"/>
-            <p14:sldId id="271"/>
-            <p14:sldId id="262"/>
-            <p14:sldId id="270"/>
-            <p14:sldId id="272"/>
-            <p14:sldId id="275"/>
-            <p14:sldId id="273"/>
-            <p14:sldId id="315"/>
-            <p14:sldId id="264"/>
-            <p14:sldId id="316"/>
-            <p14:sldId id="288"/>
-            <p14:sldId id="289"/>
-            <p14:sldId id="290"/>
-            <p14:sldId id="291"/>
-            <p14:sldId id="292"/>
-            <p14:sldId id="293"/>
-            <p14:sldId id="294"/>
-            <p14:sldId id="295"/>
-            <p14:sldId id="296"/>
-          </p14:sldIdLst>
-        </p14:section>
-        <p14:section name="Submissions thru GitHub" id="{C0FE922D-3292-43A6-82D2-CC658DE46AC0}">
-          <p14:sldIdLst>
-            <p14:sldId id="317"/>
-            <p14:sldId id="301"/>
-            <p14:sldId id="302"/>
-            <p14:sldId id="284"/>
-            <p14:sldId id="285"/>
-            <p14:sldId id="286"/>
-            <p14:sldId id="287"/>
-            <p14:sldId id="265"/>
-            <p14:sldId id="268"/>
-          </p14:sldIdLst>
-        </p14:section>
-        <p14:section name="Backup Slides" id="{CB2F0CD1-B11D-4F89-89BB-D0E72192A568}">
-          <p14:sldIdLst>
-            <p14:sldId id="318"/>
-            <p14:sldId id="304"/>
-            <p14:sldId id="305"/>
-            <p14:sldId id="306"/>
-            <p14:sldId id="307"/>
-            <p14:sldId id="308"/>
-            <p14:sldId id="309"/>
-            <p14:sldId id="310"/>
-            <p14:sldId id="311"/>
-            <p14:sldId id="312"/>
-            <p14:sldId id="313"/>
-          </p14:sldIdLst>
-        </p14:section>
-      </p14:sectionLst>
-    </p:ext>
     <p:ext uri="{EFAFB233-063F-42B5-8137-9DF3F51BA10A}">
       <p15:sldGuideLst xmlns:p15="http://schemas.microsoft.com/office/powerpoint/2012/main"/>
     </p:ext>
@@ -271,14 +208,14 @@
         <p:spPr>
           <a:xfrm>
             <a:off x="0" y="0"/>
-            <a:ext cx="3044719" cy="467231"/>
+            <a:ext cx="2971800" cy="458788"/>
           </a:xfrm>
           <a:prstGeom prst="rect">
             <a:avLst/>
           </a:prstGeom>
         </p:spPr>
         <p:txBody>
-          <a:bodyPr vert="horz" lIns="93360" tIns="46680" rIns="93360" bIns="46680" rtlCol="0"/>
+          <a:bodyPr vert="horz" lIns="91440" tIns="45720" rIns="91440" bIns="45720" rtlCol="0"/>
           <a:lstStyle>
             <a:lvl1pPr algn="l">
               <a:defRPr sz="1200"/>
@@ -307,15 +244,15 @@
         </p:nvSpPr>
         <p:spPr>
           <a:xfrm>
-            <a:off x="3979930" y="0"/>
-            <a:ext cx="3044719" cy="467231"/>
+            <a:off x="3884613" y="0"/>
+            <a:ext cx="2971800" cy="458788"/>
           </a:xfrm>
           <a:prstGeom prst="rect">
             <a:avLst/>
           </a:prstGeom>
         </p:spPr>
         <p:txBody>
-          <a:bodyPr vert="horz" lIns="93360" tIns="46680" rIns="93360" bIns="46680" rtlCol="0"/>
+          <a:bodyPr vert="horz" lIns="91440" tIns="45720" rIns="91440" bIns="45720" rtlCol="0"/>
           <a:lstStyle>
             <a:lvl1pPr algn="r">
               <a:defRPr sz="1200"/>
@@ -348,15 +285,15 @@
         </p:nvSpPr>
         <p:spPr>
           <a:xfrm>
-            <a:off x="0" y="8845046"/>
-            <a:ext cx="3044719" cy="467230"/>
+            <a:off x="0" y="8685213"/>
+            <a:ext cx="2971800" cy="458787"/>
           </a:xfrm>
           <a:prstGeom prst="rect">
             <a:avLst/>
           </a:prstGeom>
         </p:spPr>
         <p:txBody>
-          <a:bodyPr vert="horz" lIns="93360" tIns="46680" rIns="93360" bIns="46680" rtlCol="0" anchor="b"/>
+          <a:bodyPr vert="horz" lIns="91440" tIns="45720" rIns="91440" bIns="45720" rtlCol="0" anchor="b"/>
           <a:lstStyle>
             <a:lvl1pPr algn="l">
               <a:defRPr sz="1200"/>
@@ -385,15 +322,15 @@
         </p:nvSpPr>
         <p:spPr>
           <a:xfrm>
-            <a:off x="3979930" y="8845046"/>
-            <a:ext cx="3044719" cy="467230"/>
+            <a:off x="3884613" y="8685213"/>
+            <a:ext cx="2971800" cy="458787"/>
           </a:xfrm>
           <a:prstGeom prst="rect">
             <a:avLst/>
           </a:prstGeom>
         </p:spPr>
         <p:txBody>
-          <a:bodyPr vert="horz" lIns="93360" tIns="46680" rIns="93360" bIns="46680" rtlCol="0" anchor="b"/>
+          <a:bodyPr vert="horz" lIns="91440" tIns="45720" rIns="91440" bIns="45720" rtlCol="0" anchor="b"/>
           <a:lstStyle>
             <a:lvl1pPr algn="r">
               <a:defRPr sz="1200"/>
@@ -454,14 +391,14 @@
         <p:spPr>
           <a:xfrm>
             <a:off x="0" y="0"/>
-            <a:ext cx="3044719" cy="467231"/>
+            <a:ext cx="2971800" cy="458788"/>
           </a:xfrm>
           <a:prstGeom prst="rect">
             <a:avLst/>
           </a:prstGeom>
         </p:spPr>
         <p:txBody>
-          <a:bodyPr vert="horz" lIns="93360" tIns="46680" rIns="93360" bIns="46680" rtlCol="0"/>
+          <a:bodyPr vert="horz" lIns="91440" tIns="45720" rIns="91440" bIns="45720" rtlCol="0"/>
           <a:lstStyle>
             <a:lvl1pPr algn="l">
               <a:defRPr sz="1200"/>
@@ -484,15 +421,15 @@
         </p:nvSpPr>
         <p:spPr>
           <a:xfrm>
-            <a:off x="3979930" y="0"/>
-            <a:ext cx="3044719" cy="467231"/>
+            <a:off x="3884613" y="0"/>
+            <a:ext cx="2971800" cy="458788"/>
           </a:xfrm>
           <a:prstGeom prst="rect">
             <a:avLst/>
           </a:prstGeom>
         </p:spPr>
         <p:txBody>
-          <a:bodyPr vert="horz" lIns="93360" tIns="46680" rIns="93360" bIns="46680" rtlCol="0"/>
+          <a:bodyPr vert="horz" lIns="91440" tIns="45720" rIns="91440" bIns="45720" rtlCol="0"/>
           <a:lstStyle>
             <a:lvl1pPr algn="r">
               <a:defRPr sz="1200"/>
@@ -519,8 +456,8 @@
         </p:nvSpPr>
         <p:spPr>
           <a:xfrm>
-            <a:off x="719138" y="1163638"/>
-            <a:ext cx="5588000" cy="3143250"/>
+            <a:off x="685800" y="1143000"/>
+            <a:ext cx="5486400" cy="3086100"/>
           </a:xfrm>
           <a:prstGeom prst="rect">
             <a:avLst/>
@@ -533,7 +470,7 @@
           </a:ln>
         </p:spPr>
         <p:txBody>
-          <a:bodyPr vert="horz" lIns="93360" tIns="46680" rIns="93360" bIns="46680" rtlCol="0" anchor="ctr"/>
+          <a:bodyPr vert="horz" lIns="91440" tIns="45720" rIns="91440" bIns="45720" rtlCol="0" anchor="ctr"/>
           <a:lstStyle/>
           <a:p>
             <a:endParaRPr lang="en-US"/>
@@ -552,15 +489,15 @@
         </p:nvSpPr>
         <p:spPr>
           <a:xfrm>
-            <a:off x="702628" y="4481532"/>
-            <a:ext cx="5621020" cy="3666708"/>
+            <a:off x="685800" y="4400550"/>
+            <a:ext cx="5486400" cy="3600450"/>
           </a:xfrm>
           <a:prstGeom prst="rect">
             <a:avLst/>
           </a:prstGeom>
         </p:spPr>
         <p:txBody>
-          <a:bodyPr vert="horz" lIns="93360" tIns="46680" rIns="93360" bIns="46680" rtlCol="0"/>
+          <a:bodyPr vert="horz" lIns="91440" tIns="45720" rIns="91440" bIns="45720" rtlCol="0"/>
           <a:lstStyle/>
           <a:p>
             <a:pPr lvl="0"/>
@@ -611,15 +548,15 @@
         </p:nvSpPr>
         <p:spPr>
           <a:xfrm>
-            <a:off x="0" y="8845046"/>
-            <a:ext cx="3044719" cy="467230"/>
+            <a:off x="0" y="8685213"/>
+            <a:ext cx="2971800" cy="458787"/>
           </a:xfrm>
           <a:prstGeom prst="rect">
             <a:avLst/>
           </a:prstGeom>
         </p:spPr>
         <p:txBody>
-          <a:bodyPr vert="horz" lIns="93360" tIns="46680" rIns="93360" bIns="46680" rtlCol="0" anchor="b"/>
+          <a:bodyPr vert="horz" lIns="91440" tIns="45720" rIns="91440" bIns="45720" rtlCol="0" anchor="b"/>
           <a:lstStyle>
             <a:lvl1pPr algn="l">
               <a:defRPr sz="1200"/>
@@ -642,15 +579,15 @@
         </p:nvSpPr>
         <p:spPr>
           <a:xfrm>
-            <a:off x="3979930" y="8845046"/>
-            <a:ext cx="3044719" cy="467230"/>
+            <a:off x="3884613" y="8685213"/>
+            <a:ext cx="2971800" cy="458787"/>
           </a:xfrm>
           <a:prstGeom prst="rect">
             <a:avLst/>
           </a:prstGeom>
         </p:spPr>
         <p:txBody>
-          <a:bodyPr vert="horz" lIns="93360" tIns="46680" rIns="93360" bIns="46680" rtlCol="0" anchor="b"/>
+          <a:bodyPr vert="horz" lIns="91440" tIns="45720" rIns="91440" bIns="45720" rtlCol="0" anchor="b"/>
           <a:lstStyle>
             <a:lvl1pPr algn="r">
               <a:defRPr sz="1200"/>
@@ -5450,8 +5387,8 @@
         </p:nvSpPr>
         <p:spPr bwMode="auto">
           <a:xfrm>
-            <a:off x="3953883" y="6327030"/>
-            <a:ext cx="7655346" cy="415498"/>
+            <a:off x="2611226" y="6327030"/>
+            <a:ext cx="8998004" cy="415498"/>
           </a:xfrm>
           <a:prstGeom prst="rect">
             <a:avLst/>
@@ -5912,8 +5849,8 @@
         </p:nvSpPr>
         <p:spPr bwMode="auto">
           <a:xfrm>
-            <a:off x="3871451" y="6327030"/>
-            <a:ext cx="7737777" cy="415498"/>
+            <a:off x="2601799" y="6327030"/>
+            <a:ext cx="9007430" cy="415498"/>
           </a:xfrm>
           <a:prstGeom prst="rect">
             <a:avLst/>
@@ -6589,8 +6526,8 @@
         </p:nvSpPr>
         <p:spPr bwMode="auto">
           <a:xfrm>
-            <a:off x="3930445" y="6327030"/>
-            <a:ext cx="7678784" cy="415498"/>
+            <a:off x="2573518" y="6327030"/>
+            <a:ext cx="9035711" cy="415498"/>
           </a:xfrm>
           <a:prstGeom prst="rect">
             <a:avLst/>
@@ -7065,8 +7002,8 @@
         </p:nvSpPr>
         <p:spPr bwMode="auto">
           <a:xfrm>
-            <a:off x="3945193" y="6327030"/>
-            <a:ext cx="7664035" cy="415498"/>
+            <a:off x="2564091" y="6327030"/>
+            <a:ext cx="9045137" cy="415498"/>
           </a:xfrm>
           <a:prstGeom prst="rect">
             <a:avLst/>
@@ -7303,8 +7240,8 @@
         </p:nvSpPr>
         <p:spPr bwMode="auto">
           <a:xfrm>
-            <a:off x="3959941" y="6327030"/>
-            <a:ext cx="7649287" cy="415498"/>
+            <a:off x="2611225" y="6327030"/>
+            <a:ext cx="8998003" cy="415498"/>
           </a:xfrm>
           <a:prstGeom prst="rect">
             <a:avLst/>
@@ -7641,8 +7578,8 @@
         </p:nvSpPr>
         <p:spPr bwMode="auto">
           <a:xfrm>
-            <a:off x="3923071" y="6327030"/>
-            <a:ext cx="7686158" cy="415498"/>
+            <a:off x="2582944" y="6327030"/>
+            <a:ext cx="9026285" cy="415498"/>
           </a:xfrm>
           <a:prstGeom prst="rect">
             <a:avLst/>
@@ -7879,8 +7816,8 @@
         </p:nvSpPr>
         <p:spPr bwMode="auto">
           <a:xfrm>
-            <a:off x="3967315" y="6327030"/>
-            <a:ext cx="7641913" cy="415498"/>
+            <a:off x="2601799" y="6327030"/>
+            <a:ext cx="9007430" cy="415498"/>
           </a:xfrm>
           <a:prstGeom prst="rect">
             <a:avLst/>
@@ -8789,8 +8726,8 @@
         </p:nvSpPr>
         <p:spPr bwMode="auto">
           <a:xfrm>
-            <a:off x="3915697" y="6327030"/>
-            <a:ext cx="7693532" cy="415498"/>
+            <a:off x="2601798" y="6327030"/>
+            <a:ext cx="9007431" cy="415498"/>
           </a:xfrm>
           <a:prstGeom prst="rect">
             <a:avLst/>
@@ -9756,7 +9693,7 @@
     </p:spTree>
     <p:extLst>
       <p:ext uri="{BB962C8B-B14F-4D97-AF65-F5344CB8AC3E}">
-        <p14:creationId xmlns:p14="http://schemas.microsoft.com/office/powerpoint/2010/main" val="2462469342"/>
+        <p14:creationId xmlns:p14="http://schemas.microsoft.com/office/powerpoint/2010/main" val="3492938906"/>
       </p:ext>
     </p:extLst>
   </p:cSld>
@@ -19557,7 +19494,7 @@
           <a:lstStyle/>
           <a:p>
             <a:r>
-              <a:rPr lang="en-US">
+              <a:rPr lang="en-US" dirty="0">
                 <a:latin typeface="Arial" pitchFamily="34" charset="0"/>
               </a:rPr>
               <a:t>| </a:t>
@@ -19570,24 +19507,19 @@
               <a:t>6</a:t>
             </a:fld>
             <a:r>
-              <a:rPr lang="en-US">
+              <a:rPr lang="en-US" dirty="0">
                 <a:latin typeface="Arial" pitchFamily="34" charset="0"/>
               </a:rPr>
               <a:t> |</a:t>
             </a:r>
             <a:r>
-              <a:rPr lang="en-US">
+              <a:rPr lang="en-US" dirty="0">
                 <a:latin typeface="Arial" pitchFamily="34" charset="0"/>
                 <a:ea typeface="Verdana" pitchFamily="34" charset="0"/>
                 <a:cs typeface="Verdana" pitchFamily="34" charset="0"/>
               </a:rPr>
               <a:t> </a:t>
             </a:r>
-            <a:endParaRPr lang="en-US" dirty="0">
-              <a:latin typeface="Arial" pitchFamily="34" charset="0"/>
-              <a:ea typeface="Verdana" pitchFamily="34" charset="0"/>
-              <a:cs typeface="Verdana" pitchFamily="34" charset="0"/>
-            </a:endParaRPr>
           </a:p>
         </p:txBody>
       </p:sp>
@@ -21274,21 +21206,6 @@
 </file>
 
 <file path=customXml/item1.xml><?xml version="1.0" encoding="utf-8"?>
-<p:properties xmlns:p="http://schemas.microsoft.com/office/2006/metadata/properties" xmlns:xsi="http://www.w3.org/2001/XMLSchema-instance" xmlns:pc="http://schemas.microsoft.com/office/infopath/2007/PartnerControls">
-  <documentManagement/>
-</p:properties>
-</file>
-
-<file path=customXml/item2.xml><?xml version="1.0" encoding="utf-8"?>
-<?mso-contentType ?>
-<FormTemplates xmlns="http://schemas.microsoft.com/sharepoint/v3/contenttype/forms">
-  <Display>DocumentLibraryForm</Display>
-  <Edit>DocumentLibraryForm</Edit>
-  <New>DocumentLibraryForm</New>
-</FormTemplates>
-</file>
-
-<file path=customXml/item3.xml><?xml version="1.0" encoding="utf-8"?>
 <ct:contentTypeSchema xmlns:ct="http://schemas.microsoft.com/office/2006/metadata/contentType" xmlns:ma="http://schemas.microsoft.com/office/2006/metadata/properties/metaAttributes" ct:_="" ma:_="" ma:contentTypeName="Document" ma:contentTypeID="0x01010010D7D12093FFC84AB17C2D6CFA9D1EDE" ma:contentTypeVersion="7" ma:contentTypeDescription="Create a new document." ma:contentTypeScope="" ma:versionID="85e3c405e50bbbe8816477487156b4fc">
   <xsd:schema xmlns:xsd="http://www.w3.org/2001/XMLSchema" xmlns:xs="http://www.w3.org/2001/XMLSchema" xmlns:p="http://schemas.microsoft.com/office/2006/metadata/properties" targetNamespace="http://schemas.microsoft.com/office/2006/metadata/properties" ma:root="true" ma:fieldsID="6834f8c0c0eabdc6c42b2f987c760c09">
     <xsd:element name="properties">
@@ -21402,17 +21319,33 @@
 </ct:contentTypeSchema>
 </file>
 
+<file path=customXml/item2.xml><?xml version="1.0" encoding="utf-8"?>
+<?mso-contentType ?>
+<FormTemplates xmlns="http://schemas.microsoft.com/sharepoint/v3/contenttype/forms">
+  <Display>DocumentLibraryForm</Display>
+  <Edit>DocumentLibraryForm</Edit>
+  <New>DocumentLibraryForm</New>
+</FormTemplates>
+</file>
+
+<file path=customXml/item3.xml><?xml version="1.0" encoding="utf-8"?>
+<p:properties xmlns:p="http://schemas.microsoft.com/office/2006/metadata/properties" xmlns:xsi="http://www.w3.org/2001/XMLSchema-instance" xmlns:pc="http://schemas.microsoft.com/office/infopath/2007/PartnerControls">
+  <documentManagement/>
+</p:properties>
+</file>
+
 <file path=customXml/itemProps1.xml><?xml version="1.0" encoding="utf-8"?>
-<ds:datastoreItem xmlns:ds="http://schemas.openxmlformats.org/officeDocument/2006/customXml" ds:itemID="{5450FCDD-08B1-48D8-BB50-7A17E590A5EE}">
+<ds:datastoreItem xmlns:ds="http://schemas.openxmlformats.org/officeDocument/2006/customXml" ds:itemID="{95866544-84CD-42FD-B141-A01F66B0BD1C}">
   <ds:schemaRefs>
-    <ds:schemaRef ds:uri="http://schemas.microsoft.com/office/2006/documentManagement/types"/>
+    <ds:schemaRef ds:uri="http://schemas.microsoft.com/office/2006/metadata/contentType"/>
+    <ds:schemaRef ds:uri="http://schemas.microsoft.com/office/2006/metadata/properties/metaAttributes"/>
+    <ds:schemaRef ds:uri="http://www.w3.org/2001/XMLSchema"/>
+    <ds:schemaRef ds:uri="http://schemas.microsoft.com/office/2006/metadata/properties"/>
+    <ds:schemaRef ds:uri="http://schemas.openxmlformats.org/package/2006/metadata/core-properties"/>
     <ds:schemaRef ds:uri="http://purl.org/dc/elements/1.1/"/>
-    <ds:schemaRef ds:uri="http://schemas.microsoft.com/office/2006/metadata/properties"/>
     <ds:schemaRef ds:uri="http://purl.org/dc/terms/"/>
-    <ds:schemaRef ds:uri="http://schemas.openxmlformats.org/package/2006/metadata/core-properties"/>
-    <ds:schemaRef ds:uri="http://purl.org/dc/dcmitype/"/>
+    <ds:schemaRef ds:uri="http://schemas.microsoft.com/internal/obd"/>
     <ds:schemaRef ds:uri="http://schemas.microsoft.com/office/infopath/2007/PartnerControls"/>
-    <ds:schemaRef ds:uri="http://www.w3.org/XML/1998/namespace"/>
   </ds:schemaRefs>
 </ds:datastoreItem>
 </file>
@@ -21426,17 +21359,16 @@
 </file>
 
 <file path=customXml/itemProps3.xml><?xml version="1.0" encoding="utf-8"?>
-<ds:datastoreItem xmlns:ds="http://schemas.openxmlformats.org/officeDocument/2006/customXml" ds:itemID="{95866544-84CD-42FD-B141-A01F66B0BD1C}">
+<ds:datastoreItem xmlns:ds="http://schemas.openxmlformats.org/officeDocument/2006/customXml" ds:itemID="{5450FCDD-08B1-48D8-BB50-7A17E590A5EE}">
   <ds:schemaRefs>
-    <ds:schemaRef ds:uri="http://schemas.microsoft.com/office/2006/metadata/contentType"/>
-    <ds:schemaRef ds:uri="http://schemas.microsoft.com/office/2006/metadata/properties/metaAttributes"/>
-    <ds:schemaRef ds:uri="http://www.w3.org/2001/XMLSchema"/>
+    <ds:schemaRef ds:uri="http://purl.org/dc/terms/"/>
+    <ds:schemaRef ds:uri="http://schemas.openxmlformats.org/package/2006/metadata/core-properties"/>
+    <ds:schemaRef ds:uri="http://schemas.microsoft.com/office/2006/documentManagement/types"/>
+    <ds:schemaRef ds:uri="http://schemas.microsoft.com/office/infopath/2007/PartnerControls"/>
+    <ds:schemaRef ds:uri="http://purl.org/dc/elements/1.1/"/>
     <ds:schemaRef ds:uri="http://schemas.microsoft.com/office/2006/metadata/properties"/>
-    <ds:schemaRef ds:uri="http://schemas.openxmlformats.org/package/2006/metadata/core-properties"/>
-    <ds:schemaRef ds:uri="http://purl.org/dc/elements/1.1/"/>
-    <ds:schemaRef ds:uri="http://purl.org/dc/terms/"/>
-    <ds:schemaRef ds:uri="http://schemas.microsoft.com/internal/obd"/>
-    <ds:schemaRef ds:uri="http://schemas.microsoft.com/office/infopath/2007/PartnerControls"/>
+    <ds:schemaRef ds:uri="http://www.w3.org/XML/1998/namespace"/>
+    <ds:schemaRef ds:uri="http://purl.org/dc/dcmitype/"/>
   </ds:schemaRefs>
 </ds:datastoreItem>
 </file>